--- a/Presentation.pptx
+++ b/Presentation.pptx
@@ -4,17 +4,28 @@
   <p:sldMasterIdLst>
     <p:sldMasterId id="2147483648" r:id="rId1"/>
   </p:sldMasterIdLst>
+  <p:notesMasterIdLst>
+    <p:notesMasterId r:id="rId20"/>
+  </p:notesMasterIdLst>
   <p:sldIdLst>
     <p:sldId id="256" r:id="rId2"/>
-    <p:sldId id="263" r:id="rId3"/>
-    <p:sldId id="257" r:id="rId4"/>
-    <p:sldId id="259" r:id="rId5"/>
-    <p:sldId id="264" r:id="rId6"/>
-    <p:sldId id="260" r:id="rId7"/>
-    <p:sldId id="265" r:id="rId8"/>
-    <p:sldId id="266" r:id="rId9"/>
-    <p:sldId id="261" r:id="rId10"/>
-    <p:sldId id="262" r:id="rId11"/>
+    <p:sldId id="273" r:id="rId3"/>
+    <p:sldId id="263" r:id="rId4"/>
+    <p:sldId id="257" r:id="rId5"/>
+    <p:sldId id="259" r:id="rId6"/>
+    <p:sldId id="264" r:id="rId7"/>
+    <p:sldId id="260" r:id="rId8"/>
+    <p:sldId id="265" r:id="rId9"/>
+    <p:sldId id="266" r:id="rId10"/>
+    <p:sldId id="261" r:id="rId11"/>
+    <p:sldId id="267" r:id="rId12"/>
+    <p:sldId id="268" r:id="rId13"/>
+    <p:sldId id="262" r:id="rId14"/>
+    <p:sldId id="269" r:id="rId15"/>
+    <p:sldId id="270" r:id="rId16"/>
+    <p:sldId id="271" r:id="rId17"/>
+    <p:sldId id="272" r:id="rId18"/>
+    <p:sldId id="274" r:id="rId19"/>
   </p:sldIdLst>
   <p:sldSz cx="12192000" cy="6858000"/>
   <p:notesSz cx="6858000" cy="9144000"/>
@@ -121,6 +132,440 @@
 </p:presentation>
 </file>
 
+<file path=ppt/notesMasters/notesMaster1.xml><?xml version="1.0" encoding="utf-8"?>
+<p:notesMaster xmlns:a="http://schemas.openxmlformats.org/drawingml/2006/main" xmlns:r="http://schemas.openxmlformats.org/officeDocument/2006/relationships" xmlns:p="http://schemas.openxmlformats.org/presentationml/2006/main">
+  <p:cSld>
+    <p:bg>
+      <p:bgRef idx="1001">
+        <a:schemeClr val="bg1"/>
+      </p:bgRef>
+    </p:bg>
+    <p:spTree>
+      <p:nvGrpSpPr>
+        <p:cNvPr id="1" name=""/>
+        <p:cNvGrpSpPr/>
+        <p:nvPr/>
+      </p:nvGrpSpPr>
+      <p:grpSpPr>
+        <a:xfrm>
+          <a:off x="0" y="0"/>
+          <a:ext cx="0" cy="0"/>
+          <a:chOff x="0" y="0"/>
+          <a:chExt cx="0" cy="0"/>
+        </a:xfrm>
+      </p:grpSpPr>
+      <p:sp>
+        <p:nvSpPr>
+          <p:cNvPr id="2" name="Header Placeholder 1"/>
+          <p:cNvSpPr>
+            <a:spLocks noGrp="1"/>
+          </p:cNvSpPr>
+          <p:nvPr>
+            <p:ph type="hdr" sz="quarter"/>
+          </p:nvPr>
+        </p:nvSpPr>
+        <p:spPr>
+          <a:xfrm>
+            <a:off x="0" y="0"/>
+            <a:ext cx="2971800" cy="458788"/>
+          </a:xfrm>
+          <a:prstGeom prst="rect">
+            <a:avLst/>
+          </a:prstGeom>
+        </p:spPr>
+        <p:txBody>
+          <a:bodyPr vert="horz" lIns="91440" tIns="45720" rIns="91440" bIns="45720" rtlCol="0"/>
+          <a:lstStyle>
+            <a:lvl1pPr algn="l">
+              <a:defRPr sz="1200"/>
+            </a:lvl1pPr>
+          </a:lstStyle>
+          <a:p>
+            <a:endParaRPr lang="en-IN"/>
+          </a:p>
+        </p:txBody>
+      </p:sp>
+      <p:sp>
+        <p:nvSpPr>
+          <p:cNvPr id="3" name="Date Placeholder 2"/>
+          <p:cNvSpPr>
+            <a:spLocks noGrp="1"/>
+          </p:cNvSpPr>
+          <p:nvPr>
+            <p:ph type="dt" idx="1"/>
+          </p:nvPr>
+        </p:nvSpPr>
+        <p:spPr>
+          <a:xfrm>
+            <a:off x="3884613" y="0"/>
+            <a:ext cx="2971800" cy="458788"/>
+          </a:xfrm>
+          <a:prstGeom prst="rect">
+            <a:avLst/>
+          </a:prstGeom>
+        </p:spPr>
+        <p:txBody>
+          <a:bodyPr vert="horz" lIns="91440" tIns="45720" rIns="91440" bIns="45720" rtlCol="0"/>
+          <a:lstStyle>
+            <a:lvl1pPr algn="r">
+              <a:defRPr sz="1200"/>
+            </a:lvl1pPr>
+          </a:lstStyle>
+          <a:p>
+            <a:fld id="{B9815BEC-805B-42BD-8D76-C5424D326709}" type="datetimeFigureOut">
+              <a:rPr lang="en-IN" smtClean="0"/>
+              <a:t>16-09-2019</a:t>
+            </a:fld>
+            <a:endParaRPr lang="en-IN"/>
+          </a:p>
+        </p:txBody>
+      </p:sp>
+      <p:sp>
+        <p:nvSpPr>
+          <p:cNvPr id="4" name="Slide Image Placeholder 3"/>
+          <p:cNvSpPr>
+            <a:spLocks noGrp="1" noRot="1" noChangeAspect="1"/>
+          </p:cNvSpPr>
+          <p:nvPr>
+            <p:ph type="sldImg" idx="2"/>
+          </p:nvPr>
+        </p:nvSpPr>
+        <p:spPr>
+          <a:xfrm>
+            <a:off x="685800" y="1143000"/>
+            <a:ext cx="5486400" cy="3086100"/>
+          </a:xfrm>
+          <a:prstGeom prst="rect">
+            <a:avLst/>
+          </a:prstGeom>
+          <a:noFill/>
+          <a:ln w="12700">
+            <a:solidFill>
+              <a:prstClr val="black"/>
+            </a:solidFill>
+          </a:ln>
+        </p:spPr>
+        <p:txBody>
+          <a:bodyPr vert="horz" lIns="91440" tIns="45720" rIns="91440" bIns="45720" rtlCol="0" anchor="ctr"/>
+          <a:lstStyle/>
+          <a:p>
+            <a:endParaRPr lang="en-IN"/>
+          </a:p>
+        </p:txBody>
+      </p:sp>
+      <p:sp>
+        <p:nvSpPr>
+          <p:cNvPr id="5" name="Notes Placeholder 4"/>
+          <p:cNvSpPr>
+            <a:spLocks noGrp="1"/>
+          </p:cNvSpPr>
+          <p:nvPr>
+            <p:ph type="body" sz="quarter" idx="3"/>
+          </p:nvPr>
+        </p:nvSpPr>
+        <p:spPr>
+          <a:xfrm>
+            <a:off x="685800" y="4400550"/>
+            <a:ext cx="5486400" cy="3600450"/>
+          </a:xfrm>
+          <a:prstGeom prst="rect">
+            <a:avLst/>
+          </a:prstGeom>
+        </p:spPr>
+        <p:txBody>
+          <a:bodyPr vert="horz" lIns="91440" tIns="45720" rIns="91440" bIns="45720" rtlCol="0"/>
+          <a:lstStyle/>
+          <a:p>
+            <a:pPr lvl="0"/>
+            <a:r>
+              <a:rPr lang="en-US"/>
+              <a:t>Click to edit Master text styles</a:t>
+            </a:r>
+          </a:p>
+          <a:p>
+            <a:pPr lvl="1"/>
+            <a:r>
+              <a:rPr lang="en-US"/>
+              <a:t>Second level</a:t>
+            </a:r>
+          </a:p>
+          <a:p>
+            <a:pPr lvl="2"/>
+            <a:r>
+              <a:rPr lang="en-US"/>
+              <a:t>Third level</a:t>
+            </a:r>
+          </a:p>
+          <a:p>
+            <a:pPr lvl="3"/>
+            <a:r>
+              <a:rPr lang="en-US"/>
+              <a:t>Fourth level</a:t>
+            </a:r>
+          </a:p>
+          <a:p>
+            <a:pPr lvl="4"/>
+            <a:r>
+              <a:rPr lang="en-US"/>
+              <a:t>Fifth level</a:t>
+            </a:r>
+            <a:endParaRPr lang="en-IN"/>
+          </a:p>
+        </p:txBody>
+      </p:sp>
+      <p:sp>
+        <p:nvSpPr>
+          <p:cNvPr id="6" name="Footer Placeholder 5"/>
+          <p:cNvSpPr>
+            <a:spLocks noGrp="1"/>
+          </p:cNvSpPr>
+          <p:nvPr>
+            <p:ph type="ftr" sz="quarter" idx="4"/>
+          </p:nvPr>
+        </p:nvSpPr>
+        <p:spPr>
+          <a:xfrm>
+            <a:off x="0" y="8685213"/>
+            <a:ext cx="2971800" cy="458787"/>
+          </a:xfrm>
+          <a:prstGeom prst="rect">
+            <a:avLst/>
+          </a:prstGeom>
+        </p:spPr>
+        <p:txBody>
+          <a:bodyPr vert="horz" lIns="91440" tIns="45720" rIns="91440" bIns="45720" rtlCol="0" anchor="b"/>
+          <a:lstStyle>
+            <a:lvl1pPr algn="l">
+              <a:defRPr sz="1200"/>
+            </a:lvl1pPr>
+          </a:lstStyle>
+          <a:p>
+            <a:endParaRPr lang="en-IN"/>
+          </a:p>
+        </p:txBody>
+      </p:sp>
+      <p:sp>
+        <p:nvSpPr>
+          <p:cNvPr id="7" name="Slide Number Placeholder 6"/>
+          <p:cNvSpPr>
+            <a:spLocks noGrp="1"/>
+          </p:cNvSpPr>
+          <p:nvPr>
+            <p:ph type="sldNum" sz="quarter" idx="5"/>
+          </p:nvPr>
+        </p:nvSpPr>
+        <p:spPr>
+          <a:xfrm>
+            <a:off x="3884613" y="8685213"/>
+            <a:ext cx="2971800" cy="458787"/>
+          </a:xfrm>
+          <a:prstGeom prst="rect">
+            <a:avLst/>
+          </a:prstGeom>
+        </p:spPr>
+        <p:txBody>
+          <a:bodyPr vert="horz" lIns="91440" tIns="45720" rIns="91440" bIns="45720" rtlCol="0" anchor="b"/>
+          <a:lstStyle>
+            <a:lvl1pPr algn="r">
+              <a:defRPr sz="1200"/>
+            </a:lvl1pPr>
+          </a:lstStyle>
+          <a:p>
+            <a:fld id="{C3DA2315-9FBD-4BC0-AFC9-DA43B2BF6793}" type="slidenum">
+              <a:rPr lang="en-IN" smtClean="0"/>
+              <a:t>‹#›</a:t>
+            </a:fld>
+            <a:endParaRPr lang="en-IN"/>
+          </a:p>
+        </p:txBody>
+      </p:sp>
+    </p:spTree>
+    <p:extLst>
+      <p:ext uri="{BB962C8B-B14F-4D97-AF65-F5344CB8AC3E}">
+        <p14:creationId xmlns:p14="http://schemas.microsoft.com/office/powerpoint/2010/main" val="1637448493"/>
+      </p:ext>
+    </p:extLst>
+  </p:cSld>
+  <p:clrMap bg1="lt1" tx1="dk1" bg2="lt2" tx2="dk2" accent1="accent1" accent2="accent2" accent3="accent3" accent4="accent4" accent5="accent5" accent6="accent6" hlink="hlink" folHlink="folHlink"/>
+  <p:notesStyle>
+    <a:lvl1pPr marL="0" algn="l" defTabSz="914400" rtl="0" eaLnBrk="1" latinLnBrk="0" hangingPunct="1">
+      <a:defRPr sz="1200" kern="1200">
+        <a:solidFill>
+          <a:schemeClr val="tx1"/>
+        </a:solidFill>
+        <a:latin typeface="+mn-lt"/>
+        <a:ea typeface="+mn-ea"/>
+        <a:cs typeface="+mn-cs"/>
+      </a:defRPr>
+    </a:lvl1pPr>
+    <a:lvl2pPr marL="457200" algn="l" defTabSz="914400" rtl="0" eaLnBrk="1" latinLnBrk="0" hangingPunct="1">
+      <a:defRPr sz="1200" kern="1200">
+        <a:solidFill>
+          <a:schemeClr val="tx1"/>
+        </a:solidFill>
+        <a:latin typeface="+mn-lt"/>
+        <a:ea typeface="+mn-ea"/>
+        <a:cs typeface="+mn-cs"/>
+      </a:defRPr>
+    </a:lvl2pPr>
+    <a:lvl3pPr marL="914400" algn="l" defTabSz="914400" rtl="0" eaLnBrk="1" latinLnBrk="0" hangingPunct="1">
+      <a:defRPr sz="1200" kern="1200">
+        <a:solidFill>
+          <a:schemeClr val="tx1"/>
+        </a:solidFill>
+        <a:latin typeface="+mn-lt"/>
+        <a:ea typeface="+mn-ea"/>
+        <a:cs typeface="+mn-cs"/>
+      </a:defRPr>
+    </a:lvl3pPr>
+    <a:lvl4pPr marL="1371600" algn="l" defTabSz="914400" rtl="0" eaLnBrk="1" latinLnBrk="0" hangingPunct="1">
+      <a:defRPr sz="1200" kern="1200">
+        <a:solidFill>
+          <a:schemeClr val="tx1"/>
+        </a:solidFill>
+        <a:latin typeface="+mn-lt"/>
+        <a:ea typeface="+mn-ea"/>
+        <a:cs typeface="+mn-cs"/>
+      </a:defRPr>
+    </a:lvl4pPr>
+    <a:lvl5pPr marL="1828800" algn="l" defTabSz="914400" rtl="0" eaLnBrk="1" latinLnBrk="0" hangingPunct="1">
+      <a:defRPr sz="1200" kern="1200">
+        <a:solidFill>
+          <a:schemeClr val="tx1"/>
+        </a:solidFill>
+        <a:latin typeface="+mn-lt"/>
+        <a:ea typeface="+mn-ea"/>
+        <a:cs typeface="+mn-cs"/>
+      </a:defRPr>
+    </a:lvl5pPr>
+    <a:lvl6pPr marL="2286000" algn="l" defTabSz="914400" rtl="0" eaLnBrk="1" latinLnBrk="0" hangingPunct="1">
+      <a:defRPr sz="1200" kern="1200">
+        <a:solidFill>
+          <a:schemeClr val="tx1"/>
+        </a:solidFill>
+        <a:latin typeface="+mn-lt"/>
+        <a:ea typeface="+mn-ea"/>
+        <a:cs typeface="+mn-cs"/>
+      </a:defRPr>
+    </a:lvl6pPr>
+    <a:lvl7pPr marL="2743200" algn="l" defTabSz="914400" rtl="0" eaLnBrk="1" latinLnBrk="0" hangingPunct="1">
+      <a:defRPr sz="1200" kern="1200">
+        <a:solidFill>
+          <a:schemeClr val="tx1"/>
+        </a:solidFill>
+        <a:latin typeface="+mn-lt"/>
+        <a:ea typeface="+mn-ea"/>
+        <a:cs typeface="+mn-cs"/>
+      </a:defRPr>
+    </a:lvl7pPr>
+    <a:lvl8pPr marL="3200400" algn="l" defTabSz="914400" rtl="0" eaLnBrk="1" latinLnBrk="0" hangingPunct="1">
+      <a:defRPr sz="1200" kern="1200">
+        <a:solidFill>
+          <a:schemeClr val="tx1"/>
+        </a:solidFill>
+        <a:latin typeface="+mn-lt"/>
+        <a:ea typeface="+mn-ea"/>
+        <a:cs typeface="+mn-cs"/>
+      </a:defRPr>
+    </a:lvl8pPr>
+    <a:lvl9pPr marL="3657600" algn="l" defTabSz="914400" rtl="0" eaLnBrk="1" latinLnBrk="0" hangingPunct="1">
+      <a:defRPr sz="1200" kern="1200">
+        <a:solidFill>
+          <a:schemeClr val="tx1"/>
+        </a:solidFill>
+        <a:latin typeface="+mn-lt"/>
+        <a:ea typeface="+mn-ea"/>
+        <a:cs typeface="+mn-cs"/>
+      </a:defRPr>
+    </a:lvl9pPr>
+  </p:notesStyle>
+</p:notesMaster>
+</file>
+
+<file path=ppt/notesSlides/notesSlide1.xml><?xml version="1.0" encoding="utf-8"?>
+<p:notes xmlns:a="http://schemas.openxmlformats.org/drawingml/2006/main" xmlns:r="http://schemas.openxmlformats.org/officeDocument/2006/relationships" xmlns:p="http://schemas.openxmlformats.org/presentationml/2006/main">
+  <p:cSld>
+    <p:spTree>
+      <p:nvGrpSpPr>
+        <p:cNvPr id="1" name=""/>
+        <p:cNvGrpSpPr/>
+        <p:nvPr/>
+      </p:nvGrpSpPr>
+      <p:grpSpPr>
+        <a:xfrm>
+          <a:off x="0" y="0"/>
+          <a:ext cx="0" cy="0"/>
+          <a:chOff x="0" y="0"/>
+          <a:chExt cx="0" cy="0"/>
+        </a:xfrm>
+      </p:grpSpPr>
+      <p:sp>
+        <p:nvSpPr>
+          <p:cNvPr id="2" name="Slide Image Placeholder 1"/>
+          <p:cNvSpPr>
+            <a:spLocks noGrp="1" noRot="1" noChangeAspect="1"/>
+          </p:cNvSpPr>
+          <p:nvPr>
+            <p:ph type="sldImg"/>
+          </p:nvPr>
+        </p:nvSpPr>
+        <p:spPr/>
+      </p:sp>
+      <p:sp>
+        <p:nvSpPr>
+          <p:cNvPr id="3" name="Notes Placeholder 2"/>
+          <p:cNvSpPr>
+            <a:spLocks noGrp="1"/>
+          </p:cNvSpPr>
+          <p:nvPr>
+            <p:ph type="body" idx="1"/>
+          </p:nvPr>
+        </p:nvSpPr>
+        <p:spPr/>
+        <p:txBody>
+          <a:bodyPr/>
+          <a:lstStyle/>
+          <a:p>
+            <a:endParaRPr lang="en-IN" dirty="0"/>
+          </a:p>
+        </p:txBody>
+      </p:sp>
+      <p:sp>
+        <p:nvSpPr>
+          <p:cNvPr id="4" name="Slide Number Placeholder 3"/>
+          <p:cNvSpPr>
+            <a:spLocks noGrp="1"/>
+          </p:cNvSpPr>
+          <p:nvPr>
+            <p:ph type="sldNum" sz="quarter" idx="5"/>
+          </p:nvPr>
+        </p:nvSpPr>
+        <p:spPr/>
+        <p:txBody>
+          <a:bodyPr/>
+          <a:lstStyle/>
+          <a:p>
+            <a:fld id="{C3DA2315-9FBD-4BC0-AFC9-DA43B2BF6793}" type="slidenum">
+              <a:rPr lang="en-IN" smtClean="0"/>
+              <a:t>18</a:t>
+            </a:fld>
+            <a:endParaRPr lang="en-IN"/>
+          </a:p>
+        </p:txBody>
+      </p:sp>
+    </p:spTree>
+    <p:extLst>
+      <p:ext uri="{BB962C8B-B14F-4D97-AF65-F5344CB8AC3E}">
+        <p14:creationId xmlns:p14="http://schemas.microsoft.com/office/powerpoint/2010/main" val="2404013144"/>
+      </p:ext>
+    </p:extLst>
+  </p:cSld>
+  <p:clrMapOvr>
+    <a:masterClrMapping/>
+  </p:clrMapOvr>
+</p:notes>
+</file>
+
 <file path=ppt/slideLayouts/slideLayout1.xml><?xml version="1.0" encoding="utf-8"?>
 <p:sldLayout xmlns:a="http://schemas.openxmlformats.org/drawingml/2006/main" xmlns:r="http://schemas.openxmlformats.org/officeDocument/2006/relationships" xmlns:p="http://schemas.openxmlformats.org/presentationml/2006/main" type="title" preserve="1">
   <p:cSld name="Title Slide">
@@ -270,7 +715,7 @@
           <a:p>
             <a:fld id="{19579CCE-6092-4BF9-AE12-B810C820FD6D}" type="datetimeFigureOut">
               <a:rPr lang="en-IN" smtClean="0"/>
-              <a:t>15-09-2019</a:t>
+              <a:t>16-09-2019</a:t>
             </a:fld>
             <a:endParaRPr lang="en-IN"/>
           </a:p>
@@ -470,7 +915,7 @@
           <a:p>
             <a:fld id="{19579CCE-6092-4BF9-AE12-B810C820FD6D}" type="datetimeFigureOut">
               <a:rPr lang="en-IN" smtClean="0"/>
-              <a:t>15-09-2019</a:t>
+              <a:t>16-09-2019</a:t>
             </a:fld>
             <a:endParaRPr lang="en-IN"/>
           </a:p>
@@ -680,7 +1125,7 @@
           <a:p>
             <a:fld id="{19579CCE-6092-4BF9-AE12-B810C820FD6D}" type="datetimeFigureOut">
               <a:rPr lang="en-IN" smtClean="0"/>
-              <a:t>15-09-2019</a:t>
+              <a:t>16-09-2019</a:t>
             </a:fld>
             <a:endParaRPr lang="en-IN"/>
           </a:p>
@@ -880,7 +1325,7 @@
           <a:p>
             <a:fld id="{19579CCE-6092-4BF9-AE12-B810C820FD6D}" type="datetimeFigureOut">
               <a:rPr lang="en-IN" smtClean="0"/>
-              <a:t>15-09-2019</a:t>
+              <a:t>16-09-2019</a:t>
             </a:fld>
             <a:endParaRPr lang="en-IN"/>
           </a:p>
@@ -1156,7 +1601,7 @@
           <a:p>
             <a:fld id="{19579CCE-6092-4BF9-AE12-B810C820FD6D}" type="datetimeFigureOut">
               <a:rPr lang="en-IN" smtClean="0"/>
-              <a:t>15-09-2019</a:t>
+              <a:t>16-09-2019</a:t>
             </a:fld>
             <a:endParaRPr lang="en-IN"/>
           </a:p>
@@ -1424,7 +1869,7 @@
           <a:p>
             <a:fld id="{19579CCE-6092-4BF9-AE12-B810C820FD6D}" type="datetimeFigureOut">
               <a:rPr lang="en-IN" smtClean="0"/>
-              <a:t>15-09-2019</a:t>
+              <a:t>16-09-2019</a:t>
             </a:fld>
             <a:endParaRPr lang="en-IN"/>
           </a:p>
@@ -1839,7 +2284,7 @@
           <a:p>
             <a:fld id="{19579CCE-6092-4BF9-AE12-B810C820FD6D}" type="datetimeFigureOut">
               <a:rPr lang="en-IN" smtClean="0"/>
-              <a:t>15-09-2019</a:t>
+              <a:t>16-09-2019</a:t>
             </a:fld>
             <a:endParaRPr lang="en-IN"/>
           </a:p>
@@ -1981,7 +2426,7 @@
           <a:p>
             <a:fld id="{19579CCE-6092-4BF9-AE12-B810C820FD6D}" type="datetimeFigureOut">
               <a:rPr lang="en-IN" smtClean="0"/>
-              <a:t>15-09-2019</a:t>
+              <a:t>16-09-2019</a:t>
             </a:fld>
             <a:endParaRPr lang="en-IN"/>
           </a:p>
@@ -2094,7 +2539,7 @@
           <a:p>
             <a:fld id="{19579CCE-6092-4BF9-AE12-B810C820FD6D}" type="datetimeFigureOut">
               <a:rPr lang="en-IN" smtClean="0"/>
-              <a:t>15-09-2019</a:t>
+              <a:t>16-09-2019</a:t>
             </a:fld>
             <a:endParaRPr lang="en-IN"/>
           </a:p>
@@ -2407,7 +2852,7 @@
           <a:p>
             <a:fld id="{19579CCE-6092-4BF9-AE12-B810C820FD6D}" type="datetimeFigureOut">
               <a:rPr lang="en-IN" smtClean="0"/>
-              <a:t>15-09-2019</a:t>
+              <a:t>16-09-2019</a:t>
             </a:fld>
             <a:endParaRPr lang="en-IN"/>
           </a:p>
@@ -2696,7 +3141,7 @@
           <a:p>
             <a:fld id="{19579CCE-6092-4BF9-AE12-B810C820FD6D}" type="datetimeFigureOut">
               <a:rPr lang="en-IN" smtClean="0"/>
-              <a:t>15-09-2019</a:t>
+              <a:t>16-09-2019</a:t>
             </a:fld>
             <a:endParaRPr lang="en-IN"/>
           </a:p>
@@ -2939,7 +3384,7 @@
           <a:p>
             <a:fld id="{19579CCE-6092-4BF9-AE12-B810C820FD6D}" type="datetimeFigureOut">
               <a:rPr lang="en-IN" smtClean="0"/>
-              <a:t>15-09-2019</a:t>
+              <a:t>16-09-2019</a:t>
             </a:fld>
             <a:endParaRPr lang="en-IN"/>
           </a:p>
@@ -4160,7 +4605,7 @@
             <a:pPr algn="ctr"/>
             <a:r>
               <a:rPr lang="en-US" sz="2800" dirty="0"/>
-              <a:t>Visualization</a:t>
+              <a:t>Processing</a:t>
             </a:r>
             <a:endParaRPr lang="en-IN" sz="2800" dirty="0"/>
           </a:p>
@@ -4197,8 +4642,222 @@
         </p:blipFill>
         <p:spPr>
           <a:xfrm rot="11834986">
-            <a:off x="4885647" y="1122299"/>
+            <a:off x="4885647" y="1520591"/>
             <a:ext cx="574598" cy="574598"/>
+          </a:xfrm>
+          <a:prstGeom prst="rect">
+            <a:avLst/>
+          </a:prstGeom>
+        </p:spPr>
+      </p:pic>
+      <p:sp>
+        <p:nvSpPr>
+          <p:cNvPr id="29" name="TextBox 28">
+            <a:extLst>
+              <a:ext uri="{FF2B5EF4-FFF2-40B4-BE49-F238E27FC236}">
+                <a16:creationId xmlns:a16="http://schemas.microsoft.com/office/drawing/2014/main" id="{5F916358-E07A-4C5B-B924-DBAE905AB881}"/>
+              </a:ext>
+            </a:extLst>
+          </p:cNvPr>
+          <p:cNvSpPr txBox="1"/>
+          <p:nvPr/>
+        </p:nvSpPr>
+        <p:spPr>
+          <a:xfrm>
+            <a:off x="8111195" y="527051"/>
+            <a:ext cx="3086935" cy="646331"/>
+          </a:xfrm>
+          <a:prstGeom prst="rect">
+            <a:avLst/>
+          </a:prstGeom>
+          <a:noFill/>
+        </p:spPr>
+        <p:txBody>
+          <a:bodyPr wrap="none" rtlCol="0">
+            <a:spAutoFit/>
+          </a:bodyPr>
+          <a:lstStyle/>
+          <a:p>
+            <a:r>
+              <a:rPr lang="en-US" dirty="0">
+                <a:solidFill>
+                  <a:schemeClr val="bg1"/>
+                </a:solidFill>
+              </a:rPr>
+              <a:t>Extracted data from MongoDB </a:t>
+            </a:r>
+          </a:p>
+          <a:p>
+            <a:r>
+              <a:rPr lang="en-US" dirty="0">
+                <a:solidFill>
+                  <a:schemeClr val="bg1"/>
+                </a:solidFill>
+              </a:rPr>
+              <a:t>using </a:t>
+            </a:r>
+            <a:r>
+              <a:rPr lang="en-US" dirty="0" err="1">
+                <a:solidFill>
+                  <a:schemeClr val="bg1"/>
+                </a:solidFill>
+              </a:rPr>
+              <a:t>Pymongo</a:t>
+            </a:r>
+            <a:r>
+              <a:rPr lang="en-US" dirty="0">
+                <a:solidFill>
+                  <a:schemeClr val="bg1"/>
+                </a:solidFill>
+              </a:rPr>
+              <a:t> queries</a:t>
+            </a:r>
+            <a:endParaRPr lang="en-IN" dirty="0">
+              <a:solidFill>
+                <a:schemeClr val="bg1"/>
+              </a:solidFill>
+            </a:endParaRPr>
+          </a:p>
+        </p:txBody>
+      </p:sp>
+      <p:sp>
+        <p:nvSpPr>
+          <p:cNvPr id="30" name="TextBox 29">
+            <a:extLst>
+              <a:ext uri="{FF2B5EF4-FFF2-40B4-BE49-F238E27FC236}">
+                <a16:creationId xmlns:a16="http://schemas.microsoft.com/office/drawing/2014/main" id="{6F821BFA-AD0E-436F-A13D-E85AECE3AC12}"/>
+              </a:ext>
+            </a:extLst>
+          </p:cNvPr>
+          <p:cNvSpPr txBox="1"/>
+          <p:nvPr/>
+        </p:nvSpPr>
+        <p:spPr>
+          <a:xfrm>
+            <a:off x="8111195" y="2650835"/>
+            <a:ext cx="3645998" cy="646331"/>
+          </a:xfrm>
+          <a:prstGeom prst="rect">
+            <a:avLst/>
+          </a:prstGeom>
+          <a:noFill/>
+        </p:spPr>
+        <p:txBody>
+          <a:bodyPr wrap="none" rtlCol="0">
+            <a:spAutoFit/>
+          </a:bodyPr>
+          <a:lstStyle/>
+          <a:p>
+            <a:r>
+              <a:rPr lang="en-US" dirty="0">
+                <a:solidFill>
+                  <a:schemeClr val="bg1"/>
+                </a:solidFill>
+              </a:rPr>
+              <a:t>Data is then processed and </a:t>
+            </a:r>
+            <a:r>
+              <a:rPr lang="en-US" dirty="0" err="1">
+                <a:solidFill>
+                  <a:schemeClr val="bg1"/>
+                </a:solidFill>
+              </a:rPr>
+              <a:t>analysed</a:t>
+            </a:r>
+            <a:r>
+              <a:rPr lang="en-US" dirty="0">
+                <a:solidFill>
+                  <a:schemeClr val="bg1"/>
+                </a:solidFill>
+              </a:rPr>
+              <a:t> </a:t>
+            </a:r>
+          </a:p>
+          <a:p>
+            <a:r>
+              <a:rPr lang="en-US" dirty="0">
+                <a:solidFill>
+                  <a:schemeClr val="bg1"/>
+                </a:solidFill>
+              </a:rPr>
+              <a:t>for inferences</a:t>
+            </a:r>
+            <a:endParaRPr lang="en-IN" dirty="0">
+              <a:solidFill>
+                <a:schemeClr val="bg1"/>
+              </a:solidFill>
+            </a:endParaRPr>
+          </a:p>
+        </p:txBody>
+      </p:sp>
+      <p:sp>
+        <p:nvSpPr>
+          <p:cNvPr id="31" name="TextBox 30">
+            <a:extLst>
+              <a:ext uri="{FF2B5EF4-FFF2-40B4-BE49-F238E27FC236}">
+                <a16:creationId xmlns:a16="http://schemas.microsoft.com/office/drawing/2014/main" id="{70C33C69-7788-4D7B-9BA9-9FD81EEE8C0A}"/>
+              </a:ext>
+            </a:extLst>
+          </p:cNvPr>
+          <p:cNvSpPr txBox="1"/>
+          <p:nvPr/>
+        </p:nvSpPr>
+        <p:spPr>
+          <a:xfrm>
+            <a:off x="8111195" y="4495072"/>
+            <a:ext cx="4022255" cy="369332"/>
+          </a:xfrm>
+          <a:prstGeom prst="rect">
+            <a:avLst/>
+          </a:prstGeom>
+          <a:noFill/>
+        </p:spPr>
+        <p:txBody>
+          <a:bodyPr wrap="none" rtlCol="0">
+            <a:spAutoFit/>
+          </a:bodyPr>
+          <a:lstStyle/>
+          <a:p>
+            <a:r>
+              <a:rPr lang="en-US" dirty="0">
+                <a:solidFill>
+                  <a:schemeClr val="bg1"/>
+                </a:solidFill>
+              </a:rPr>
+              <a:t>Correlation between variables is checked</a:t>
+            </a:r>
+            <a:endParaRPr lang="en-IN" dirty="0">
+              <a:solidFill>
+                <a:schemeClr val="bg1"/>
+              </a:solidFill>
+            </a:endParaRPr>
+          </a:p>
+        </p:txBody>
+      </p:sp>
+      <p:pic>
+        <p:nvPicPr>
+          <p:cNvPr id="17" name="Picture 16">
+            <a:extLst>
+              <a:ext uri="{FF2B5EF4-FFF2-40B4-BE49-F238E27FC236}">
+                <a16:creationId xmlns:a16="http://schemas.microsoft.com/office/drawing/2014/main" id="{7E070335-54B6-46D1-BAF9-B009E3D459D6}"/>
+              </a:ext>
+            </a:extLst>
+          </p:cNvPr>
+          <p:cNvPicPr>
+            <a:picLocks noChangeAspect="1"/>
+          </p:cNvPicPr>
+          <p:nvPr/>
+        </p:nvPicPr>
+        <p:blipFill>
+          <a:blip r:embed="rId4"/>
+          <a:stretch>
+            <a:fillRect/>
+          </a:stretch>
+        </p:blipFill>
+        <p:spPr>
+          <a:xfrm>
+            <a:off x="5297764" y="604083"/>
+            <a:ext cx="2116150" cy="445943"/>
           </a:xfrm>
           <a:prstGeom prst="rect">
             <a:avLst/>
@@ -4207,10 +4866,82 @@
       </p:pic>
       <p:pic>
         <p:nvPicPr>
-          <p:cNvPr id="25" name="Graphic 24" descr="Arrow Counterclockwise curve">
-            <a:extLst>
-              <a:ext uri="{FF2B5EF4-FFF2-40B4-BE49-F238E27FC236}">
-                <a16:creationId xmlns:a16="http://schemas.microsoft.com/office/drawing/2014/main" id="{9BE56702-D198-4718-8081-D238E442AD72}"/>
+          <p:cNvPr id="18" name="Picture 17" descr="A close up of a sign&#10;&#10;Description automatically generated">
+            <a:extLst>
+              <a:ext uri="{FF2B5EF4-FFF2-40B4-BE49-F238E27FC236}">
+                <a16:creationId xmlns:a16="http://schemas.microsoft.com/office/drawing/2014/main" id="{26C8BC27-38DA-4BE6-A7DD-2EBF463483EF}"/>
+              </a:ext>
+            </a:extLst>
+          </p:cNvPr>
+          <p:cNvPicPr>
+            <a:picLocks noChangeAspect="1"/>
+          </p:cNvPicPr>
+          <p:nvPr/>
+        </p:nvPicPr>
+        <p:blipFill>
+          <a:blip r:embed="rId5">
+            <a:extLst>
+              <a:ext uri="{28A0092B-C50C-407E-A947-70E740481C1C}">
+                <a14:useLocalDpi xmlns:a14="http://schemas.microsoft.com/office/drawing/2010/main" val="0"/>
+              </a:ext>
+            </a:extLst>
+          </a:blip>
+          <a:stretch>
+            <a:fillRect/>
+          </a:stretch>
+        </p:blipFill>
+        <p:spPr>
+          <a:xfrm>
+            <a:off x="5297764" y="2650835"/>
+            <a:ext cx="2116150" cy="511970"/>
+          </a:xfrm>
+          <a:prstGeom prst="rect">
+            <a:avLst/>
+          </a:prstGeom>
+        </p:spPr>
+      </p:pic>
+      <p:pic>
+        <p:nvPicPr>
+          <p:cNvPr id="19" name="Picture 18" descr="A close up of a logo&#10;&#10;Description automatically generated">
+            <a:extLst>
+              <a:ext uri="{FF2B5EF4-FFF2-40B4-BE49-F238E27FC236}">
+                <a16:creationId xmlns:a16="http://schemas.microsoft.com/office/drawing/2014/main" id="{FF13D48D-A267-4776-8557-DBCC8B4BC4DE}"/>
+              </a:ext>
+            </a:extLst>
+          </p:cNvPr>
+          <p:cNvPicPr>
+            <a:picLocks noChangeAspect="1"/>
+          </p:cNvPicPr>
+          <p:nvPr/>
+        </p:nvPicPr>
+        <p:blipFill>
+          <a:blip r:embed="rId6">
+            <a:extLst>
+              <a:ext uri="{28A0092B-C50C-407E-A947-70E740481C1C}">
+                <a14:useLocalDpi xmlns:a14="http://schemas.microsoft.com/office/drawing/2010/main" val="0"/>
+              </a:ext>
+            </a:extLst>
+          </a:blip>
+          <a:stretch>
+            <a:fillRect/>
+          </a:stretch>
+        </p:blipFill>
+        <p:spPr>
+          <a:xfrm>
+            <a:off x="5471558" y="4373953"/>
+            <a:ext cx="1556034" cy="611570"/>
+          </a:xfrm>
+          <a:prstGeom prst="rect">
+            <a:avLst/>
+          </a:prstGeom>
+        </p:spPr>
+      </p:pic>
+      <p:pic>
+        <p:nvPicPr>
+          <p:cNvPr id="21" name="Graphic 20" descr="Arrow Counterclockwise curve">
+            <a:extLst>
+              <a:ext uri="{FF2B5EF4-FFF2-40B4-BE49-F238E27FC236}">
+                <a16:creationId xmlns:a16="http://schemas.microsoft.com/office/drawing/2014/main" id="{0A0F2E65-A9A1-4048-8648-D136F0808774}"/>
               </a:ext>
             </a:extLst>
           </p:cNvPr>
@@ -4236,8 +4967,196 @@
         </p:blipFill>
         <p:spPr>
           <a:xfrm rot="11834986">
-            <a:off x="4887251" y="2751780"/>
+            <a:off x="4885647" y="3501273"/>
             <a:ext cx="574598" cy="574598"/>
+          </a:xfrm>
+          <a:prstGeom prst="rect">
+            <a:avLst/>
+          </a:prstGeom>
+        </p:spPr>
+      </p:pic>
+    </p:spTree>
+    <p:extLst>
+      <p:ext uri="{BB962C8B-B14F-4D97-AF65-F5344CB8AC3E}">
+        <p14:creationId xmlns:p14="http://schemas.microsoft.com/office/powerpoint/2010/main" val="3375632743"/>
+      </p:ext>
+    </p:extLst>
+  </p:cSld>
+  <p:clrMapOvr>
+    <a:overrideClrMapping bg1="dk1" tx1="lt1" bg2="dk2" tx2="lt2" accent1="accent1" accent2="accent2" accent3="accent3" accent4="accent4" accent5="accent5" accent6="accent6" hlink="hlink" folHlink="folHlink"/>
+  </p:clrMapOvr>
+  <mc:AlternateContent xmlns:mc="http://schemas.openxmlformats.org/markup-compatibility/2006" xmlns:p159="http://schemas.microsoft.com/office/powerpoint/2015/09/main">
+    <mc:Choice Requires="p159">
+      <p:transition xmlns:p14="http://schemas.microsoft.com/office/powerpoint/2010/main" spd="slow" p14:dur="2000">
+        <p159:morph option="byObject"/>
+      </p:transition>
+    </mc:Choice>
+    <mc:Fallback xmlns="">
+      <p:transition spd="slow">
+        <p:fade/>
+      </p:transition>
+    </mc:Fallback>
+  </mc:AlternateContent>
+</p:sld>
+</file>
+
+<file path=ppt/slides/slide11.xml><?xml version="1.0" encoding="utf-8"?>
+<p:sld xmlns:a="http://schemas.openxmlformats.org/drawingml/2006/main" xmlns:r="http://schemas.openxmlformats.org/officeDocument/2006/relationships" xmlns:p="http://schemas.openxmlformats.org/presentationml/2006/main">
+  <p:cSld>
+    <p:bg>
+      <p:bgPr>
+        <a:solidFill>
+          <a:schemeClr val="tx1"/>
+        </a:solidFill>
+        <a:effectLst/>
+      </p:bgPr>
+    </p:bg>
+    <p:spTree>
+      <p:nvGrpSpPr>
+        <p:cNvPr id="1" name=""/>
+        <p:cNvGrpSpPr/>
+        <p:nvPr/>
+      </p:nvGrpSpPr>
+      <p:grpSpPr>
+        <a:xfrm>
+          <a:off x="0" y="0"/>
+          <a:ext cx="0" cy="0"/>
+          <a:chOff x="0" y="0"/>
+          <a:chExt cx="0" cy="0"/>
+        </a:xfrm>
+      </p:grpSpPr>
+      <p:sp>
+        <p:nvSpPr>
+          <p:cNvPr id="13" name="Rectangle 12">
+            <a:extLst>
+              <a:ext uri="{FF2B5EF4-FFF2-40B4-BE49-F238E27FC236}">
+                <a16:creationId xmlns:a16="http://schemas.microsoft.com/office/drawing/2014/main" id="{867D4867-5BA7-4462-B2F6-A23F4A622AA7}"/>
+              </a:ext>
+              <a:ext uri="{C183D7F6-B498-43B3-948B-1728B52AA6E4}">
+                <adec:decorative xmlns:adec="http://schemas.microsoft.com/office/drawing/2017/decorative" val="1"/>
+              </a:ext>
+            </a:extLst>
+          </p:cNvPr>
+          <p:cNvSpPr>
+            <a:spLocks noGrp="1" noRot="1" noChangeAspect="1" noMove="1" noResize="1" noEditPoints="1" noAdjustHandles="1" noChangeArrowheads="1" noChangeShapeType="1" noTextEdit="1"/>
+          </p:cNvSpPr>
+          <p:nvPr>
+            <p:extLst>
+              <p:ext uri="{386F3935-93C4-4BCD-93E2-E3B085C9AB24}">
+                <p16:designElem xmlns:p16="http://schemas.microsoft.com/office/powerpoint/2015/main" val="1"/>
+              </p:ext>
+            </p:extLst>
+          </p:nvPr>
+        </p:nvSpPr>
+        <p:spPr>
+          <a:xfrm>
+            <a:off x="0" y="0"/>
+            <a:ext cx="4654296" cy="6858000"/>
+          </a:xfrm>
+          <a:prstGeom prst="rect">
+            <a:avLst/>
+          </a:prstGeom>
+          <a:solidFill>
+            <a:srgbClr val="3F3F3F"/>
+          </a:solidFill>
+          <a:ln>
+            <a:noFill/>
+          </a:ln>
+        </p:spPr>
+        <p:style>
+          <a:lnRef idx="0">
+            <a:scrgbClr r="0" g="0" b="0"/>
+          </a:lnRef>
+          <a:fillRef idx="0">
+            <a:scrgbClr r="0" g="0" b="0"/>
+          </a:fillRef>
+          <a:effectRef idx="0">
+            <a:scrgbClr r="0" g="0" b="0"/>
+          </a:effectRef>
+          <a:fontRef idx="minor">
+            <a:schemeClr val="lt1"/>
+          </a:fontRef>
+        </p:style>
+        <p:txBody>
+          <a:bodyPr rtlCol="0" anchor="ctr"/>
+          <a:lstStyle/>
+          <a:p>
+            <a:pPr algn="ctr"/>
+            <a:endParaRPr lang="en-US" dirty="0"/>
+          </a:p>
+        </p:txBody>
+      </p:sp>
+      <p:sp>
+        <p:nvSpPr>
+          <p:cNvPr id="2" name="Title 1">
+            <a:extLst>
+              <a:ext uri="{FF2B5EF4-FFF2-40B4-BE49-F238E27FC236}">
+                <a16:creationId xmlns:a16="http://schemas.microsoft.com/office/drawing/2014/main" id="{38AC3C0E-E19C-4B33-8BA0-B218CBFEAB92}"/>
+              </a:ext>
+            </a:extLst>
+          </p:cNvPr>
+          <p:cNvSpPr>
+            <a:spLocks noGrp="1"/>
+          </p:cNvSpPr>
+          <p:nvPr>
+            <p:ph type="title"/>
+          </p:nvPr>
+        </p:nvSpPr>
+        <p:spPr>
+          <a:xfrm>
+            <a:off x="643468" y="623392"/>
+            <a:ext cx="3363974" cy="1607060"/>
+          </a:xfrm>
+          <a:noFill/>
+          <a:ln w="19050">
+            <a:solidFill>
+              <a:schemeClr val="tx1"/>
+            </a:solidFill>
+          </a:ln>
+        </p:spPr>
+        <p:txBody>
+          <a:bodyPr wrap="square" anchor="ctr">
+            <a:normAutofit/>
+          </a:bodyPr>
+          <a:lstStyle/>
+          <a:p>
+            <a:pPr algn="ctr"/>
+            <a:r>
+              <a:rPr lang="en-US" sz="2800" dirty="0"/>
+              <a:t>Processing</a:t>
+            </a:r>
+            <a:endParaRPr lang="en-IN" sz="2800" dirty="0"/>
+          </a:p>
+        </p:txBody>
+      </p:sp>
+      <p:pic>
+        <p:nvPicPr>
+          <p:cNvPr id="16" name="Picture 15">
+            <a:extLst>
+              <a:ext uri="{FF2B5EF4-FFF2-40B4-BE49-F238E27FC236}">
+                <a16:creationId xmlns:a16="http://schemas.microsoft.com/office/drawing/2014/main" id="{68BD55BD-77A1-4C4B-A11E-A51A8E5C0B30}"/>
+              </a:ext>
+            </a:extLst>
+          </p:cNvPr>
+          <p:cNvPicPr/>
+          <p:nvPr/>
+        </p:nvPicPr>
+        <p:blipFill>
+          <a:blip r:embed="rId2">
+            <a:extLst>
+              <a:ext uri="{28A0092B-C50C-407E-A947-70E740481C1C}">
+                <a14:useLocalDpi xmlns:a14="http://schemas.microsoft.com/office/drawing/2010/main" val="0"/>
+              </a:ext>
+            </a:extLst>
+          </a:blip>
+          <a:stretch>
+            <a:fillRect/>
+          </a:stretch>
+        </p:blipFill>
+        <p:spPr>
+          <a:xfrm>
+            <a:off x="4650910" y="985520"/>
+            <a:ext cx="7541090" cy="5872480"/>
           </a:xfrm>
           <a:prstGeom prst="rect">
             <a:avLst/>
@@ -4246,10 +5165,749 @@
       </p:pic>
       <p:pic>
         <p:nvPicPr>
-          <p:cNvPr id="26" name="Graphic 25" descr="Arrow Counterclockwise curve">
-            <a:extLst>
-              <a:ext uri="{FF2B5EF4-FFF2-40B4-BE49-F238E27FC236}">
-                <a16:creationId xmlns:a16="http://schemas.microsoft.com/office/drawing/2014/main" id="{4D6A06B3-431E-448A-9AC4-C01165EE3C87}"/>
+          <p:cNvPr id="20" name="Picture 19" descr="A close up of a logo&#10;&#10;Description automatically generated">
+            <a:extLst>
+              <a:ext uri="{FF2B5EF4-FFF2-40B4-BE49-F238E27FC236}">
+                <a16:creationId xmlns:a16="http://schemas.microsoft.com/office/drawing/2014/main" id="{8E3CDBC9-2176-44D3-ADDD-90F4E8B930E7}"/>
+              </a:ext>
+            </a:extLst>
+          </p:cNvPr>
+          <p:cNvPicPr>
+            <a:picLocks noChangeAspect="1"/>
+          </p:cNvPicPr>
+          <p:nvPr/>
+        </p:nvPicPr>
+        <p:blipFill>
+          <a:blip r:embed="rId3">
+            <a:extLst>
+              <a:ext uri="{28A0092B-C50C-407E-A947-70E740481C1C}">
+                <a14:useLocalDpi xmlns:a14="http://schemas.microsoft.com/office/drawing/2010/main" val="0"/>
+              </a:ext>
+            </a:extLst>
+          </a:blip>
+          <a:stretch>
+            <a:fillRect/>
+          </a:stretch>
+        </p:blipFill>
+        <p:spPr>
+          <a:xfrm>
+            <a:off x="4650910" y="146138"/>
+            <a:ext cx="1922610" cy="758102"/>
+          </a:xfrm>
+          <a:prstGeom prst="rect">
+            <a:avLst/>
+          </a:prstGeom>
+        </p:spPr>
+      </p:pic>
+      <p:sp>
+        <p:nvSpPr>
+          <p:cNvPr id="3" name="TextBox 2">
+            <a:extLst>
+              <a:ext uri="{FF2B5EF4-FFF2-40B4-BE49-F238E27FC236}">
+                <a16:creationId xmlns:a16="http://schemas.microsoft.com/office/drawing/2014/main" id="{7A0FE8EB-6ED3-4EEE-8710-C19E97DBB18B}"/>
+              </a:ext>
+            </a:extLst>
+          </p:cNvPr>
+          <p:cNvSpPr txBox="1"/>
+          <p:nvPr/>
+        </p:nvSpPr>
+        <p:spPr>
+          <a:xfrm>
+            <a:off x="7387592" y="340523"/>
+            <a:ext cx="2152320" cy="369332"/>
+          </a:xfrm>
+          <a:prstGeom prst="rect">
+            <a:avLst/>
+          </a:prstGeom>
+          <a:noFill/>
+        </p:spPr>
+        <p:txBody>
+          <a:bodyPr wrap="none" rtlCol="0">
+            <a:spAutoFit/>
+          </a:bodyPr>
+          <a:lstStyle/>
+          <a:p>
+            <a:r>
+              <a:rPr lang="en-US" dirty="0">
+                <a:solidFill>
+                  <a:schemeClr val="bg1"/>
+                </a:solidFill>
+              </a:rPr>
+              <a:t>Correlation Heatmap</a:t>
+            </a:r>
+            <a:endParaRPr lang="en-IN" dirty="0">
+              <a:solidFill>
+                <a:schemeClr val="bg1"/>
+              </a:solidFill>
+            </a:endParaRPr>
+          </a:p>
+        </p:txBody>
+      </p:sp>
+      <p:sp>
+        <p:nvSpPr>
+          <p:cNvPr id="21" name="Content Placeholder 7">
+            <a:extLst>
+              <a:ext uri="{FF2B5EF4-FFF2-40B4-BE49-F238E27FC236}">
+                <a16:creationId xmlns:a16="http://schemas.microsoft.com/office/drawing/2014/main" id="{D7CD4CAB-DDD6-49A6-B311-0F2EFB6DF8E6}"/>
+              </a:ext>
+            </a:extLst>
+          </p:cNvPr>
+          <p:cNvSpPr>
+            <a:spLocks noGrp="1"/>
+          </p:cNvSpPr>
+          <p:nvPr>
+            <p:ph idx="1"/>
+          </p:nvPr>
+        </p:nvSpPr>
+        <p:spPr>
+          <a:xfrm>
+            <a:off x="643468" y="2638043"/>
+            <a:ext cx="3363974" cy="3894837"/>
+          </a:xfrm>
+        </p:spPr>
+        <p:txBody>
+          <a:bodyPr>
+            <a:normAutofit/>
+          </a:bodyPr>
+          <a:lstStyle/>
+          <a:p>
+            <a:r>
+              <a:rPr lang="en-US" sz="2000" dirty="0"/>
+              <a:t>Fare amount increases with trip distance.</a:t>
+            </a:r>
+          </a:p>
+          <a:p>
+            <a:endParaRPr lang="en-US" sz="2000" dirty="0"/>
+          </a:p>
+          <a:p>
+            <a:r>
+              <a:rPr lang="en-US" sz="2000" dirty="0"/>
+              <a:t>Tip depends on distance and the total amount.</a:t>
+            </a:r>
+          </a:p>
+          <a:p>
+            <a:endParaRPr lang="en-US" sz="2000" dirty="0"/>
+          </a:p>
+          <a:p>
+            <a:r>
+              <a:rPr lang="en-US" sz="2000" dirty="0"/>
+              <a:t>Payment Type is almost equal between cash and card.</a:t>
+            </a:r>
+          </a:p>
+          <a:p>
+            <a:endParaRPr lang="en-US" sz="2000" dirty="0"/>
+          </a:p>
+          <a:p>
+            <a:pPr marL="0" indent="0">
+              <a:buNone/>
+            </a:pPr>
+            <a:endParaRPr lang="en-US" sz="2000" dirty="0"/>
+          </a:p>
+        </p:txBody>
+      </p:sp>
+    </p:spTree>
+    <p:extLst>
+      <p:ext uri="{BB962C8B-B14F-4D97-AF65-F5344CB8AC3E}">
+        <p14:creationId xmlns:p14="http://schemas.microsoft.com/office/powerpoint/2010/main" val="4092855705"/>
+      </p:ext>
+    </p:extLst>
+  </p:cSld>
+  <p:clrMapOvr>
+    <a:overrideClrMapping bg1="dk1" tx1="lt1" bg2="dk2" tx2="lt2" accent1="accent1" accent2="accent2" accent3="accent3" accent4="accent4" accent5="accent5" accent6="accent6" hlink="hlink" folHlink="folHlink"/>
+  </p:clrMapOvr>
+  <mc:AlternateContent xmlns:mc="http://schemas.openxmlformats.org/markup-compatibility/2006" xmlns:p159="http://schemas.microsoft.com/office/powerpoint/2015/09/main">
+    <mc:Choice Requires="p159">
+      <p:transition xmlns:p14="http://schemas.microsoft.com/office/powerpoint/2010/main" spd="slow" p14:dur="2000">
+        <p159:morph option="byObject"/>
+      </p:transition>
+    </mc:Choice>
+    <mc:Fallback xmlns="">
+      <p:transition spd="slow">
+        <p:fade/>
+      </p:transition>
+    </mc:Fallback>
+  </mc:AlternateContent>
+</p:sld>
+</file>
+
+<file path=ppt/slides/slide12.xml><?xml version="1.0" encoding="utf-8"?>
+<p:sld xmlns:a="http://schemas.openxmlformats.org/drawingml/2006/main" xmlns:r="http://schemas.openxmlformats.org/officeDocument/2006/relationships" xmlns:p="http://schemas.openxmlformats.org/presentationml/2006/main">
+  <p:cSld>
+    <p:bg>
+      <p:bgPr>
+        <a:solidFill>
+          <a:schemeClr val="tx1"/>
+        </a:solidFill>
+        <a:effectLst/>
+      </p:bgPr>
+    </p:bg>
+    <p:spTree>
+      <p:nvGrpSpPr>
+        <p:cNvPr id="1" name=""/>
+        <p:cNvGrpSpPr/>
+        <p:nvPr/>
+      </p:nvGrpSpPr>
+      <p:grpSpPr>
+        <a:xfrm>
+          <a:off x="0" y="0"/>
+          <a:ext cx="0" cy="0"/>
+          <a:chOff x="0" y="0"/>
+          <a:chExt cx="0" cy="0"/>
+        </a:xfrm>
+      </p:grpSpPr>
+      <p:sp>
+        <p:nvSpPr>
+          <p:cNvPr id="13" name="Rectangle 12">
+            <a:extLst>
+              <a:ext uri="{FF2B5EF4-FFF2-40B4-BE49-F238E27FC236}">
+                <a16:creationId xmlns:a16="http://schemas.microsoft.com/office/drawing/2014/main" id="{867D4867-5BA7-4462-B2F6-A23F4A622AA7}"/>
+              </a:ext>
+              <a:ext uri="{C183D7F6-B498-43B3-948B-1728B52AA6E4}">
+                <adec:decorative xmlns:adec="http://schemas.microsoft.com/office/drawing/2017/decorative" val="1"/>
+              </a:ext>
+            </a:extLst>
+          </p:cNvPr>
+          <p:cNvSpPr>
+            <a:spLocks noGrp="1" noRot="1" noChangeAspect="1" noMove="1" noResize="1" noEditPoints="1" noAdjustHandles="1" noChangeArrowheads="1" noChangeShapeType="1" noTextEdit="1"/>
+          </p:cNvSpPr>
+          <p:nvPr>
+            <p:extLst>
+              <p:ext uri="{386F3935-93C4-4BCD-93E2-E3B085C9AB24}">
+                <p16:designElem xmlns:p16="http://schemas.microsoft.com/office/powerpoint/2015/main" val="1"/>
+              </p:ext>
+            </p:extLst>
+          </p:nvPr>
+        </p:nvSpPr>
+        <p:spPr>
+          <a:xfrm>
+            <a:off x="0" y="0"/>
+            <a:ext cx="4654296" cy="6858000"/>
+          </a:xfrm>
+          <a:prstGeom prst="rect">
+            <a:avLst/>
+          </a:prstGeom>
+          <a:solidFill>
+            <a:srgbClr val="3F3F3F"/>
+          </a:solidFill>
+          <a:ln>
+            <a:noFill/>
+          </a:ln>
+        </p:spPr>
+        <p:style>
+          <a:lnRef idx="0">
+            <a:scrgbClr r="0" g="0" b="0"/>
+          </a:lnRef>
+          <a:fillRef idx="0">
+            <a:scrgbClr r="0" g="0" b="0"/>
+          </a:fillRef>
+          <a:effectRef idx="0">
+            <a:scrgbClr r="0" g="0" b="0"/>
+          </a:effectRef>
+          <a:fontRef idx="minor">
+            <a:schemeClr val="lt1"/>
+          </a:fontRef>
+        </p:style>
+        <p:txBody>
+          <a:bodyPr rtlCol="0" anchor="ctr"/>
+          <a:lstStyle/>
+          <a:p>
+            <a:pPr algn="ctr"/>
+            <a:endParaRPr lang="en-US" dirty="0"/>
+          </a:p>
+        </p:txBody>
+      </p:sp>
+      <p:sp>
+        <p:nvSpPr>
+          <p:cNvPr id="2" name="Title 1">
+            <a:extLst>
+              <a:ext uri="{FF2B5EF4-FFF2-40B4-BE49-F238E27FC236}">
+                <a16:creationId xmlns:a16="http://schemas.microsoft.com/office/drawing/2014/main" id="{38AC3C0E-E19C-4B33-8BA0-B218CBFEAB92}"/>
+              </a:ext>
+            </a:extLst>
+          </p:cNvPr>
+          <p:cNvSpPr>
+            <a:spLocks noGrp="1"/>
+          </p:cNvSpPr>
+          <p:nvPr>
+            <p:ph type="title"/>
+          </p:nvPr>
+        </p:nvSpPr>
+        <p:spPr>
+          <a:xfrm>
+            <a:off x="643468" y="623392"/>
+            <a:ext cx="3363974" cy="1607060"/>
+          </a:xfrm>
+          <a:noFill/>
+          <a:ln w="19050">
+            <a:solidFill>
+              <a:schemeClr val="tx1"/>
+            </a:solidFill>
+          </a:ln>
+        </p:spPr>
+        <p:txBody>
+          <a:bodyPr wrap="square" anchor="ctr">
+            <a:normAutofit/>
+          </a:bodyPr>
+          <a:lstStyle/>
+          <a:p>
+            <a:pPr algn="ctr"/>
+            <a:r>
+              <a:rPr lang="en-US" sz="2800" dirty="0"/>
+              <a:t>Processing</a:t>
+            </a:r>
+            <a:endParaRPr lang="en-IN" sz="2800" dirty="0"/>
+          </a:p>
+        </p:txBody>
+      </p:sp>
+      <p:sp>
+        <p:nvSpPr>
+          <p:cNvPr id="3" name="TextBox 2">
+            <a:extLst>
+              <a:ext uri="{FF2B5EF4-FFF2-40B4-BE49-F238E27FC236}">
+                <a16:creationId xmlns:a16="http://schemas.microsoft.com/office/drawing/2014/main" id="{7A0FE8EB-6ED3-4EEE-8710-C19E97DBB18B}"/>
+              </a:ext>
+            </a:extLst>
+          </p:cNvPr>
+          <p:cNvSpPr txBox="1"/>
+          <p:nvPr/>
+        </p:nvSpPr>
+        <p:spPr>
+          <a:xfrm>
+            <a:off x="7357112" y="182741"/>
+            <a:ext cx="3335272" cy="369332"/>
+          </a:xfrm>
+          <a:prstGeom prst="rect">
+            <a:avLst/>
+          </a:prstGeom>
+          <a:noFill/>
+        </p:spPr>
+        <p:txBody>
+          <a:bodyPr wrap="none" rtlCol="0">
+            <a:spAutoFit/>
+          </a:bodyPr>
+          <a:lstStyle/>
+          <a:p>
+            <a:r>
+              <a:rPr lang="en-US" dirty="0">
+                <a:solidFill>
+                  <a:schemeClr val="bg1"/>
+                </a:solidFill>
+              </a:rPr>
+              <a:t>Mini plots for Processing/Analysis</a:t>
+            </a:r>
+            <a:endParaRPr lang="en-IN" dirty="0">
+              <a:solidFill>
+                <a:schemeClr val="bg1"/>
+              </a:solidFill>
+            </a:endParaRPr>
+          </a:p>
+        </p:txBody>
+      </p:sp>
+      <p:pic>
+        <p:nvPicPr>
+          <p:cNvPr id="7" name="Picture 6" descr="A screen shot of a computer&#10;&#10;Description automatically generated">
+            <a:extLst>
+              <a:ext uri="{FF2B5EF4-FFF2-40B4-BE49-F238E27FC236}">
+                <a16:creationId xmlns:a16="http://schemas.microsoft.com/office/drawing/2014/main" id="{30D909F1-F611-4025-929E-CFDA600C4C04}"/>
+              </a:ext>
+            </a:extLst>
+          </p:cNvPr>
+          <p:cNvPicPr/>
+          <p:nvPr/>
+        </p:nvPicPr>
+        <p:blipFill>
+          <a:blip r:embed="rId2">
+            <a:extLst>
+              <a:ext uri="{28A0092B-C50C-407E-A947-70E740481C1C}">
+                <a14:useLocalDpi xmlns:a14="http://schemas.microsoft.com/office/drawing/2010/main" val="0"/>
+              </a:ext>
+            </a:extLst>
+          </a:blip>
+          <a:stretch>
+            <a:fillRect/>
+          </a:stretch>
+        </p:blipFill>
+        <p:spPr>
+          <a:xfrm>
+            <a:off x="4912360" y="649125"/>
+            <a:ext cx="6852920" cy="1758796"/>
+          </a:xfrm>
+          <a:prstGeom prst="rect">
+            <a:avLst/>
+          </a:prstGeom>
+        </p:spPr>
+      </p:pic>
+      <p:pic>
+        <p:nvPicPr>
+          <p:cNvPr id="8" name="Picture 7" descr="A close up of a sign&#10;&#10;Description automatically generated">
+            <a:extLst>
+              <a:ext uri="{FF2B5EF4-FFF2-40B4-BE49-F238E27FC236}">
+                <a16:creationId xmlns:a16="http://schemas.microsoft.com/office/drawing/2014/main" id="{4ABDCDDF-8A5B-4225-8BA1-DBB9727ADDA1}"/>
+              </a:ext>
+            </a:extLst>
+          </p:cNvPr>
+          <p:cNvPicPr>
+            <a:picLocks noChangeAspect="1"/>
+          </p:cNvPicPr>
+          <p:nvPr/>
+        </p:nvPicPr>
+        <p:blipFill>
+          <a:blip r:embed="rId3">
+            <a:extLst>
+              <a:ext uri="{28A0092B-C50C-407E-A947-70E740481C1C}">
+                <a14:useLocalDpi xmlns:a14="http://schemas.microsoft.com/office/drawing/2010/main" val="0"/>
+              </a:ext>
+            </a:extLst>
+          </a:blip>
+          <a:stretch>
+            <a:fillRect/>
+          </a:stretch>
+        </p:blipFill>
+        <p:spPr>
+          <a:xfrm>
+            <a:off x="4804408" y="111422"/>
+            <a:ext cx="2226311" cy="511970"/>
+          </a:xfrm>
+          <a:prstGeom prst="rect">
+            <a:avLst/>
+          </a:prstGeom>
+        </p:spPr>
+      </p:pic>
+      <p:pic>
+        <p:nvPicPr>
+          <p:cNvPr id="9" name="Picture 8" descr="A screenshot of a cell phone&#10;&#10;Description automatically generated">
+            <a:extLst>
+              <a:ext uri="{FF2B5EF4-FFF2-40B4-BE49-F238E27FC236}">
+                <a16:creationId xmlns:a16="http://schemas.microsoft.com/office/drawing/2014/main" id="{DC74F7FA-0B2D-434C-B9FC-3C0DF3D08698}"/>
+              </a:ext>
+            </a:extLst>
+          </p:cNvPr>
+          <p:cNvPicPr/>
+          <p:nvPr/>
+        </p:nvPicPr>
+        <p:blipFill>
+          <a:blip r:embed="rId4">
+            <a:extLst>
+              <a:ext uri="{28A0092B-C50C-407E-A947-70E740481C1C}">
+                <a14:useLocalDpi xmlns:a14="http://schemas.microsoft.com/office/drawing/2010/main" val="0"/>
+              </a:ext>
+            </a:extLst>
+          </a:blip>
+          <a:stretch>
+            <a:fillRect/>
+          </a:stretch>
+        </p:blipFill>
+        <p:spPr>
+          <a:xfrm>
+            <a:off x="4912360" y="2628179"/>
+            <a:ext cx="6852920" cy="1821902"/>
+          </a:xfrm>
+          <a:prstGeom prst="rect">
+            <a:avLst/>
+          </a:prstGeom>
+        </p:spPr>
+      </p:pic>
+      <p:pic>
+        <p:nvPicPr>
+          <p:cNvPr id="10" name="Picture 9" descr="A screenshot of a computer&#10;&#10;Description automatically generated">
+            <a:extLst>
+              <a:ext uri="{FF2B5EF4-FFF2-40B4-BE49-F238E27FC236}">
+                <a16:creationId xmlns:a16="http://schemas.microsoft.com/office/drawing/2014/main" id="{6B0C3D94-76D2-4D86-94D0-D9978323AD69}"/>
+              </a:ext>
+            </a:extLst>
+          </p:cNvPr>
+          <p:cNvPicPr/>
+          <p:nvPr/>
+        </p:nvPicPr>
+        <p:blipFill>
+          <a:blip r:embed="rId5">
+            <a:extLst>
+              <a:ext uri="{28A0092B-C50C-407E-A947-70E740481C1C}">
+                <a14:useLocalDpi xmlns:a14="http://schemas.microsoft.com/office/drawing/2010/main" val="0"/>
+              </a:ext>
+            </a:extLst>
+          </a:blip>
+          <a:stretch>
+            <a:fillRect/>
+          </a:stretch>
+        </p:blipFill>
+        <p:spPr>
+          <a:xfrm>
+            <a:off x="4804408" y="4670339"/>
+            <a:ext cx="7285992" cy="2076239"/>
+          </a:xfrm>
+          <a:prstGeom prst="rect">
+            <a:avLst/>
+          </a:prstGeom>
+        </p:spPr>
+      </p:pic>
+      <p:sp>
+        <p:nvSpPr>
+          <p:cNvPr id="11" name="Content Placeholder 7">
+            <a:extLst>
+              <a:ext uri="{FF2B5EF4-FFF2-40B4-BE49-F238E27FC236}">
+                <a16:creationId xmlns:a16="http://schemas.microsoft.com/office/drawing/2014/main" id="{B6D64C14-BE16-48B9-B4A7-589EADA9D953}"/>
+              </a:ext>
+            </a:extLst>
+          </p:cNvPr>
+          <p:cNvSpPr>
+            <a:spLocks noGrp="1"/>
+          </p:cNvSpPr>
+          <p:nvPr>
+            <p:ph idx="1"/>
+          </p:nvPr>
+        </p:nvSpPr>
+        <p:spPr>
+          <a:xfrm>
+            <a:off x="643468" y="2638043"/>
+            <a:ext cx="3363974" cy="3894837"/>
+          </a:xfrm>
+        </p:spPr>
+        <p:txBody>
+          <a:bodyPr>
+            <a:normAutofit/>
+          </a:bodyPr>
+          <a:lstStyle/>
+          <a:p>
+            <a:r>
+              <a:rPr lang="en-US" sz="2000" dirty="0"/>
+              <a:t>Most trips are for short distances.</a:t>
+            </a:r>
+          </a:p>
+          <a:p>
+            <a:r>
+              <a:rPr lang="en-US" sz="2000" dirty="0"/>
+              <a:t>3 – 4 PM is the peak hour for pickups and drops.</a:t>
+            </a:r>
+          </a:p>
+          <a:p>
+            <a:r>
+              <a:rPr lang="en-US" sz="2000" dirty="0"/>
+              <a:t>Tuesday is the busiest day of the week and also awards highest amount of tips to the taxi drivers due to duration of the trips.</a:t>
+            </a:r>
+          </a:p>
+        </p:txBody>
+      </p:sp>
+    </p:spTree>
+    <p:extLst>
+      <p:ext uri="{BB962C8B-B14F-4D97-AF65-F5344CB8AC3E}">
+        <p14:creationId xmlns:p14="http://schemas.microsoft.com/office/powerpoint/2010/main" val="3386489473"/>
+      </p:ext>
+    </p:extLst>
+  </p:cSld>
+  <p:clrMapOvr>
+    <a:overrideClrMapping bg1="dk1" tx1="lt1" bg2="dk2" tx2="lt2" accent1="accent1" accent2="accent2" accent3="accent3" accent4="accent4" accent5="accent5" accent6="accent6" hlink="hlink" folHlink="folHlink"/>
+  </p:clrMapOvr>
+  <mc:AlternateContent xmlns:mc="http://schemas.openxmlformats.org/markup-compatibility/2006" xmlns:p159="http://schemas.microsoft.com/office/powerpoint/2015/09/main">
+    <mc:Choice Requires="p159">
+      <p:transition xmlns:p14="http://schemas.microsoft.com/office/powerpoint/2010/main" spd="slow" p14:dur="2000">
+        <p159:morph option="byObject"/>
+      </p:transition>
+    </mc:Choice>
+    <mc:Fallback xmlns="">
+      <p:transition spd="slow">
+        <p:fade/>
+      </p:transition>
+    </mc:Fallback>
+  </mc:AlternateContent>
+</p:sld>
+</file>
+
+<file path=ppt/slides/slide13.xml><?xml version="1.0" encoding="utf-8"?>
+<p:sld xmlns:a="http://schemas.openxmlformats.org/drawingml/2006/main" xmlns:r="http://schemas.openxmlformats.org/officeDocument/2006/relationships" xmlns:p="http://schemas.openxmlformats.org/presentationml/2006/main">
+  <p:cSld>
+    <p:bg>
+      <p:bgPr>
+        <a:solidFill>
+          <a:schemeClr val="tx1"/>
+        </a:solidFill>
+        <a:effectLst/>
+      </p:bgPr>
+    </p:bg>
+    <p:spTree>
+      <p:nvGrpSpPr>
+        <p:cNvPr id="1" name=""/>
+        <p:cNvGrpSpPr/>
+        <p:nvPr/>
+      </p:nvGrpSpPr>
+      <p:grpSpPr>
+        <a:xfrm>
+          <a:off x="0" y="0"/>
+          <a:ext cx="0" cy="0"/>
+          <a:chOff x="0" y="0"/>
+          <a:chExt cx="0" cy="0"/>
+        </a:xfrm>
+      </p:grpSpPr>
+      <p:sp>
+        <p:nvSpPr>
+          <p:cNvPr id="13" name="Rectangle 12">
+            <a:extLst>
+              <a:ext uri="{FF2B5EF4-FFF2-40B4-BE49-F238E27FC236}">
+                <a16:creationId xmlns:a16="http://schemas.microsoft.com/office/drawing/2014/main" id="{867D4867-5BA7-4462-B2F6-A23F4A622AA7}"/>
+              </a:ext>
+              <a:ext uri="{C183D7F6-B498-43B3-948B-1728B52AA6E4}">
+                <adec:decorative xmlns:adec="http://schemas.microsoft.com/office/drawing/2017/decorative" val="1"/>
+              </a:ext>
+            </a:extLst>
+          </p:cNvPr>
+          <p:cNvSpPr>
+            <a:spLocks noGrp="1" noRot="1" noChangeAspect="1" noMove="1" noResize="1" noEditPoints="1" noAdjustHandles="1" noChangeArrowheads="1" noChangeShapeType="1" noTextEdit="1"/>
+          </p:cNvSpPr>
+          <p:nvPr>
+            <p:extLst>
+              <p:ext uri="{386F3935-93C4-4BCD-93E2-E3B085C9AB24}">
+                <p16:designElem xmlns:p16="http://schemas.microsoft.com/office/powerpoint/2015/main" val="1"/>
+              </p:ext>
+            </p:extLst>
+          </p:nvPr>
+        </p:nvSpPr>
+        <p:spPr>
+          <a:xfrm>
+            <a:off x="0" y="0"/>
+            <a:ext cx="4654296" cy="6858000"/>
+          </a:xfrm>
+          <a:prstGeom prst="rect">
+            <a:avLst/>
+          </a:prstGeom>
+          <a:solidFill>
+            <a:srgbClr val="3F3F3F"/>
+          </a:solidFill>
+          <a:ln>
+            <a:noFill/>
+          </a:ln>
+        </p:spPr>
+        <p:style>
+          <a:lnRef idx="0">
+            <a:scrgbClr r="0" g="0" b="0"/>
+          </a:lnRef>
+          <a:fillRef idx="0">
+            <a:scrgbClr r="0" g="0" b="0"/>
+          </a:fillRef>
+          <a:effectRef idx="0">
+            <a:scrgbClr r="0" g="0" b="0"/>
+          </a:effectRef>
+          <a:fontRef idx="minor">
+            <a:schemeClr val="lt1"/>
+          </a:fontRef>
+        </p:style>
+        <p:txBody>
+          <a:bodyPr rtlCol="0" anchor="ctr"/>
+          <a:lstStyle/>
+          <a:p>
+            <a:pPr algn="ctr"/>
+            <a:endParaRPr lang="en-US" dirty="0"/>
+          </a:p>
+        </p:txBody>
+      </p:sp>
+      <p:sp>
+        <p:nvSpPr>
+          <p:cNvPr id="2" name="Title 1">
+            <a:extLst>
+              <a:ext uri="{FF2B5EF4-FFF2-40B4-BE49-F238E27FC236}">
+                <a16:creationId xmlns:a16="http://schemas.microsoft.com/office/drawing/2014/main" id="{38AC3C0E-E19C-4B33-8BA0-B218CBFEAB92}"/>
+              </a:ext>
+            </a:extLst>
+          </p:cNvPr>
+          <p:cNvSpPr>
+            <a:spLocks noGrp="1"/>
+          </p:cNvSpPr>
+          <p:nvPr>
+            <p:ph type="title"/>
+          </p:nvPr>
+        </p:nvSpPr>
+        <p:spPr>
+          <a:xfrm>
+            <a:off x="643468" y="623392"/>
+            <a:ext cx="3363974" cy="1607060"/>
+          </a:xfrm>
+          <a:noFill/>
+          <a:ln w="19050">
+            <a:solidFill>
+              <a:schemeClr val="tx1"/>
+            </a:solidFill>
+          </a:ln>
+        </p:spPr>
+        <p:txBody>
+          <a:bodyPr wrap="square" anchor="ctr">
+            <a:normAutofit/>
+          </a:bodyPr>
+          <a:lstStyle/>
+          <a:p>
+            <a:pPr algn="ctr"/>
+            <a:r>
+              <a:rPr lang="en-US" sz="2800" dirty="0"/>
+              <a:t>Visualization</a:t>
+            </a:r>
+            <a:endParaRPr lang="en-IN" sz="2800" dirty="0"/>
+          </a:p>
+        </p:txBody>
+      </p:sp>
+      <p:sp>
+        <p:nvSpPr>
+          <p:cNvPr id="29" name="TextBox 28">
+            <a:extLst>
+              <a:ext uri="{FF2B5EF4-FFF2-40B4-BE49-F238E27FC236}">
+                <a16:creationId xmlns:a16="http://schemas.microsoft.com/office/drawing/2014/main" id="{5F916358-E07A-4C5B-B924-DBAE905AB881}"/>
+              </a:ext>
+            </a:extLst>
+          </p:cNvPr>
+          <p:cNvSpPr txBox="1"/>
+          <p:nvPr/>
+        </p:nvSpPr>
+        <p:spPr>
+          <a:xfrm>
+            <a:off x="5926795" y="226607"/>
+            <a:ext cx="1804276" cy="369332"/>
+          </a:xfrm>
+          <a:prstGeom prst="rect">
+            <a:avLst/>
+          </a:prstGeom>
+          <a:noFill/>
+        </p:spPr>
+        <p:txBody>
+          <a:bodyPr wrap="none" rtlCol="0">
+            <a:spAutoFit/>
+          </a:bodyPr>
+          <a:lstStyle/>
+          <a:p>
+            <a:r>
+              <a:rPr lang="en-US" dirty="0">
+                <a:solidFill>
+                  <a:schemeClr val="bg1"/>
+                </a:solidFill>
+              </a:rPr>
+              <a:t>Bokeh </a:t>
+            </a:r>
+            <a:r>
+              <a:rPr lang="en-US" dirty="0" err="1">
+                <a:solidFill>
+                  <a:schemeClr val="bg1"/>
+                </a:solidFill>
+              </a:rPr>
+              <a:t>Gmap</a:t>
+            </a:r>
+            <a:r>
+              <a:rPr lang="en-US" dirty="0">
+                <a:solidFill>
+                  <a:schemeClr val="bg1"/>
+                </a:solidFill>
+              </a:rPr>
+              <a:t> Plot</a:t>
+            </a:r>
+            <a:endParaRPr lang="en-IN" dirty="0">
+              <a:solidFill>
+                <a:schemeClr val="bg1"/>
+              </a:solidFill>
+            </a:endParaRPr>
+          </a:p>
+        </p:txBody>
+      </p:sp>
+      <p:pic>
+        <p:nvPicPr>
+          <p:cNvPr id="4" name="Picture 3" descr="A picture containing outdoor object&#10;&#10;Description automatically generated">
+            <a:extLst>
+              <a:ext uri="{FF2B5EF4-FFF2-40B4-BE49-F238E27FC236}">
+                <a16:creationId xmlns:a16="http://schemas.microsoft.com/office/drawing/2014/main" id="{3C215066-236F-45EE-BAEF-3F276734C90E}"/>
               </a:ext>
             </a:extLst>
           </p:cNvPr>
@@ -4264,9 +5922,6 @@
               <a:ext uri="{28A0092B-C50C-407E-A947-70E740481C1C}">
                 <a14:useLocalDpi xmlns:a14="http://schemas.microsoft.com/office/drawing/2010/main" val="0"/>
               </a:ext>
-              <a:ext uri="{96DAC541-7B7A-43D3-8B79-37D633B846F1}">
-                <asvg:svgBlip xmlns:asvg="http://schemas.microsoft.com/office/drawing/2016/SVG/main" r:embed="rId3"/>
-              </a:ext>
             </a:extLst>
           </a:blip>
           <a:stretch>
@@ -4274,241 +5929,29 @@
           </a:stretch>
         </p:blipFill>
         <p:spPr>
-          <a:xfrm rot="11834986">
-            <a:off x="4885648" y="4612299"/>
-            <a:ext cx="574598" cy="574598"/>
+          <a:xfrm>
+            <a:off x="4698451" y="-57272"/>
+            <a:ext cx="937090" cy="937090"/>
           </a:xfrm>
           <a:prstGeom prst="rect">
             <a:avLst/>
           </a:prstGeom>
         </p:spPr>
       </p:pic>
-      <p:sp>
-        <p:nvSpPr>
-          <p:cNvPr id="29" name="TextBox 28">
-            <a:extLst>
-              <a:ext uri="{FF2B5EF4-FFF2-40B4-BE49-F238E27FC236}">
-                <a16:creationId xmlns:a16="http://schemas.microsoft.com/office/drawing/2014/main" id="{5F916358-E07A-4C5B-B924-DBAE905AB881}"/>
-              </a:ext>
-            </a:extLst>
-          </p:cNvPr>
-          <p:cNvSpPr txBox="1"/>
-          <p:nvPr/>
-        </p:nvSpPr>
-        <p:spPr>
-          <a:xfrm>
-            <a:off x="8111195" y="527051"/>
-            <a:ext cx="765531" cy="369332"/>
-          </a:xfrm>
-          <a:prstGeom prst="rect">
-            <a:avLst/>
-          </a:prstGeom>
-          <a:noFill/>
-        </p:spPr>
-        <p:txBody>
-          <a:bodyPr wrap="none" rtlCol="0">
-            <a:spAutoFit/>
-          </a:bodyPr>
-          <a:lstStyle/>
-          <a:p>
-            <a:r>
-              <a:rPr lang="en-US" dirty="0">
-                <a:solidFill>
-                  <a:schemeClr val="bg1"/>
-                </a:solidFill>
-              </a:rPr>
-              <a:t>Bokeh</a:t>
-            </a:r>
-            <a:endParaRPr lang="en-IN" dirty="0">
-              <a:solidFill>
-                <a:schemeClr val="bg1"/>
-              </a:solidFill>
-            </a:endParaRPr>
-          </a:p>
-        </p:txBody>
-      </p:sp>
-      <p:sp>
-        <p:nvSpPr>
-          <p:cNvPr id="30" name="TextBox 29">
-            <a:extLst>
-              <a:ext uri="{FF2B5EF4-FFF2-40B4-BE49-F238E27FC236}">
-                <a16:creationId xmlns:a16="http://schemas.microsoft.com/office/drawing/2014/main" id="{6F821BFA-AD0E-436F-A13D-E85AECE3AC12}"/>
-              </a:ext>
-            </a:extLst>
-          </p:cNvPr>
-          <p:cNvSpPr txBox="1"/>
-          <p:nvPr/>
-        </p:nvSpPr>
-        <p:spPr>
-          <a:xfrm>
-            <a:off x="8111196" y="2060270"/>
-            <a:ext cx="3944991" cy="369332"/>
-          </a:xfrm>
-          <a:prstGeom prst="rect">
-            <a:avLst/>
-          </a:prstGeom>
-          <a:noFill/>
-        </p:spPr>
-        <p:txBody>
-          <a:bodyPr wrap="none" rtlCol="0">
-            <a:spAutoFit/>
-          </a:bodyPr>
-          <a:lstStyle/>
-          <a:p>
-            <a:r>
-              <a:rPr lang="en-US" dirty="0">
-                <a:solidFill>
-                  <a:schemeClr val="bg1"/>
-                </a:solidFill>
-              </a:rPr>
-              <a:t>Data is now available for further queries</a:t>
-            </a:r>
-            <a:endParaRPr lang="en-IN" dirty="0">
-              <a:solidFill>
-                <a:schemeClr val="bg1"/>
-              </a:solidFill>
-            </a:endParaRPr>
-          </a:p>
-        </p:txBody>
-      </p:sp>
-      <p:sp>
-        <p:nvSpPr>
-          <p:cNvPr id="31" name="TextBox 30">
-            <a:extLst>
-              <a:ext uri="{FF2B5EF4-FFF2-40B4-BE49-F238E27FC236}">
-                <a16:creationId xmlns:a16="http://schemas.microsoft.com/office/drawing/2014/main" id="{70C33C69-7788-4D7B-9BA9-9FD81EEE8C0A}"/>
-              </a:ext>
-            </a:extLst>
-          </p:cNvPr>
-          <p:cNvSpPr txBox="1"/>
-          <p:nvPr/>
-        </p:nvSpPr>
-        <p:spPr>
-          <a:xfrm>
-            <a:off x="8111196" y="3825313"/>
-            <a:ext cx="3633495" cy="646331"/>
-          </a:xfrm>
-          <a:prstGeom prst="rect">
-            <a:avLst/>
-          </a:prstGeom>
-          <a:noFill/>
-        </p:spPr>
-        <p:txBody>
-          <a:bodyPr wrap="none" rtlCol="0">
-            <a:spAutoFit/>
-          </a:bodyPr>
-          <a:lstStyle/>
-          <a:p>
-            <a:r>
-              <a:rPr lang="en-US" dirty="0">
-                <a:solidFill>
-                  <a:schemeClr val="bg1"/>
-                </a:solidFill>
-              </a:rPr>
-              <a:t>Data gets queried through </a:t>
-            </a:r>
-            <a:r>
-              <a:rPr lang="en-US" dirty="0" err="1">
-                <a:solidFill>
-                  <a:schemeClr val="bg1"/>
-                </a:solidFill>
-              </a:rPr>
-              <a:t>Pymongo</a:t>
-            </a:r>
-            <a:r>
-              <a:rPr lang="en-US" dirty="0">
-                <a:solidFill>
-                  <a:schemeClr val="bg1"/>
-                </a:solidFill>
-              </a:rPr>
-              <a:t> </a:t>
-            </a:r>
-          </a:p>
-          <a:p>
-            <a:r>
-              <a:rPr lang="en-US" dirty="0">
-                <a:solidFill>
-                  <a:schemeClr val="bg1"/>
-                </a:solidFill>
-              </a:rPr>
-              <a:t>module</a:t>
-            </a:r>
-            <a:endParaRPr lang="en-IN" dirty="0">
-              <a:solidFill>
-                <a:schemeClr val="bg1"/>
-              </a:solidFill>
-            </a:endParaRPr>
-          </a:p>
-        </p:txBody>
-      </p:sp>
-      <p:sp>
-        <p:nvSpPr>
-          <p:cNvPr id="32" name="TextBox 31">
-            <a:extLst>
-              <a:ext uri="{FF2B5EF4-FFF2-40B4-BE49-F238E27FC236}">
-                <a16:creationId xmlns:a16="http://schemas.microsoft.com/office/drawing/2014/main" id="{329AABD5-9479-43D1-B5BF-D6BC6B35BC9D}"/>
-              </a:ext>
-            </a:extLst>
-          </p:cNvPr>
-          <p:cNvSpPr txBox="1"/>
-          <p:nvPr/>
-        </p:nvSpPr>
-        <p:spPr>
-          <a:xfrm>
-            <a:off x="8111195" y="5564200"/>
-            <a:ext cx="2735301" cy="369332"/>
-          </a:xfrm>
-          <a:prstGeom prst="rect">
-            <a:avLst/>
-          </a:prstGeom>
-          <a:noFill/>
-        </p:spPr>
-        <p:txBody>
-          <a:bodyPr wrap="none" rtlCol="0">
-            <a:spAutoFit/>
-          </a:bodyPr>
-          <a:lstStyle/>
-          <a:p>
-            <a:r>
-              <a:rPr lang="en-US" dirty="0">
-                <a:solidFill>
-                  <a:schemeClr val="bg1"/>
-                </a:solidFill>
-              </a:rPr>
-              <a:t>Extracted into a </a:t>
-            </a:r>
-            <a:r>
-              <a:rPr lang="en-US" dirty="0" err="1">
-                <a:solidFill>
-                  <a:schemeClr val="bg1"/>
-                </a:solidFill>
-              </a:rPr>
-              <a:t>DataFrame</a:t>
-            </a:r>
-            <a:endParaRPr lang="en-IN" dirty="0">
-              <a:solidFill>
-                <a:schemeClr val="bg1"/>
-              </a:solidFill>
-            </a:endParaRPr>
-          </a:p>
-        </p:txBody>
-      </p:sp>
       <p:pic>
         <p:nvPicPr>
-          <p:cNvPr id="4" name="Picture 3" descr="A picture containing outdoor object&#10;&#10;Description automatically generated">
-            <a:extLst>
-              <a:ext uri="{FF2B5EF4-FFF2-40B4-BE49-F238E27FC236}">
-                <a16:creationId xmlns:a16="http://schemas.microsoft.com/office/drawing/2014/main" id="{3C215066-236F-45EE-BAEF-3F276734C90E}"/>
-              </a:ext>
-            </a:extLst>
-          </p:cNvPr>
-          <p:cNvPicPr>
-            <a:picLocks noChangeAspect="1"/>
-          </p:cNvPicPr>
+          <p:cNvPr id="12" name="Picture 11" descr="A picture containing text, map&#10;&#10;Description automatically generated">
+            <a:extLst>
+              <a:ext uri="{FF2B5EF4-FFF2-40B4-BE49-F238E27FC236}">
+                <a16:creationId xmlns:a16="http://schemas.microsoft.com/office/drawing/2014/main" id="{675BA4B2-462B-40CE-A829-73DC2F5F2AE1}"/>
+              </a:ext>
+            </a:extLst>
+          </p:cNvPr>
+          <p:cNvPicPr/>
           <p:nvPr/>
         </p:nvPicPr>
         <p:blipFill>
-          <a:blip r:embed="rId4">
+          <a:blip r:embed="rId3">
             <a:extLst>
               <a:ext uri="{28A0092B-C50C-407E-A947-70E740481C1C}">
                 <a14:useLocalDpi xmlns:a14="http://schemas.microsoft.com/office/drawing/2010/main" val="0"/>
@@ -4521,8 +5964,8 @@
         </p:blipFill>
         <p:spPr>
           <a:xfrm>
-            <a:off x="5547627" y="295973"/>
-            <a:ext cx="1096746" cy="1096746"/>
+            <a:off x="4831080" y="721360"/>
+            <a:ext cx="7360920" cy="6136640"/>
           </a:xfrm>
           <a:prstGeom prst="rect">
             <a:avLst/>
@@ -4539,18 +5982,1253 @@
   <p:clrMapOvr>
     <a:overrideClrMapping bg1="dk1" tx1="lt1" bg2="dk2" tx2="lt2" accent1="accent1" accent2="accent2" accent3="accent3" accent4="accent4" accent5="accent5" accent6="accent6" hlink="hlink" folHlink="folHlink"/>
   </p:clrMapOvr>
-  <mc:AlternateContent xmlns:mc="http://schemas.openxmlformats.org/markup-compatibility/2006">
-    <mc:Choice xmlns:p159="http://schemas.microsoft.com/office/powerpoint/2015/09/main" Requires="p159">
+  <mc:AlternateContent xmlns:mc="http://schemas.openxmlformats.org/markup-compatibility/2006" xmlns:p159="http://schemas.microsoft.com/office/powerpoint/2015/09/main">
+    <mc:Choice Requires="p159">
       <p:transition xmlns:p14="http://schemas.microsoft.com/office/powerpoint/2010/main" spd="slow" p14:dur="2000">
         <p159:morph option="byObject"/>
       </p:transition>
     </mc:Choice>
-    <mc:Fallback>
+    <mc:Fallback xmlns="">
       <p:transition spd="slow">
         <p:fade/>
       </p:transition>
     </mc:Fallback>
   </mc:AlternateContent>
+</p:sld>
+</file>
+
+<file path=ppt/slides/slide14.xml><?xml version="1.0" encoding="utf-8"?>
+<p:sld xmlns:a="http://schemas.openxmlformats.org/drawingml/2006/main" xmlns:r="http://schemas.openxmlformats.org/officeDocument/2006/relationships" xmlns:p="http://schemas.openxmlformats.org/presentationml/2006/main">
+  <p:cSld>
+    <p:bg>
+      <p:bgPr>
+        <a:solidFill>
+          <a:schemeClr val="tx1"/>
+        </a:solidFill>
+        <a:effectLst/>
+      </p:bgPr>
+    </p:bg>
+    <p:spTree>
+      <p:nvGrpSpPr>
+        <p:cNvPr id="1" name=""/>
+        <p:cNvGrpSpPr/>
+        <p:nvPr/>
+      </p:nvGrpSpPr>
+      <p:grpSpPr>
+        <a:xfrm>
+          <a:off x="0" y="0"/>
+          <a:ext cx="0" cy="0"/>
+          <a:chOff x="0" y="0"/>
+          <a:chExt cx="0" cy="0"/>
+        </a:xfrm>
+      </p:grpSpPr>
+      <p:sp>
+        <p:nvSpPr>
+          <p:cNvPr id="13" name="Rectangle 12">
+            <a:extLst>
+              <a:ext uri="{FF2B5EF4-FFF2-40B4-BE49-F238E27FC236}">
+                <a16:creationId xmlns:a16="http://schemas.microsoft.com/office/drawing/2014/main" id="{867D4867-5BA7-4462-B2F6-A23F4A622AA7}"/>
+              </a:ext>
+              <a:ext uri="{C183D7F6-B498-43B3-948B-1728B52AA6E4}">
+                <adec:decorative xmlns:adec="http://schemas.microsoft.com/office/drawing/2017/decorative" val="1"/>
+              </a:ext>
+            </a:extLst>
+          </p:cNvPr>
+          <p:cNvSpPr>
+            <a:spLocks noGrp="1" noRot="1" noChangeAspect="1" noMove="1" noResize="1" noEditPoints="1" noAdjustHandles="1" noChangeArrowheads="1" noChangeShapeType="1" noTextEdit="1"/>
+          </p:cNvSpPr>
+          <p:nvPr>
+            <p:extLst>
+              <p:ext uri="{386F3935-93C4-4BCD-93E2-E3B085C9AB24}">
+                <p16:designElem xmlns:p16="http://schemas.microsoft.com/office/powerpoint/2015/main" val="1"/>
+              </p:ext>
+            </p:extLst>
+          </p:nvPr>
+        </p:nvSpPr>
+        <p:spPr>
+          <a:xfrm>
+            <a:off x="0" y="0"/>
+            <a:ext cx="4654296" cy="6858000"/>
+          </a:xfrm>
+          <a:prstGeom prst="rect">
+            <a:avLst/>
+          </a:prstGeom>
+          <a:solidFill>
+            <a:srgbClr val="3F3F3F"/>
+          </a:solidFill>
+          <a:ln>
+            <a:noFill/>
+          </a:ln>
+        </p:spPr>
+        <p:style>
+          <a:lnRef idx="0">
+            <a:scrgbClr r="0" g="0" b="0"/>
+          </a:lnRef>
+          <a:fillRef idx="0">
+            <a:scrgbClr r="0" g="0" b="0"/>
+          </a:fillRef>
+          <a:effectRef idx="0">
+            <a:scrgbClr r="0" g="0" b="0"/>
+          </a:effectRef>
+          <a:fontRef idx="minor">
+            <a:schemeClr val="lt1"/>
+          </a:fontRef>
+        </p:style>
+        <p:txBody>
+          <a:bodyPr rtlCol="0" anchor="ctr"/>
+          <a:lstStyle/>
+          <a:p>
+            <a:pPr algn="ctr"/>
+            <a:endParaRPr lang="en-US" dirty="0"/>
+          </a:p>
+        </p:txBody>
+      </p:sp>
+      <p:sp>
+        <p:nvSpPr>
+          <p:cNvPr id="2" name="Title 1">
+            <a:extLst>
+              <a:ext uri="{FF2B5EF4-FFF2-40B4-BE49-F238E27FC236}">
+                <a16:creationId xmlns:a16="http://schemas.microsoft.com/office/drawing/2014/main" id="{38AC3C0E-E19C-4B33-8BA0-B218CBFEAB92}"/>
+              </a:ext>
+            </a:extLst>
+          </p:cNvPr>
+          <p:cNvSpPr>
+            <a:spLocks noGrp="1"/>
+          </p:cNvSpPr>
+          <p:nvPr>
+            <p:ph type="title"/>
+          </p:nvPr>
+        </p:nvSpPr>
+        <p:spPr>
+          <a:xfrm>
+            <a:off x="643468" y="623392"/>
+            <a:ext cx="3363974" cy="1607060"/>
+          </a:xfrm>
+          <a:noFill/>
+          <a:ln w="19050">
+            <a:solidFill>
+              <a:schemeClr val="tx1"/>
+            </a:solidFill>
+          </a:ln>
+        </p:spPr>
+        <p:txBody>
+          <a:bodyPr wrap="square" anchor="ctr">
+            <a:normAutofit/>
+          </a:bodyPr>
+          <a:lstStyle/>
+          <a:p>
+            <a:pPr algn="ctr"/>
+            <a:r>
+              <a:rPr lang="en-US" sz="2800" dirty="0"/>
+              <a:t>Visualization</a:t>
+            </a:r>
+            <a:endParaRPr lang="en-IN" sz="2800" dirty="0"/>
+          </a:p>
+        </p:txBody>
+      </p:sp>
+      <p:sp>
+        <p:nvSpPr>
+          <p:cNvPr id="29" name="TextBox 28">
+            <a:extLst>
+              <a:ext uri="{FF2B5EF4-FFF2-40B4-BE49-F238E27FC236}">
+                <a16:creationId xmlns:a16="http://schemas.microsoft.com/office/drawing/2014/main" id="{5F916358-E07A-4C5B-B924-DBAE905AB881}"/>
+              </a:ext>
+            </a:extLst>
+          </p:cNvPr>
+          <p:cNvSpPr txBox="1"/>
+          <p:nvPr/>
+        </p:nvSpPr>
+        <p:spPr>
+          <a:xfrm>
+            <a:off x="5926795" y="226607"/>
+            <a:ext cx="1804276" cy="369332"/>
+          </a:xfrm>
+          <a:prstGeom prst="rect">
+            <a:avLst/>
+          </a:prstGeom>
+          <a:noFill/>
+        </p:spPr>
+        <p:txBody>
+          <a:bodyPr wrap="none" rtlCol="0">
+            <a:spAutoFit/>
+          </a:bodyPr>
+          <a:lstStyle/>
+          <a:p>
+            <a:r>
+              <a:rPr lang="en-US" dirty="0">
+                <a:solidFill>
+                  <a:schemeClr val="bg1"/>
+                </a:solidFill>
+              </a:rPr>
+              <a:t>Bokeh </a:t>
+            </a:r>
+            <a:r>
+              <a:rPr lang="en-US" dirty="0" err="1">
+                <a:solidFill>
+                  <a:schemeClr val="bg1"/>
+                </a:solidFill>
+              </a:rPr>
+              <a:t>Gmap</a:t>
+            </a:r>
+            <a:r>
+              <a:rPr lang="en-US" dirty="0">
+                <a:solidFill>
+                  <a:schemeClr val="bg1"/>
+                </a:solidFill>
+              </a:rPr>
+              <a:t> Plot</a:t>
+            </a:r>
+            <a:endParaRPr lang="en-IN" dirty="0">
+              <a:solidFill>
+                <a:schemeClr val="bg1"/>
+              </a:solidFill>
+            </a:endParaRPr>
+          </a:p>
+        </p:txBody>
+      </p:sp>
+      <p:pic>
+        <p:nvPicPr>
+          <p:cNvPr id="4" name="Picture 3" descr="A picture containing outdoor object&#10;&#10;Description automatically generated">
+            <a:extLst>
+              <a:ext uri="{FF2B5EF4-FFF2-40B4-BE49-F238E27FC236}">
+                <a16:creationId xmlns:a16="http://schemas.microsoft.com/office/drawing/2014/main" id="{3C215066-236F-45EE-BAEF-3F276734C90E}"/>
+              </a:ext>
+            </a:extLst>
+          </p:cNvPr>
+          <p:cNvPicPr>
+            <a:picLocks noChangeAspect="1"/>
+          </p:cNvPicPr>
+          <p:nvPr/>
+        </p:nvPicPr>
+        <p:blipFill>
+          <a:blip r:embed="rId2">
+            <a:extLst>
+              <a:ext uri="{28A0092B-C50C-407E-A947-70E740481C1C}">
+                <a14:useLocalDpi xmlns:a14="http://schemas.microsoft.com/office/drawing/2010/main" val="0"/>
+              </a:ext>
+            </a:extLst>
+          </a:blip>
+          <a:stretch>
+            <a:fillRect/>
+          </a:stretch>
+        </p:blipFill>
+        <p:spPr>
+          <a:xfrm>
+            <a:off x="4698451" y="-57272"/>
+            <a:ext cx="937090" cy="937090"/>
+          </a:xfrm>
+          <a:prstGeom prst="rect">
+            <a:avLst/>
+          </a:prstGeom>
+        </p:spPr>
+      </p:pic>
+      <p:pic>
+        <p:nvPicPr>
+          <p:cNvPr id="7" name="Picture 6" descr="A close up of a map&#10;&#10;Description automatically generated">
+            <a:extLst>
+              <a:ext uri="{FF2B5EF4-FFF2-40B4-BE49-F238E27FC236}">
+                <a16:creationId xmlns:a16="http://schemas.microsoft.com/office/drawing/2014/main" id="{5DFD8A1E-F722-4AD1-9C31-D7C27363ECAE}"/>
+              </a:ext>
+            </a:extLst>
+          </p:cNvPr>
+          <p:cNvPicPr/>
+          <p:nvPr/>
+        </p:nvPicPr>
+        <p:blipFill>
+          <a:blip r:embed="rId3">
+            <a:extLst>
+              <a:ext uri="{28A0092B-C50C-407E-A947-70E740481C1C}">
+                <a14:useLocalDpi xmlns:a14="http://schemas.microsoft.com/office/drawing/2010/main" val="0"/>
+              </a:ext>
+            </a:extLst>
+          </a:blip>
+          <a:stretch>
+            <a:fillRect/>
+          </a:stretch>
+        </p:blipFill>
+        <p:spPr>
+          <a:xfrm>
+            <a:off x="4843090" y="690880"/>
+            <a:ext cx="7176189" cy="6167120"/>
+          </a:xfrm>
+          <a:prstGeom prst="rect">
+            <a:avLst/>
+          </a:prstGeom>
+        </p:spPr>
+      </p:pic>
+    </p:spTree>
+    <p:extLst>
+      <p:ext uri="{BB962C8B-B14F-4D97-AF65-F5344CB8AC3E}">
+        <p14:creationId xmlns:p14="http://schemas.microsoft.com/office/powerpoint/2010/main" val="1798814458"/>
+      </p:ext>
+    </p:extLst>
+  </p:cSld>
+  <p:clrMapOvr>
+    <a:overrideClrMapping bg1="dk1" tx1="lt1" bg2="dk2" tx2="lt2" accent1="accent1" accent2="accent2" accent3="accent3" accent4="accent4" accent5="accent5" accent6="accent6" hlink="hlink" folHlink="folHlink"/>
+  </p:clrMapOvr>
+  <mc:AlternateContent xmlns:mc="http://schemas.openxmlformats.org/markup-compatibility/2006" xmlns:p159="http://schemas.microsoft.com/office/powerpoint/2015/09/main">
+    <mc:Choice Requires="p159">
+      <p:transition xmlns:p14="http://schemas.microsoft.com/office/powerpoint/2010/main" spd="slow" p14:dur="2000">
+        <p159:morph option="byObject"/>
+      </p:transition>
+    </mc:Choice>
+    <mc:Fallback xmlns="">
+      <p:transition spd="slow">
+        <p:fade/>
+      </p:transition>
+    </mc:Fallback>
+  </mc:AlternateContent>
+</p:sld>
+</file>
+
+<file path=ppt/slides/slide15.xml><?xml version="1.0" encoding="utf-8"?>
+<p:sld xmlns:a="http://schemas.openxmlformats.org/drawingml/2006/main" xmlns:r="http://schemas.openxmlformats.org/officeDocument/2006/relationships" xmlns:p="http://schemas.openxmlformats.org/presentationml/2006/main">
+  <p:cSld>
+    <p:bg>
+      <p:bgPr>
+        <a:solidFill>
+          <a:schemeClr val="tx1"/>
+        </a:solidFill>
+        <a:effectLst/>
+      </p:bgPr>
+    </p:bg>
+    <p:spTree>
+      <p:nvGrpSpPr>
+        <p:cNvPr id="1" name=""/>
+        <p:cNvGrpSpPr/>
+        <p:nvPr/>
+      </p:nvGrpSpPr>
+      <p:grpSpPr>
+        <a:xfrm>
+          <a:off x="0" y="0"/>
+          <a:ext cx="0" cy="0"/>
+          <a:chOff x="0" y="0"/>
+          <a:chExt cx="0" cy="0"/>
+        </a:xfrm>
+      </p:grpSpPr>
+      <p:sp>
+        <p:nvSpPr>
+          <p:cNvPr id="13" name="Rectangle 12">
+            <a:extLst>
+              <a:ext uri="{FF2B5EF4-FFF2-40B4-BE49-F238E27FC236}">
+                <a16:creationId xmlns:a16="http://schemas.microsoft.com/office/drawing/2014/main" id="{867D4867-5BA7-4462-B2F6-A23F4A622AA7}"/>
+              </a:ext>
+              <a:ext uri="{C183D7F6-B498-43B3-948B-1728B52AA6E4}">
+                <adec:decorative xmlns:adec="http://schemas.microsoft.com/office/drawing/2017/decorative" val="1"/>
+              </a:ext>
+            </a:extLst>
+          </p:cNvPr>
+          <p:cNvSpPr>
+            <a:spLocks noGrp="1" noRot="1" noChangeAspect="1" noMove="1" noResize="1" noEditPoints="1" noAdjustHandles="1" noChangeArrowheads="1" noChangeShapeType="1" noTextEdit="1"/>
+          </p:cNvSpPr>
+          <p:nvPr>
+            <p:extLst>
+              <p:ext uri="{386F3935-93C4-4BCD-93E2-E3B085C9AB24}">
+                <p16:designElem xmlns:p16="http://schemas.microsoft.com/office/powerpoint/2015/main" val="1"/>
+              </p:ext>
+            </p:extLst>
+          </p:nvPr>
+        </p:nvSpPr>
+        <p:spPr>
+          <a:xfrm>
+            <a:off x="0" y="0"/>
+            <a:ext cx="4654296" cy="6858000"/>
+          </a:xfrm>
+          <a:prstGeom prst="rect">
+            <a:avLst/>
+          </a:prstGeom>
+          <a:solidFill>
+            <a:srgbClr val="3F3F3F"/>
+          </a:solidFill>
+          <a:ln>
+            <a:noFill/>
+          </a:ln>
+        </p:spPr>
+        <p:style>
+          <a:lnRef idx="0">
+            <a:scrgbClr r="0" g="0" b="0"/>
+          </a:lnRef>
+          <a:fillRef idx="0">
+            <a:scrgbClr r="0" g="0" b="0"/>
+          </a:fillRef>
+          <a:effectRef idx="0">
+            <a:scrgbClr r="0" g="0" b="0"/>
+          </a:effectRef>
+          <a:fontRef idx="minor">
+            <a:schemeClr val="lt1"/>
+          </a:fontRef>
+        </p:style>
+        <p:txBody>
+          <a:bodyPr rtlCol="0" anchor="ctr"/>
+          <a:lstStyle/>
+          <a:p>
+            <a:pPr algn="ctr"/>
+            <a:endParaRPr lang="en-US" dirty="0"/>
+          </a:p>
+        </p:txBody>
+      </p:sp>
+      <p:sp>
+        <p:nvSpPr>
+          <p:cNvPr id="2" name="Title 1">
+            <a:extLst>
+              <a:ext uri="{FF2B5EF4-FFF2-40B4-BE49-F238E27FC236}">
+                <a16:creationId xmlns:a16="http://schemas.microsoft.com/office/drawing/2014/main" id="{38AC3C0E-E19C-4B33-8BA0-B218CBFEAB92}"/>
+              </a:ext>
+            </a:extLst>
+          </p:cNvPr>
+          <p:cNvSpPr>
+            <a:spLocks noGrp="1"/>
+          </p:cNvSpPr>
+          <p:nvPr>
+            <p:ph type="title"/>
+          </p:nvPr>
+        </p:nvSpPr>
+        <p:spPr>
+          <a:xfrm>
+            <a:off x="643468" y="623392"/>
+            <a:ext cx="3363974" cy="1607060"/>
+          </a:xfrm>
+          <a:noFill/>
+          <a:ln w="19050">
+            <a:solidFill>
+              <a:schemeClr val="tx1"/>
+            </a:solidFill>
+          </a:ln>
+        </p:spPr>
+        <p:txBody>
+          <a:bodyPr wrap="square" anchor="ctr">
+            <a:normAutofit/>
+          </a:bodyPr>
+          <a:lstStyle/>
+          <a:p>
+            <a:pPr algn="ctr"/>
+            <a:r>
+              <a:rPr lang="en-US" sz="2800" dirty="0"/>
+              <a:t>Visualization</a:t>
+            </a:r>
+            <a:endParaRPr lang="en-IN" sz="2800" dirty="0"/>
+          </a:p>
+        </p:txBody>
+      </p:sp>
+      <p:sp>
+        <p:nvSpPr>
+          <p:cNvPr id="29" name="TextBox 28">
+            <a:extLst>
+              <a:ext uri="{FF2B5EF4-FFF2-40B4-BE49-F238E27FC236}">
+                <a16:creationId xmlns:a16="http://schemas.microsoft.com/office/drawing/2014/main" id="{5F916358-E07A-4C5B-B924-DBAE905AB881}"/>
+              </a:ext>
+            </a:extLst>
+          </p:cNvPr>
+          <p:cNvSpPr txBox="1"/>
+          <p:nvPr/>
+        </p:nvSpPr>
+        <p:spPr>
+          <a:xfrm>
+            <a:off x="5926795" y="226607"/>
+            <a:ext cx="1804276" cy="369332"/>
+          </a:xfrm>
+          <a:prstGeom prst="rect">
+            <a:avLst/>
+          </a:prstGeom>
+          <a:noFill/>
+        </p:spPr>
+        <p:txBody>
+          <a:bodyPr wrap="none" rtlCol="0">
+            <a:spAutoFit/>
+          </a:bodyPr>
+          <a:lstStyle/>
+          <a:p>
+            <a:r>
+              <a:rPr lang="en-US" dirty="0">
+                <a:solidFill>
+                  <a:schemeClr val="bg1"/>
+                </a:solidFill>
+              </a:rPr>
+              <a:t>Bokeh </a:t>
+            </a:r>
+            <a:r>
+              <a:rPr lang="en-US" dirty="0" err="1">
+                <a:solidFill>
+                  <a:schemeClr val="bg1"/>
+                </a:solidFill>
+              </a:rPr>
+              <a:t>Gmap</a:t>
+            </a:r>
+            <a:r>
+              <a:rPr lang="en-US" dirty="0">
+                <a:solidFill>
+                  <a:schemeClr val="bg1"/>
+                </a:solidFill>
+              </a:rPr>
+              <a:t> Plot</a:t>
+            </a:r>
+            <a:endParaRPr lang="en-IN" dirty="0">
+              <a:solidFill>
+                <a:schemeClr val="bg1"/>
+              </a:solidFill>
+            </a:endParaRPr>
+          </a:p>
+        </p:txBody>
+      </p:sp>
+      <p:pic>
+        <p:nvPicPr>
+          <p:cNvPr id="4" name="Picture 3" descr="A picture containing outdoor object&#10;&#10;Description automatically generated">
+            <a:extLst>
+              <a:ext uri="{FF2B5EF4-FFF2-40B4-BE49-F238E27FC236}">
+                <a16:creationId xmlns:a16="http://schemas.microsoft.com/office/drawing/2014/main" id="{3C215066-236F-45EE-BAEF-3F276734C90E}"/>
+              </a:ext>
+            </a:extLst>
+          </p:cNvPr>
+          <p:cNvPicPr>
+            <a:picLocks noChangeAspect="1"/>
+          </p:cNvPicPr>
+          <p:nvPr/>
+        </p:nvPicPr>
+        <p:blipFill>
+          <a:blip r:embed="rId2">
+            <a:extLst>
+              <a:ext uri="{28A0092B-C50C-407E-A947-70E740481C1C}">
+                <a14:useLocalDpi xmlns:a14="http://schemas.microsoft.com/office/drawing/2010/main" val="0"/>
+              </a:ext>
+            </a:extLst>
+          </a:blip>
+          <a:stretch>
+            <a:fillRect/>
+          </a:stretch>
+        </p:blipFill>
+        <p:spPr>
+          <a:xfrm>
+            <a:off x="4698451" y="-57272"/>
+            <a:ext cx="937090" cy="937090"/>
+          </a:xfrm>
+          <a:prstGeom prst="rect">
+            <a:avLst/>
+          </a:prstGeom>
+        </p:spPr>
+      </p:pic>
+      <p:pic>
+        <p:nvPicPr>
+          <p:cNvPr id="8" name="Picture 7" descr="A close up of a map&#10;&#10;Description automatically generated">
+            <a:extLst>
+              <a:ext uri="{FF2B5EF4-FFF2-40B4-BE49-F238E27FC236}">
+                <a16:creationId xmlns:a16="http://schemas.microsoft.com/office/drawing/2014/main" id="{566FB214-417F-4E43-A6CF-762EAD5EF447}"/>
+              </a:ext>
+            </a:extLst>
+          </p:cNvPr>
+          <p:cNvPicPr/>
+          <p:nvPr/>
+        </p:nvPicPr>
+        <p:blipFill>
+          <a:blip r:embed="rId3">
+            <a:extLst>
+              <a:ext uri="{28A0092B-C50C-407E-A947-70E740481C1C}">
+                <a14:useLocalDpi xmlns:a14="http://schemas.microsoft.com/office/drawing/2010/main" val="0"/>
+              </a:ext>
+            </a:extLst>
+          </a:blip>
+          <a:stretch>
+            <a:fillRect/>
+          </a:stretch>
+        </p:blipFill>
+        <p:spPr>
+          <a:xfrm>
+            <a:off x="4698450" y="721360"/>
+            <a:ext cx="7493549" cy="6238240"/>
+          </a:xfrm>
+          <a:prstGeom prst="rect">
+            <a:avLst/>
+          </a:prstGeom>
+        </p:spPr>
+      </p:pic>
+      <p:sp>
+        <p:nvSpPr>
+          <p:cNvPr id="9" name="Content Placeholder 7">
+            <a:extLst>
+              <a:ext uri="{FF2B5EF4-FFF2-40B4-BE49-F238E27FC236}">
+                <a16:creationId xmlns:a16="http://schemas.microsoft.com/office/drawing/2014/main" id="{A82D134C-FF99-496B-8FBE-FEE4D7615BBF}"/>
+              </a:ext>
+            </a:extLst>
+          </p:cNvPr>
+          <p:cNvSpPr>
+            <a:spLocks noGrp="1"/>
+          </p:cNvSpPr>
+          <p:nvPr>
+            <p:ph idx="1"/>
+          </p:nvPr>
+        </p:nvSpPr>
+        <p:spPr>
+          <a:xfrm>
+            <a:off x="643468" y="2638043"/>
+            <a:ext cx="3363974" cy="3415623"/>
+          </a:xfrm>
+        </p:spPr>
+        <p:txBody>
+          <a:bodyPr>
+            <a:normAutofit/>
+          </a:bodyPr>
+          <a:lstStyle/>
+          <a:p>
+            <a:pPr marL="0" indent="0">
+              <a:buNone/>
+            </a:pPr>
+            <a:r>
+              <a:rPr lang="en-US" sz="2000" dirty="0"/>
+              <a:t>Inference:</a:t>
+            </a:r>
+          </a:p>
+          <a:p>
+            <a:pPr marL="0" indent="0">
+              <a:buNone/>
+            </a:pPr>
+            <a:endParaRPr lang="en-US" sz="2000" dirty="0"/>
+          </a:p>
+          <a:p>
+            <a:pPr marL="0" indent="0">
+              <a:buNone/>
+            </a:pPr>
+            <a:r>
+              <a:rPr lang="en-US" sz="2000" dirty="0"/>
+              <a:t>The majority of taxi action happens on the island of Manhattan. And La Guardia Airport and JFK airports are popular pickup spots. Hence, that is the reason which Pick-up and Drop-offs are more concentrated in these zones.</a:t>
+            </a:r>
+            <a:endParaRPr lang="en-US" sz="2400" dirty="0"/>
+          </a:p>
+        </p:txBody>
+      </p:sp>
+    </p:spTree>
+    <p:extLst>
+      <p:ext uri="{BB962C8B-B14F-4D97-AF65-F5344CB8AC3E}">
+        <p14:creationId xmlns:p14="http://schemas.microsoft.com/office/powerpoint/2010/main" val="119063429"/>
+      </p:ext>
+    </p:extLst>
+  </p:cSld>
+  <p:clrMapOvr>
+    <a:overrideClrMapping bg1="dk1" tx1="lt1" bg2="dk2" tx2="lt2" accent1="accent1" accent2="accent2" accent3="accent3" accent4="accent4" accent5="accent5" accent6="accent6" hlink="hlink" folHlink="folHlink"/>
+  </p:clrMapOvr>
+  <mc:AlternateContent xmlns:mc="http://schemas.openxmlformats.org/markup-compatibility/2006" xmlns:p159="http://schemas.microsoft.com/office/powerpoint/2015/09/main">
+    <mc:Choice Requires="p159">
+      <p:transition xmlns:p14="http://schemas.microsoft.com/office/powerpoint/2010/main" spd="slow" p14:dur="2000">
+        <p159:morph option="byObject"/>
+      </p:transition>
+    </mc:Choice>
+    <mc:Fallback xmlns="">
+      <p:transition spd="slow">
+        <p:fade/>
+      </p:transition>
+    </mc:Fallback>
+  </mc:AlternateContent>
+</p:sld>
+</file>
+
+<file path=ppt/slides/slide16.xml><?xml version="1.0" encoding="utf-8"?>
+<p:sld xmlns:a="http://schemas.openxmlformats.org/drawingml/2006/main" xmlns:r="http://schemas.openxmlformats.org/officeDocument/2006/relationships" xmlns:p="http://schemas.openxmlformats.org/presentationml/2006/main">
+  <p:cSld>
+    <p:bg>
+      <p:bgPr>
+        <a:solidFill>
+          <a:schemeClr val="tx1"/>
+        </a:solidFill>
+        <a:effectLst/>
+      </p:bgPr>
+    </p:bg>
+    <p:spTree>
+      <p:nvGrpSpPr>
+        <p:cNvPr id="1" name=""/>
+        <p:cNvGrpSpPr/>
+        <p:nvPr/>
+      </p:nvGrpSpPr>
+      <p:grpSpPr>
+        <a:xfrm>
+          <a:off x="0" y="0"/>
+          <a:ext cx="0" cy="0"/>
+          <a:chOff x="0" y="0"/>
+          <a:chExt cx="0" cy="0"/>
+        </a:xfrm>
+      </p:grpSpPr>
+      <p:sp>
+        <p:nvSpPr>
+          <p:cNvPr id="13" name="Rectangle 12">
+            <a:extLst>
+              <a:ext uri="{FF2B5EF4-FFF2-40B4-BE49-F238E27FC236}">
+                <a16:creationId xmlns:a16="http://schemas.microsoft.com/office/drawing/2014/main" id="{867D4867-5BA7-4462-B2F6-A23F4A622AA7}"/>
+              </a:ext>
+              <a:ext uri="{C183D7F6-B498-43B3-948B-1728B52AA6E4}">
+                <adec:decorative xmlns:adec="http://schemas.microsoft.com/office/drawing/2017/decorative" val="1"/>
+              </a:ext>
+            </a:extLst>
+          </p:cNvPr>
+          <p:cNvSpPr>
+            <a:spLocks noGrp="1" noRot="1" noChangeAspect="1" noMove="1" noResize="1" noEditPoints="1" noAdjustHandles="1" noChangeArrowheads="1" noChangeShapeType="1" noTextEdit="1"/>
+          </p:cNvSpPr>
+          <p:nvPr>
+            <p:extLst>
+              <p:ext uri="{386F3935-93C4-4BCD-93E2-E3B085C9AB24}">
+                <p16:designElem xmlns:p16="http://schemas.microsoft.com/office/powerpoint/2015/main" val="1"/>
+              </p:ext>
+            </p:extLst>
+          </p:nvPr>
+        </p:nvSpPr>
+        <p:spPr>
+          <a:xfrm>
+            <a:off x="0" y="0"/>
+            <a:ext cx="4654296" cy="6858000"/>
+          </a:xfrm>
+          <a:prstGeom prst="rect">
+            <a:avLst/>
+          </a:prstGeom>
+          <a:solidFill>
+            <a:srgbClr val="3F3F3F"/>
+          </a:solidFill>
+          <a:ln>
+            <a:noFill/>
+          </a:ln>
+        </p:spPr>
+        <p:style>
+          <a:lnRef idx="0">
+            <a:scrgbClr r="0" g="0" b="0"/>
+          </a:lnRef>
+          <a:fillRef idx="0">
+            <a:scrgbClr r="0" g="0" b="0"/>
+          </a:fillRef>
+          <a:effectRef idx="0">
+            <a:scrgbClr r="0" g="0" b="0"/>
+          </a:effectRef>
+          <a:fontRef idx="minor">
+            <a:schemeClr val="lt1"/>
+          </a:fontRef>
+        </p:style>
+        <p:txBody>
+          <a:bodyPr rtlCol="0" anchor="ctr"/>
+          <a:lstStyle/>
+          <a:p>
+            <a:pPr algn="ctr"/>
+            <a:endParaRPr lang="en-US" dirty="0"/>
+          </a:p>
+        </p:txBody>
+      </p:sp>
+      <p:sp>
+        <p:nvSpPr>
+          <p:cNvPr id="2" name="Title 1">
+            <a:extLst>
+              <a:ext uri="{FF2B5EF4-FFF2-40B4-BE49-F238E27FC236}">
+                <a16:creationId xmlns:a16="http://schemas.microsoft.com/office/drawing/2014/main" id="{38AC3C0E-E19C-4B33-8BA0-B218CBFEAB92}"/>
+              </a:ext>
+            </a:extLst>
+          </p:cNvPr>
+          <p:cNvSpPr>
+            <a:spLocks noGrp="1"/>
+          </p:cNvSpPr>
+          <p:nvPr>
+            <p:ph type="title"/>
+          </p:nvPr>
+        </p:nvSpPr>
+        <p:spPr>
+          <a:xfrm>
+            <a:off x="643468" y="623392"/>
+            <a:ext cx="3363974" cy="1607060"/>
+          </a:xfrm>
+          <a:noFill/>
+          <a:ln w="19050">
+            <a:solidFill>
+              <a:schemeClr val="tx1"/>
+            </a:solidFill>
+          </a:ln>
+        </p:spPr>
+        <p:txBody>
+          <a:bodyPr wrap="square" anchor="ctr">
+            <a:normAutofit/>
+          </a:bodyPr>
+          <a:lstStyle/>
+          <a:p>
+            <a:pPr algn="ctr"/>
+            <a:r>
+              <a:rPr lang="en-US" sz="2800" dirty="0"/>
+              <a:t>Visualization</a:t>
+            </a:r>
+            <a:endParaRPr lang="en-IN" sz="2800" dirty="0"/>
+          </a:p>
+        </p:txBody>
+      </p:sp>
+      <p:sp>
+        <p:nvSpPr>
+          <p:cNvPr id="29" name="TextBox 28">
+            <a:extLst>
+              <a:ext uri="{FF2B5EF4-FFF2-40B4-BE49-F238E27FC236}">
+                <a16:creationId xmlns:a16="http://schemas.microsoft.com/office/drawing/2014/main" id="{5F916358-E07A-4C5B-B924-DBAE905AB881}"/>
+              </a:ext>
+            </a:extLst>
+          </p:cNvPr>
+          <p:cNvSpPr txBox="1"/>
+          <p:nvPr/>
+        </p:nvSpPr>
+        <p:spPr>
+          <a:xfrm>
+            <a:off x="6272235" y="254060"/>
+            <a:ext cx="1587101" cy="369332"/>
+          </a:xfrm>
+          <a:prstGeom prst="rect">
+            <a:avLst/>
+          </a:prstGeom>
+          <a:noFill/>
+        </p:spPr>
+        <p:txBody>
+          <a:bodyPr wrap="none" rtlCol="0">
+            <a:spAutoFit/>
+          </a:bodyPr>
+          <a:lstStyle/>
+          <a:p>
+            <a:r>
+              <a:rPr lang="en-US" dirty="0">
+                <a:solidFill>
+                  <a:schemeClr val="bg1"/>
+                </a:solidFill>
+              </a:rPr>
+              <a:t>All Taxi Pickups</a:t>
+            </a:r>
+            <a:endParaRPr lang="en-IN" dirty="0">
+              <a:solidFill>
+                <a:schemeClr val="bg1"/>
+              </a:solidFill>
+            </a:endParaRPr>
+          </a:p>
+        </p:txBody>
+      </p:sp>
+      <p:pic>
+        <p:nvPicPr>
+          <p:cNvPr id="7" name="Picture 6" descr="A picture containing outdoor object&#10;&#10;Description automatically generated">
+            <a:extLst>
+              <a:ext uri="{FF2B5EF4-FFF2-40B4-BE49-F238E27FC236}">
+                <a16:creationId xmlns:a16="http://schemas.microsoft.com/office/drawing/2014/main" id="{DEB90080-E820-4E88-9528-79D9BAAE5FB0}"/>
+              </a:ext>
+            </a:extLst>
+          </p:cNvPr>
+          <p:cNvPicPr/>
+          <p:nvPr/>
+        </p:nvPicPr>
+        <p:blipFill>
+          <a:blip r:embed="rId2">
+            <a:extLst>
+              <a:ext uri="{28A0092B-C50C-407E-A947-70E740481C1C}">
+                <a14:useLocalDpi xmlns:a14="http://schemas.microsoft.com/office/drawing/2010/main" val="0"/>
+              </a:ext>
+            </a:extLst>
+          </a:blip>
+          <a:stretch>
+            <a:fillRect/>
+          </a:stretch>
+        </p:blipFill>
+        <p:spPr>
+          <a:xfrm>
+            <a:off x="4650910" y="879818"/>
+            <a:ext cx="7541090" cy="5978182"/>
+          </a:xfrm>
+          <a:prstGeom prst="rect">
+            <a:avLst/>
+          </a:prstGeom>
+        </p:spPr>
+      </p:pic>
+      <p:pic>
+        <p:nvPicPr>
+          <p:cNvPr id="9" name="Picture 8" descr="A close up of a logo&#10;&#10;Description automatically generated">
+            <a:extLst>
+              <a:ext uri="{FF2B5EF4-FFF2-40B4-BE49-F238E27FC236}">
+                <a16:creationId xmlns:a16="http://schemas.microsoft.com/office/drawing/2014/main" id="{0ECC5E49-CC45-4D4A-B526-E0808933829D}"/>
+              </a:ext>
+            </a:extLst>
+          </p:cNvPr>
+          <p:cNvPicPr>
+            <a:picLocks noChangeAspect="1"/>
+          </p:cNvPicPr>
+          <p:nvPr/>
+        </p:nvPicPr>
+        <p:blipFill>
+          <a:blip r:embed="rId3">
+            <a:extLst>
+              <a:ext uri="{28A0092B-C50C-407E-A947-70E740481C1C}">
+                <a14:useLocalDpi xmlns:a14="http://schemas.microsoft.com/office/drawing/2010/main" val="0"/>
+              </a:ext>
+            </a:extLst>
+          </a:blip>
+          <a:stretch>
+            <a:fillRect/>
+          </a:stretch>
+        </p:blipFill>
+        <p:spPr>
+          <a:xfrm>
+            <a:off x="4650910" y="0"/>
+            <a:ext cx="1445090" cy="879818"/>
+          </a:xfrm>
+          <a:prstGeom prst="rect">
+            <a:avLst/>
+          </a:prstGeom>
+        </p:spPr>
+      </p:pic>
+    </p:spTree>
+    <p:extLst>
+      <p:ext uri="{BB962C8B-B14F-4D97-AF65-F5344CB8AC3E}">
+        <p14:creationId xmlns:p14="http://schemas.microsoft.com/office/powerpoint/2010/main" val="1364462556"/>
+      </p:ext>
+    </p:extLst>
+  </p:cSld>
+  <p:clrMapOvr>
+    <a:overrideClrMapping bg1="dk1" tx1="lt1" bg2="dk2" tx2="lt2" accent1="accent1" accent2="accent2" accent3="accent3" accent4="accent4" accent5="accent5" accent6="accent6" hlink="hlink" folHlink="folHlink"/>
+  </p:clrMapOvr>
+  <mc:AlternateContent xmlns:mc="http://schemas.openxmlformats.org/markup-compatibility/2006" xmlns:p159="http://schemas.microsoft.com/office/powerpoint/2015/09/main">
+    <mc:Choice Requires="p159">
+      <p:transition xmlns:p14="http://schemas.microsoft.com/office/powerpoint/2010/main" spd="slow" p14:dur="2000">
+        <p159:morph option="byObject"/>
+      </p:transition>
+    </mc:Choice>
+    <mc:Fallback xmlns="">
+      <p:transition spd="slow">
+        <p:fade/>
+      </p:transition>
+    </mc:Fallback>
+  </mc:AlternateContent>
+</p:sld>
+</file>
+
+<file path=ppt/slides/slide17.xml><?xml version="1.0" encoding="utf-8"?>
+<p:sld xmlns:a="http://schemas.openxmlformats.org/drawingml/2006/main" xmlns:r="http://schemas.openxmlformats.org/officeDocument/2006/relationships" xmlns:p="http://schemas.openxmlformats.org/presentationml/2006/main">
+  <p:cSld>
+    <p:bg>
+      <p:bgPr>
+        <a:solidFill>
+          <a:schemeClr val="tx1"/>
+        </a:solidFill>
+        <a:effectLst/>
+      </p:bgPr>
+    </p:bg>
+    <p:spTree>
+      <p:nvGrpSpPr>
+        <p:cNvPr id="1" name=""/>
+        <p:cNvGrpSpPr/>
+        <p:nvPr/>
+      </p:nvGrpSpPr>
+      <p:grpSpPr>
+        <a:xfrm>
+          <a:off x="0" y="0"/>
+          <a:ext cx="0" cy="0"/>
+          <a:chOff x="0" y="0"/>
+          <a:chExt cx="0" cy="0"/>
+        </a:xfrm>
+      </p:grpSpPr>
+      <p:sp>
+        <p:nvSpPr>
+          <p:cNvPr id="13" name="Rectangle 12">
+            <a:extLst>
+              <a:ext uri="{FF2B5EF4-FFF2-40B4-BE49-F238E27FC236}">
+                <a16:creationId xmlns:a16="http://schemas.microsoft.com/office/drawing/2014/main" id="{867D4867-5BA7-4462-B2F6-A23F4A622AA7}"/>
+              </a:ext>
+              <a:ext uri="{C183D7F6-B498-43B3-948B-1728B52AA6E4}">
+                <adec:decorative xmlns:adec="http://schemas.microsoft.com/office/drawing/2017/decorative" val="1"/>
+              </a:ext>
+            </a:extLst>
+          </p:cNvPr>
+          <p:cNvSpPr>
+            <a:spLocks noGrp="1" noRot="1" noChangeAspect="1" noMove="1" noResize="1" noEditPoints="1" noAdjustHandles="1" noChangeArrowheads="1" noChangeShapeType="1" noTextEdit="1"/>
+          </p:cNvSpPr>
+          <p:nvPr>
+            <p:extLst>
+              <p:ext uri="{386F3935-93C4-4BCD-93E2-E3B085C9AB24}">
+                <p16:designElem xmlns:p16="http://schemas.microsoft.com/office/powerpoint/2015/main" val="1"/>
+              </p:ext>
+            </p:extLst>
+          </p:nvPr>
+        </p:nvSpPr>
+        <p:spPr>
+          <a:xfrm>
+            <a:off x="0" y="0"/>
+            <a:ext cx="4654296" cy="6858000"/>
+          </a:xfrm>
+          <a:prstGeom prst="rect">
+            <a:avLst/>
+          </a:prstGeom>
+          <a:solidFill>
+            <a:srgbClr val="3F3F3F"/>
+          </a:solidFill>
+          <a:ln>
+            <a:noFill/>
+          </a:ln>
+        </p:spPr>
+        <p:style>
+          <a:lnRef idx="0">
+            <a:scrgbClr r="0" g="0" b="0"/>
+          </a:lnRef>
+          <a:fillRef idx="0">
+            <a:scrgbClr r="0" g="0" b="0"/>
+          </a:fillRef>
+          <a:effectRef idx="0">
+            <a:scrgbClr r="0" g="0" b="0"/>
+          </a:effectRef>
+          <a:fontRef idx="minor">
+            <a:schemeClr val="lt1"/>
+          </a:fontRef>
+        </p:style>
+        <p:txBody>
+          <a:bodyPr rtlCol="0" anchor="ctr"/>
+          <a:lstStyle/>
+          <a:p>
+            <a:pPr algn="ctr"/>
+            <a:endParaRPr lang="en-US" dirty="0"/>
+          </a:p>
+        </p:txBody>
+      </p:sp>
+      <p:sp>
+        <p:nvSpPr>
+          <p:cNvPr id="2" name="Title 1">
+            <a:extLst>
+              <a:ext uri="{FF2B5EF4-FFF2-40B4-BE49-F238E27FC236}">
+                <a16:creationId xmlns:a16="http://schemas.microsoft.com/office/drawing/2014/main" id="{38AC3C0E-E19C-4B33-8BA0-B218CBFEAB92}"/>
+              </a:ext>
+            </a:extLst>
+          </p:cNvPr>
+          <p:cNvSpPr>
+            <a:spLocks noGrp="1"/>
+          </p:cNvSpPr>
+          <p:nvPr>
+            <p:ph type="title"/>
+          </p:nvPr>
+        </p:nvSpPr>
+        <p:spPr>
+          <a:xfrm>
+            <a:off x="643468" y="623392"/>
+            <a:ext cx="3363974" cy="1607060"/>
+          </a:xfrm>
+          <a:noFill/>
+          <a:ln w="19050">
+            <a:solidFill>
+              <a:schemeClr val="tx1"/>
+            </a:solidFill>
+          </a:ln>
+        </p:spPr>
+        <p:txBody>
+          <a:bodyPr wrap="square" anchor="ctr">
+            <a:normAutofit/>
+          </a:bodyPr>
+          <a:lstStyle/>
+          <a:p>
+            <a:pPr algn="ctr"/>
+            <a:r>
+              <a:rPr lang="en-US" sz="2800" dirty="0"/>
+              <a:t>Visualization</a:t>
+            </a:r>
+            <a:endParaRPr lang="en-IN" sz="2800" dirty="0"/>
+          </a:p>
+        </p:txBody>
+      </p:sp>
+      <p:sp>
+        <p:nvSpPr>
+          <p:cNvPr id="29" name="TextBox 28">
+            <a:extLst>
+              <a:ext uri="{FF2B5EF4-FFF2-40B4-BE49-F238E27FC236}">
+                <a16:creationId xmlns:a16="http://schemas.microsoft.com/office/drawing/2014/main" id="{5F916358-E07A-4C5B-B924-DBAE905AB881}"/>
+              </a:ext>
+            </a:extLst>
+          </p:cNvPr>
+          <p:cNvSpPr txBox="1"/>
+          <p:nvPr/>
+        </p:nvSpPr>
+        <p:spPr>
+          <a:xfrm>
+            <a:off x="6272235" y="254060"/>
+            <a:ext cx="1435649" cy="369332"/>
+          </a:xfrm>
+          <a:prstGeom prst="rect">
+            <a:avLst/>
+          </a:prstGeom>
+          <a:noFill/>
+        </p:spPr>
+        <p:txBody>
+          <a:bodyPr wrap="none" rtlCol="0">
+            <a:spAutoFit/>
+          </a:bodyPr>
+          <a:lstStyle/>
+          <a:p>
+            <a:r>
+              <a:rPr lang="en-US" dirty="0">
+                <a:solidFill>
+                  <a:schemeClr val="bg1"/>
+                </a:solidFill>
+              </a:rPr>
+              <a:t>All Taxi Drops</a:t>
+            </a:r>
+            <a:endParaRPr lang="en-IN" dirty="0">
+              <a:solidFill>
+                <a:schemeClr val="bg1"/>
+              </a:solidFill>
+            </a:endParaRPr>
+          </a:p>
+        </p:txBody>
+      </p:sp>
+      <p:pic>
+        <p:nvPicPr>
+          <p:cNvPr id="9" name="Picture 8" descr="A close up of a logo&#10;&#10;Description automatically generated">
+            <a:extLst>
+              <a:ext uri="{FF2B5EF4-FFF2-40B4-BE49-F238E27FC236}">
+                <a16:creationId xmlns:a16="http://schemas.microsoft.com/office/drawing/2014/main" id="{0ECC5E49-CC45-4D4A-B526-E0808933829D}"/>
+              </a:ext>
+            </a:extLst>
+          </p:cNvPr>
+          <p:cNvPicPr>
+            <a:picLocks noChangeAspect="1"/>
+          </p:cNvPicPr>
+          <p:nvPr/>
+        </p:nvPicPr>
+        <p:blipFill>
+          <a:blip r:embed="rId2">
+            <a:extLst>
+              <a:ext uri="{28A0092B-C50C-407E-A947-70E740481C1C}">
+                <a14:useLocalDpi xmlns:a14="http://schemas.microsoft.com/office/drawing/2010/main" val="0"/>
+              </a:ext>
+            </a:extLst>
+          </a:blip>
+          <a:stretch>
+            <a:fillRect/>
+          </a:stretch>
+        </p:blipFill>
+        <p:spPr>
+          <a:xfrm>
+            <a:off x="4650910" y="0"/>
+            <a:ext cx="1445090" cy="879818"/>
+          </a:xfrm>
+          <a:prstGeom prst="rect">
+            <a:avLst/>
+          </a:prstGeom>
+        </p:spPr>
+      </p:pic>
+      <p:pic>
+        <p:nvPicPr>
+          <p:cNvPr id="8" name="Picture 7" descr="A sunset in the background&#10;&#10;Description automatically generated">
+            <a:extLst>
+              <a:ext uri="{FF2B5EF4-FFF2-40B4-BE49-F238E27FC236}">
+                <a16:creationId xmlns:a16="http://schemas.microsoft.com/office/drawing/2014/main" id="{24AFE185-211F-433E-9CBF-7395E938A69A}"/>
+              </a:ext>
+            </a:extLst>
+          </p:cNvPr>
+          <p:cNvPicPr/>
+          <p:nvPr/>
+        </p:nvPicPr>
+        <p:blipFill>
+          <a:blip r:embed="rId3">
+            <a:extLst>
+              <a:ext uri="{28A0092B-C50C-407E-A947-70E740481C1C}">
+                <a14:useLocalDpi xmlns:a14="http://schemas.microsoft.com/office/drawing/2010/main" val="0"/>
+              </a:ext>
+            </a:extLst>
+          </a:blip>
+          <a:stretch>
+            <a:fillRect/>
+          </a:stretch>
+        </p:blipFill>
+        <p:spPr>
+          <a:xfrm>
+            <a:off x="4650910" y="803910"/>
+            <a:ext cx="7541090" cy="6054090"/>
+          </a:xfrm>
+          <a:prstGeom prst="rect">
+            <a:avLst/>
+          </a:prstGeom>
+        </p:spPr>
+      </p:pic>
+    </p:spTree>
+    <p:extLst>
+      <p:ext uri="{BB962C8B-B14F-4D97-AF65-F5344CB8AC3E}">
+        <p14:creationId xmlns:p14="http://schemas.microsoft.com/office/powerpoint/2010/main" val="2270000440"/>
+      </p:ext>
+    </p:extLst>
+  </p:cSld>
+  <p:clrMapOvr>
+    <a:overrideClrMapping bg1="dk1" tx1="lt1" bg2="dk2" tx2="lt2" accent1="accent1" accent2="accent2" accent3="accent3" accent4="accent4" accent5="accent5" accent6="accent6" hlink="hlink" folHlink="folHlink"/>
+  </p:clrMapOvr>
+  <mc:AlternateContent xmlns:mc="http://schemas.openxmlformats.org/markup-compatibility/2006" xmlns:p159="http://schemas.microsoft.com/office/powerpoint/2015/09/main">
+    <mc:Choice Requires="p159">
+      <p:transition xmlns:p14="http://schemas.microsoft.com/office/powerpoint/2010/main" spd="slow" p14:dur="2000">
+        <p159:morph option="byObject"/>
+      </p:transition>
+    </mc:Choice>
+    <mc:Fallback xmlns="">
+      <p:transition spd="slow">
+        <p:fade/>
+      </p:transition>
+    </mc:Fallback>
+  </mc:AlternateContent>
+</p:sld>
+</file>
+
+<file path=ppt/slides/slide18.xml><?xml version="1.0" encoding="utf-8"?>
+<p:sld xmlns:a="http://schemas.openxmlformats.org/drawingml/2006/main" xmlns:r="http://schemas.openxmlformats.org/officeDocument/2006/relationships" xmlns:p="http://schemas.openxmlformats.org/presentationml/2006/main">
+  <p:cSld>
+    <p:spTree>
+      <p:nvGrpSpPr>
+        <p:cNvPr id="1" name=""/>
+        <p:cNvGrpSpPr/>
+        <p:nvPr/>
+      </p:nvGrpSpPr>
+      <p:grpSpPr>
+        <a:xfrm>
+          <a:off x="0" y="0"/>
+          <a:ext cx="0" cy="0"/>
+          <a:chOff x="0" y="0"/>
+          <a:chExt cx="0" cy="0"/>
+        </a:xfrm>
+      </p:grpSpPr>
+      <p:pic>
+        <p:nvPicPr>
+          <p:cNvPr id="1028" name="Picture 4">
+            <a:extLst>
+              <a:ext uri="{FF2B5EF4-FFF2-40B4-BE49-F238E27FC236}">
+                <a16:creationId xmlns:a16="http://schemas.microsoft.com/office/drawing/2014/main" id="{23ED6470-BA2A-46BA-A7B4-80AC826D5110}"/>
+              </a:ext>
+            </a:extLst>
+          </p:cNvPr>
+          <p:cNvPicPr>
+            <a:picLocks noChangeAspect="1" noChangeArrowheads="1"/>
+          </p:cNvPicPr>
+          <p:nvPr/>
+        </p:nvPicPr>
+        <p:blipFill>
+          <a:blip r:embed="rId3">
+            <a:extLst>
+              <a:ext uri="{28A0092B-C50C-407E-A947-70E740481C1C}">
+                <a14:useLocalDpi xmlns:a14="http://schemas.microsoft.com/office/drawing/2010/main" val="0"/>
+              </a:ext>
+            </a:extLst>
+          </a:blip>
+          <a:srcRect/>
+          <a:stretch>
+            <a:fillRect/>
+          </a:stretch>
+        </p:blipFill>
+        <p:spPr bwMode="auto">
+          <a:xfrm>
+            <a:off x="0" y="0"/>
+            <a:ext cx="12192000" cy="6858000"/>
+          </a:xfrm>
+          <a:prstGeom prst="rect">
+            <a:avLst/>
+          </a:prstGeom>
+          <a:noFill/>
+          <a:extLst>
+            <a:ext uri="{909E8E84-426E-40DD-AFC4-6F175D3DCCD1}">
+              <a14:hiddenFill xmlns:a14="http://schemas.microsoft.com/office/drawing/2010/main">
+                <a:solidFill>
+                  <a:srgbClr val="FFFFFF"/>
+                </a:solidFill>
+              </a14:hiddenFill>
+            </a:ext>
+          </a:extLst>
+        </p:spPr>
+      </p:pic>
+    </p:spTree>
+    <p:extLst>
+      <p:ext uri="{BB962C8B-B14F-4D97-AF65-F5344CB8AC3E}">
+        <p14:creationId xmlns:p14="http://schemas.microsoft.com/office/powerpoint/2010/main" val="3481704569"/>
+      </p:ext>
+    </p:extLst>
+  </p:cSld>
+  <p:clrMapOvr>
+    <a:masterClrMapping/>
+  </p:clrMapOvr>
 </p:sld>
 </file>
 
@@ -4677,6 +7355,290 @@
             <a:pPr algn="ctr"/>
             <a:r>
               <a:rPr lang="en-US" sz="2800" dirty="0"/>
+              <a:t>Business Questions</a:t>
+            </a:r>
+            <a:endParaRPr lang="en-IN" sz="2800" dirty="0"/>
+          </a:p>
+        </p:txBody>
+      </p:sp>
+      <p:sp>
+        <p:nvSpPr>
+          <p:cNvPr id="6" name="Rectangle 5">
+            <a:extLst>
+              <a:ext uri="{FF2B5EF4-FFF2-40B4-BE49-F238E27FC236}">
+                <a16:creationId xmlns:a16="http://schemas.microsoft.com/office/drawing/2014/main" id="{FDB0BA6F-F8A2-4E6A-9677-FD1D2467B166}"/>
+              </a:ext>
+            </a:extLst>
+          </p:cNvPr>
+          <p:cNvSpPr/>
+          <p:nvPr/>
+        </p:nvSpPr>
+        <p:spPr>
+          <a:xfrm>
+            <a:off x="4866640" y="623392"/>
+            <a:ext cx="7254240" cy="3139321"/>
+          </a:xfrm>
+          <a:prstGeom prst="rect">
+            <a:avLst/>
+          </a:prstGeom>
+        </p:spPr>
+        <p:txBody>
+          <a:bodyPr wrap="square">
+            <a:spAutoFit/>
+          </a:bodyPr>
+          <a:lstStyle/>
+          <a:p>
+            <a:pPr marL="285750" indent="-285750">
+              <a:buFont typeface="Arial" panose="020B0604020202020204" pitchFamily="34" charset="0"/>
+              <a:buChar char="•"/>
+            </a:pPr>
+            <a:r>
+              <a:rPr lang="en-US" dirty="0">
+                <a:solidFill>
+                  <a:schemeClr val="bg1"/>
+                </a:solidFill>
+              </a:rPr>
+              <a:t>Where is the highest pickup and drop and what could be the reasons?</a:t>
+            </a:r>
+          </a:p>
+          <a:p>
+            <a:pPr marL="285750" indent="-285750">
+              <a:buFont typeface="Arial" panose="020B0604020202020204" pitchFamily="34" charset="0"/>
+              <a:buChar char="•"/>
+            </a:pPr>
+            <a:endParaRPr lang="en-US" dirty="0">
+              <a:solidFill>
+                <a:schemeClr val="bg1"/>
+              </a:solidFill>
+            </a:endParaRPr>
+          </a:p>
+          <a:p>
+            <a:pPr marL="285750" indent="-285750">
+              <a:buFont typeface="Arial" panose="020B0604020202020204" pitchFamily="34" charset="0"/>
+              <a:buChar char="•"/>
+            </a:pPr>
+            <a:r>
+              <a:rPr lang="en-US" dirty="0">
+                <a:solidFill>
+                  <a:schemeClr val="bg1"/>
+                </a:solidFill>
+              </a:rPr>
+              <a:t>Which attributes have the highest or lowest dependency on other attributes?</a:t>
+            </a:r>
+          </a:p>
+          <a:p>
+            <a:pPr marL="285750" indent="-285750">
+              <a:buFont typeface="Arial" panose="020B0604020202020204" pitchFamily="34" charset="0"/>
+              <a:buChar char="•"/>
+            </a:pPr>
+            <a:endParaRPr lang="en-US" dirty="0">
+              <a:solidFill>
+                <a:schemeClr val="bg1"/>
+              </a:solidFill>
+            </a:endParaRPr>
+          </a:p>
+          <a:p>
+            <a:pPr marL="285750" indent="-285750">
+              <a:buFont typeface="Arial" panose="020B0604020202020204" pitchFamily="34" charset="0"/>
+              <a:buChar char="•"/>
+            </a:pPr>
+            <a:r>
+              <a:rPr lang="en-US" dirty="0">
+                <a:solidFill>
+                  <a:schemeClr val="bg1"/>
+                </a:solidFill>
+              </a:rPr>
+              <a:t>What days have highest tip amounts and is it depending on duration/distance?</a:t>
+            </a:r>
+          </a:p>
+          <a:p>
+            <a:pPr marL="285750" indent="-285750">
+              <a:buFont typeface="Arial" panose="020B0604020202020204" pitchFamily="34" charset="0"/>
+              <a:buChar char="•"/>
+            </a:pPr>
+            <a:endParaRPr lang="en-US" dirty="0">
+              <a:solidFill>
+                <a:schemeClr val="bg1"/>
+              </a:solidFill>
+            </a:endParaRPr>
+          </a:p>
+          <a:p>
+            <a:pPr marL="285750" indent="-285750">
+              <a:buFont typeface="Arial" panose="020B0604020202020204" pitchFamily="34" charset="0"/>
+              <a:buChar char="•"/>
+            </a:pPr>
+            <a:r>
+              <a:rPr lang="en-US" dirty="0">
+                <a:solidFill>
+                  <a:schemeClr val="bg1"/>
+                </a:solidFill>
+              </a:rPr>
+              <a:t>What could be the rush hours?</a:t>
+            </a:r>
+          </a:p>
+          <a:p>
+            <a:pPr marL="285750" indent="-285750">
+              <a:buFont typeface="Arial" panose="020B0604020202020204" pitchFamily="34" charset="0"/>
+              <a:buChar char="•"/>
+            </a:pPr>
+            <a:endParaRPr lang="en-US" dirty="0">
+              <a:solidFill>
+                <a:schemeClr val="bg1"/>
+              </a:solidFill>
+            </a:endParaRPr>
+          </a:p>
+          <a:p>
+            <a:pPr marL="285750" indent="-285750">
+              <a:buFont typeface="Arial" panose="020B0604020202020204" pitchFamily="34" charset="0"/>
+              <a:buChar char="•"/>
+            </a:pPr>
+            <a:r>
+              <a:rPr lang="en-US" dirty="0">
+                <a:solidFill>
+                  <a:schemeClr val="bg1"/>
+                </a:solidFill>
+              </a:rPr>
+              <a:t>Which day had the highest number of trips?</a:t>
+            </a:r>
+          </a:p>
+        </p:txBody>
+      </p:sp>
+    </p:spTree>
+    <p:extLst>
+      <p:ext uri="{BB962C8B-B14F-4D97-AF65-F5344CB8AC3E}">
+        <p14:creationId xmlns:p14="http://schemas.microsoft.com/office/powerpoint/2010/main" val="3694519993"/>
+      </p:ext>
+    </p:extLst>
+  </p:cSld>
+  <p:clrMapOvr>
+    <a:overrideClrMapping bg1="dk1" tx1="lt1" bg2="dk2" tx2="lt2" accent1="accent1" accent2="accent2" accent3="accent3" accent4="accent4" accent5="accent5" accent6="accent6" hlink="hlink" folHlink="folHlink"/>
+  </p:clrMapOvr>
+</p:sld>
+</file>
+
+<file path=ppt/slides/slide3.xml><?xml version="1.0" encoding="utf-8"?>
+<p:sld xmlns:a="http://schemas.openxmlformats.org/drawingml/2006/main" xmlns:r="http://schemas.openxmlformats.org/officeDocument/2006/relationships" xmlns:p="http://schemas.openxmlformats.org/presentationml/2006/main">
+  <p:cSld>
+    <p:bg>
+      <p:bgPr>
+        <a:solidFill>
+          <a:schemeClr val="tx1"/>
+        </a:solidFill>
+        <a:effectLst/>
+      </p:bgPr>
+    </p:bg>
+    <p:spTree>
+      <p:nvGrpSpPr>
+        <p:cNvPr id="1" name=""/>
+        <p:cNvGrpSpPr/>
+        <p:nvPr/>
+      </p:nvGrpSpPr>
+      <p:grpSpPr>
+        <a:xfrm>
+          <a:off x="0" y="0"/>
+          <a:ext cx="0" cy="0"/>
+          <a:chOff x="0" y="0"/>
+          <a:chExt cx="0" cy="0"/>
+        </a:xfrm>
+      </p:grpSpPr>
+      <p:sp>
+        <p:nvSpPr>
+          <p:cNvPr id="11" name="Rectangle 10">
+            <a:extLst>
+              <a:ext uri="{FF2B5EF4-FFF2-40B4-BE49-F238E27FC236}">
+                <a16:creationId xmlns:a16="http://schemas.microsoft.com/office/drawing/2014/main" id="{867D4867-5BA7-4462-B2F6-A23F4A622AA7}"/>
+              </a:ext>
+              <a:ext uri="{C183D7F6-B498-43B3-948B-1728B52AA6E4}">
+                <adec:decorative xmlns:adec="http://schemas.microsoft.com/office/drawing/2017/decorative" val="1"/>
+              </a:ext>
+            </a:extLst>
+          </p:cNvPr>
+          <p:cNvSpPr>
+            <a:spLocks noGrp="1" noRot="1" noChangeAspect="1" noMove="1" noResize="1" noEditPoints="1" noAdjustHandles="1" noChangeArrowheads="1" noChangeShapeType="1" noTextEdit="1"/>
+          </p:cNvSpPr>
+          <p:nvPr>
+            <p:extLst>
+              <p:ext uri="{386F3935-93C4-4BCD-93E2-E3B085C9AB24}">
+                <p16:designElem xmlns:p16="http://schemas.microsoft.com/office/powerpoint/2015/main" val="1"/>
+              </p:ext>
+            </p:extLst>
+          </p:nvPr>
+        </p:nvSpPr>
+        <p:spPr>
+          <a:xfrm>
+            <a:off x="0" y="0"/>
+            <a:ext cx="4654296" cy="6858000"/>
+          </a:xfrm>
+          <a:prstGeom prst="rect">
+            <a:avLst/>
+          </a:prstGeom>
+          <a:solidFill>
+            <a:srgbClr val="3F3F3F"/>
+          </a:solidFill>
+          <a:ln>
+            <a:noFill/>
+          </a:ln>
+        </p:spPr>
+        <p:style>
+          <a:lnRef idx="0">
+            <a:scrgbClr r="0" g="0" b="0"/>
+          </a:lnRef>
+          <a:fillRef idx="0">
+            <a:scrgbClr r="0" g="0" b="0"/>
+          </a:fillRef>
+          <a:effectRef idx="0">
+            <a:scrgbClr r="0" g="0" b="0"/>
+          </a:effectRef>
+          <a:fontRef idx="minor">
+            <a:schemeClr val="lt1"/>
+          </a:fontRef>
+        </p:style>
+        <p:txBody>
+          <a:bodyPr rtlCol="0" anchor="ctr"/>
+          <a:lstStyle/>
+          <a:p>
+            <a:pPr algn="ctr"/>
+            <a:endParaRPr lang="en-US" dirty="0"/>
+          </a:p>
+        </p:txBody>
+      </p:sp>
+      <p:sp>
+        <p:nvSpPr>
+          <p:cNvPr id="2" name="Title 1">
+            <a:extLst>
+              <a:ext uri="{FF2B5EF4-FFF2-40B4-BE49-F238E27FC236}">
+                <a16:creationId xmlns:a16="http://schemas.microsoft.com/office/drawing/2014/main" id="{38AC3C0E-E19C-4B33-8BA0-B218CBFEAB92}"/>
+              </a:ext>
+            </a:extLst>
+          </p:cNvPr>
+          <p:cNvSpPr>
+            <a:spLocks noGrp="1"/>
+          </p:cNvSpPr>
+          <p:nvPr>
+            <p:ph type="title"/>
+          </p:nvPr>
+        </p:nvSpPr>
+        <p:spPr>
+          <a:xfrm>
+            <a:off x="643468" y="623392"/>
+            <a:ext cx="3363974" cy="1607060"/>
+          </a:xfrm>
+          <a:noFill/>
+          <a:ln w="19050">
+            <a:solidFill>
+              <a:schemeClr val="tx1"/>
+            </a:solidFill>
+          </a:ln>
+        </p:spPr>
+        <p:txBody>
+          <a:bodyPr wrap="square" anchor="ctr">
+            <a:normAutofit/>
+          </a:bodyPr>
+          <a:lstStyle/>
+          <a:p>
+            <a:pPr algn="ctr"/>
+            <a:r>
+              <a:rPr lang="en-US" sz="2800" dirty="0"/>
               <a:t>Basic Architecture</a:t>
             </a:r>
             <a:endParaRPr lang="en-IN" sz="2800" dirty="0"/>
@@ -4788,7 +7750,7 @@
 </p:sld>
 </file>
 
-<file path=ppt/slides/slide3.xml><?xml version="1.0" encoding="utf-8"?>
+<file path=ppt/slides/slide4.xml><?xml version="1.0" encoding="utf-8"?>
 <p:sld xmlns:a="http://schemas.openxmlformats.org/drawingml/2006/main" xmlns:r="http://schemas.openxmlformats.org/officeDocument/2006/relationships" xmlns:p="http://schemas.openxmlformats.org/presentationml/2006/main">
   <p:cSld>
     <p:bg>
@@ -6009,675 +8971,6 @@
 </p:sld>
 </file>
 
-<file path=ppt/slides/slide4.xml><?xml version="1.0" encoding="utf-8"?>
-<p:sld xmlns:a="http://schemas.openxmlformats.org/drawingml/2006/main" xmlns:r="http://schemas.openxmlformats.org/officeDocument/2006/relationships" xmlns:p="http://schemas.openxmlformats.org/presentationml/2006/main">
-  <p:cSld>
-    <p:bg>
-      <p:bgPr>
-        <a:solidFill>
-          <a:schemeClr val="tx1"/>
-        </a:solidFill>
-        <a:effectLst/>
-      </p:bgPr>
-    </p:bg>
-    <p:spTree>
-      <p:nvGrpSpPr>
-        <p:cNvPr id="1" name=""/>
-        <p:cNvGrpSpPr/>
-        <p:nvPr/>
-      </p:nvGrpSpPr>
-      <p:grpSpPr>
-        <a:xfrm>
-          <a:off x="0" y="0"/>
-          <a:ext cx="0" cy="0"/>
-          <a:chOff x="0" y="0"/>
-          <a:chExt cx="0" cy="0"/>
-        </a:xfrm>
-      </p:grpSpPr>
-      <p:sp>
-        <p:nvSpPr>
-          <p:cNvPr id="13" name="Rectangle 12">
-            <a:extLst>
-              <a:ext uri="{FF2B5EF4-FFF2-40B4-BE49-F238E27FC236}">
-                <a16:creationId xmlns:a16="http://schemas.microsoft.com/office/drawing/2014/main" id="{867D4867-5BA7-4462-B2F6-A23F4A622AA7}"/>
-              </a:ext>
-              <a:ext uri="{C183D7F6-B498-43B3-948B-1728B52AA6E4}">
-                <adec:decorative xmlns:adec="http://schemas.microsoft.com/office/drawing/2017/decorative" val="1"/>
-              </a:ext>
-            </a:extLst>
-          </p:cNvPr>
-          <p:cNvSpPr>
-            <a:spLocks noGrp="1" noRot="1" noChangeAspect="1" noMove="1" noResize="1" noEditPoints="1" noAdjustHandles="1" noChangeArrowheads="1" noChangeShapeType="1" noTextEdit="1"/>
-          </p:cNvSpPr>
-          <p:nvPr>
-            <p:extLst>
-              <p:ext uri="{386F3935-93C4-4BCD-93E2-E3B085C9AB24}">
-                <p16:designElem xmlns:p16="http://schemas.microsoft.com/office/powerpoint/2015/main" val="1"/>
-              </p:ext>
-            </p:extLst>
-          </p:nvPr>
-        </p:nvSpPr>
-        <p:spPr>
-          <a:xfrm>
-            <a:off x="0" y="0"/>
-            <a:ext cx="4654296" cy="6858000"/>
-          </a:xfrm>
-          <a:prstGeom prst="rect">
-            <a:avLst/>
-          </a:prstGeom>
-          <a:solidFill>
-            <a:srgbClr val="3F3F3F"/>
-          </a:solidFill>
-          <a:ln>
-            <a:noFill/>
-          </a:ln>
-        </p:spPr>
-        <p:style>
-          <a:lnRef idx="0">
-            <a:scrgbClr r="0" g="0" b="0"/>
-          </a:lnRef>
-          <a:fillRef idx="0">
-            <a:scrgbClr r="0" g="0" b="0"/>
-          </a:fillRef>
-          <a:effectRef idx="0">
-            <a:scrgbClr r="0" g="0" b="0"/>
-          </a:effectRef>
-          <a:fontRef idx="minor">
-            <a:schemeClr val="lt1"/>
-          </a:fontRef>
-        </p:style>
-        <p:txBody>
-          <a:bodyPr rtlCol="0" anchor="ctr"/>
-          <a:lstStyle/>
-          <a:p>
-            <a:pPr algn="ctr"/>
-            <a:endParaRPr lang="en-US" dirty="0"/>
-          </a:p>
-        </p:txBody>
-      </p:sp>
-      <p:sp>
-        <p:nvSpPr>
-          <p:cNvPr id="2" name="Title 1">
-            <a:extLst>
-              <a:ext uri="{FF2B5EF4-FFF2-40B4-BE49-F238E27FC236}">
-                <a16:creationId xmlns:a16="http://schemas.microsoft.com/office/drawing/2014/main" id="{38AC3C0E-E19C-4B33-8BA0-B218CBFEAB92}"/>
-              </a:ext>
-            </a:extLst>
-          </p:cNvPr>
-          <p:cNvSpPr>
-            <a:spLocks noGrp="1"/>
-          </p:cNvSpPr>
-          <p:nvPr>
-            <p:ph type="title"/>
-          </p:nvPr>
-        </p:nvSpPr>
-        <p:spPr>
-          <a:xfrm>
-            <a:off x="643468" y="623392"/>
-            <a:ext cx="3363974" cy="1607060"/>
-          </a:xfrm>
-          <a:noFill/>
-          <a:ln w="19050">
-            <a:solidFill>
-              <a:schemeClr val="tx1"/>
-            </a:solidFill>
-          </a:ln>
-        </p:spPr>
-        <p:txBody>
-          <a:bodyPr wrap="square" anchor="ctr">
-            <a:normAutofit/>
-          </a:bodyPr>
-          <a:lstStyle/>
-          <a:p>
-            <a:pPr algn="ctr"/>
-            <a:r>
-              <a:rPr lang="en-US" sz="2800" dirty="0"/>
-              <a:t>Ingestion</a:t>
-            </a:r>
-            <a:endParaRPr lang="en-IN" sz="2800" dirty="0"/>
-          </a:p>
-        </p:txBody>
-      </p:sp>
-      <p:pic>
-        <p:nvPicPr>
-          <p:cNvPr id="7" name="Graphic 6" descr="Open folder">
-            <a:extLst>
-              <a:ext uri="{FF2B5EF4-FFF2-40B4-BE49-F238E27FC236}">
-                <a16:creationId xmlns:a16="http://schemas.microsoft.com/office/drawing/2014/main" id="{D483776A-3BD7-4F98-801B-6294DB689D89}"/>
-              </a:ext>
-            </a:extLst>
-          </p:cNvPr>
-          <p:cNvPicPr>
-            <a:picLocks noChangeAspect="1"/>
-          </p:cNvPicPr>
-          <p:nvPr/>
-        </p:nvPicPr>
-        <p:blipFill>
-          <a:blip r:embed="rId2">
-            <a:extLst>
-              <a:ext uri="{28A0092B-C50C-407E-A947-70E740481C1C}">
-                <a14:useLocalDpi xmlns:a14="http://schemas.microsoft.com/office/drawing/2010/main" val="0"/>
-              </a:ext>
-              <a:ext uri="{96DAC541-7B7A-43D3-8B79-37D633B846F1}">
-                <asvg:svgBlip xmlns:asvg="http://schemas.microsoft.com/office/drawing/2016/SVG/main" r:embed="rId3"/>
-              </a:ext>
-            </a:extLst>
-          </a:blip>
-          <a:stretch>
-            <a:fillRect/>
-          </a:stretch>
-        </p:blipFill>
-        <p:spPr>
-          <a:xfrm>
-            <a:off x="5638800" y="1926236"/>
-            <a:ext cx="914400" cy="914400"/>
-          </a:xfrm>
-          <a:prstGeom prst="rect">
-            <a:avLst/>
-          </a:prstGeom>
-        </p:spPr>
-      </p:pic>
-      <p:pic>
-        <p:nvPicPr>
-          <p:cNvPr id="25" name="Graphic 24" descr="Arrow Counterclockwise curve">
-            <a:extLst>
-              <a:ext uri="{FF2B5EF4-FFF2-40B4-BE49-F238E27FC236}">
-                <a16:creationId xmlns:a16="http://schemas.microsoft.com/office/drawing/2014/main" id="{9BE56702-D198-4718-8081-D238E442AD72}"/>
-              </a:ext>
-            </a:extLst>
-          </p:cNvPr>
-          <p:cNvPicPr>
-            <a:picLocks noChangeAspect="1"/>
-          </p:cNvPicPr>
-          <p:nvPr/>
-        </p:nvPicPr>
-        <p:blipFill>
-          <a:blip r:embed="rId4">
-            <a:extLst>
-              <a:ext uri="{28A0092B-C50C-407E-A947-70E740481C1C}">
-                <a14:useLocalDpi xmlns:a14="http://schemas.microsoft.com/office/drawing/2010/main" val="0"/>
-              </a:ext>
-              <a:ext uri="{96DAC541-7B7A-43D3-8B79-37D633B846F1}">
-                <asvg:svgBlip xmlns:asvg="http://schemas.microsoft.com/office/drawing/2016/SVG/main" r:embed="rId5"/>
-              </a:ext>
-            </a:extLst>
-          </a:blip>
-          <a:stretch>
-            <a:fillRect/>
-          </a:stretch>
-        </p:blipFill>
-        <p:spPr>
-          <a:xfrm rot="11834986">
-            <a:off x="5048304" y="2807503"/>
-            <a:ext cx="574598" cy="574598"/>
-          </a:xfrm>
-          <a:prstGeom prst="rect">
-            <a:avLst/>
-          </a:prstGeom>
-        </p:spPr>
-      </p:pic>
-      <p:pic>
-        <p:nvPicPr>
-          <p:cNvPr id="26" name="Graphic 25" descr="Arrow Counterclockwise curve">
-            <a:extLst>
-              <a:ext uri="{FF2B5EF4-FFF2-40B4-BE49-F238E27FC236}">
-                <a16:creationId xmlns:a16="http://schemas.microsoft.com/office/drawing/2014/main" id="{4D6A06B3-431E-448A-9AC4-C01165EE3C87}"/>
-              </a:ext>
-            </a:extLst>
-          </p:cNvPr>
-          <p:cNvPicPr>
-            <a:picLocks noChangeAspect="1"/>
-          </p:cNvPicPr>
-          <p:nvPr/>
-        </p:nvPicPr>
-        <p:blipFill>
-          <a:blip r:embed="rId4">
-            <a:extLst>
-              <a:ext uri="{28A0092B-C50C-407E-A947-70E740481C1C}">
-                <a14:useLocalDpi xmlns:a14="http://schemas.microsoft.com/office/drawing/2010/main" val="0"/>
-              </a:ext>
-              <a:ext uri="{96DAC541-7B7A-43D3-8B79-37D633B846F1}">
-                <asvg:svgBlip xmlns:asvg="http://schemas.microsoft.com/office/drawing/2016/SVG/main" r:embed="rId5"/>
-              </a:ext>
-            </a:extLst>
-          </a:blip>
-          <a:stretch>
-            <a:fillRect/>
-          </a:stretch>
-        </p:blipFill>
-        <p:spPr>
-          <a:xfrm rot="11834986">
-            <a:off x="4987344" y="4739624"/>
-            <a:ext cx="574598" cy="574598"/>
-          </a:xfrm>
-          <a:prstGeom prst="rect">
-            <a:avLst/>
-          </a:prstGeom>
-        </p:spPr>
-      </p:pic>
-      <p:pic>
-        <p:nvPicPr>
-          <p:cNvPr id="28" name="Graphic 27" descr="Cloud Computing">
-            <a:extLst>
-              <a:ext uri="{FF2B5EF4-FFF2-40B4-BE49-F238E27FC236}">
-                <a16:creationId xmlns:a16="http://schemas.microsoft.com/office/drawing/2014/main" id="{EEEFB511-9F4A-4BFE-B8D6-F504C6B6159B}"/>
-              </a:ext>
-            </a:extLst>
-          </p:cNvPr>
-          <p:cNvPicPr>
-            <a:picLocks noChangeAspect="1"/>
-          </p:cNvPicPr>
-          <p:nvPr/>
-        </p:nvPicPr>
-        <p:blipFill>
-          <a:blip r:embed="rId6">
-            <a:extLst>
-              <a:ext uri="{28A0092B-C50C-407E-A947-70E740481C1C}">
-                <a14:useLocalDpi xmlns:a14="http://schemas.microsoft.com/office/drawing/2010/main" val="0"/>
-              </a:ext>
-              <a:ext uri="{96DAC541-7B7A-43D3-8B79-37D633B846F1}">
-                <asvg:svgBlip xmlns:asvg="http://schemas.microsoft.com/office/drawing/2016/SVG/main" r:embed="rId7"/>
-              </a:ext>
-            </a:extLst>
-          </a:blip>
-          <a:stretch>
-            <a:fillRect/>
-          </a:stretch>
-        </p:blipFill>
-        <p:spPr>
-          <a:xfrm>
-            <a:off x="5659120" y="393017"/>
-            <a:ext cx="914400" cy="914400"/>
-          </a:xfrm>
-          <a:prstGeom prst="rect">
-            <a:avLst/>
-          </a:prstGeom>
-        </p:spPr>
-      </p:pic>
-      <p:sp>
-        <p:nvSpPr>
-          <p:cNvPr id="29" name="TextBox 28">
-            <a:extLst>
-              <a:ext uri="{FF2B5EF4-FFF2-40B4-BE49-F238E27FC236}">
-                <a16:creationId xmlns:a16="http://schemas.microsoft.com/office/drawing/2014/main" id="{5F916358-E07A-4C5B-B924-DBAE905AB881}"/>
-              </a:ext>
-            </a:extLst>
-          </p:cNvPr>
-          <p:cNvSpPr txBox="1"/>
-          <p:nvPr/>
-        </p:nvSpPr>
-        <p:spPr>
-          <a:xfrm>
-            <a:off x="8111195" y="527051"/>
-            <a:ext cx="2713435" cy="646331"/>
-          </a:xfrm>
-          <a:prstGeom prst="rect">
-            <a:avLst/>
-          </a:prstGeom>
-          <a:noFill/>
-        </p:spPr>
-        <p:txBody>
-          <a:bodyPr wrap="none" rtlCol="0">
-            <a:spAutoFit/>
-          </a:bodyPr>
-          <a:lstStyle/>
-          <a:p>
-            <a:r>
-              <a:rPr lang="en-US" dirty="0">
-                <a:solidFill>
-                  <a:schemeClr val="bg1"/>
-                </a:solidFill>
-              </a:rPr>
-              <a:t>File was downloaded from </a:t>
-            </a:r>
-          </a:p>
-          <a:p>
-            <a:r>
-              <a:rPr lang="en-US" dirty="0">
-                <a:solidFill>
-                  <a:schemeClr val="bg1"/>
-                </a:solidFill>
-              </a:rPr>
-              <a:t>the NYC Taxi Trips Website</a:t>
-            </a:r>
-            <a:endParaRPr lang="en-IN" dirty="0">
-              <a:solidFill>
-                <a:schemeClr val="bg1"/>
-              </a:solidFill>
-            </a:endParaRPr>
-          </a:p>
-        </p:txBody>
-      </p:sp>
-      <p:sp>
-        <p:nvSpPr>
-          <p:cNvPr id="30" name="TextBox 29">
-            <a:extLst>
-              <a:ext uri="{FF2B5EF4-FFF2-40B4-BE49-F238E27FC236}">
-                <a16:creationId xmlns:a16="http://schemas.microsoft.com/office/drawing/2014/main" id="{6F821BFA-AD0E-436F-A13D-E85AECE3AC12}"/>
-              </a:ext>
-            </a:extLst>
-          </p:cNvPr>
-          <p:cNvSpPr txBox="1"/>
-          <p:nvPr/>
-        </p:nvSpPr>
-        <p:spPr>
-          <a:xfrm>
-            <a:off x="8111196" y="2060270"/>
-            <a:ext cx="3051669" cy="369332"/>
-          </a:xfrm>
-          <a:prstGeom prst="rect">
-            <a:avLst/>
-          </a:prstGeom>
-          <a:noFill/>
-        </p:spPr>
-        <p:txBody>
-          <a:bodyPr wrap="none" rtlCol="0">
-            <a:spAutoFit/>
-          </a:bodyPr>
-          <a:lstStyle/>
-          <a:p>
-            <a:r>
-              <a:rPr lang="en-US" dirty="0">
-                <a:solidFill>
-                  <a:schemeClr val="bg1"/>
-                </a:solidFill>
-              </a:rPr>
-              <a:t>Stored Locally for faster access</a:t>
-            </a:r>
-            <a:endParaRPr lang="en-IN" dirty="0">
-              <a:solidFill>
-                <a:schemeClr val="bg1"/>
-              </a:solidFill>
-            </a:endParaRPr>
-          </a:p>
-        </p:txBody>
-      </p:sp>
-      <p:sp>
-        <p:nvSpPr>
-          <p:cNvPr id="31" name="TextBox 30">
-            <a:extLst>
-              <a:ext uri="{FF2B5EF4-FFF2-40B4-BE49-F238E27FC236}">
-                <a16:creationId xmlns:a16="http://schemas.microsoft.com/office/drawing/2014/main" id="{70C33C69-7788-4D7B-9BA9-9FD81EEE8C0A}"/>
-              </a:ext>
-            </a:extLst>
-          </p:cNvPr>
-          <p:cNvSpPr txBox="1"/>
-          <p:nvPr/>
-        </p:nvSpPr>
-        <p:spPr>
-          <a:xfrm>
-            <a:off x="8111196" y="3825313"/>
-            <a:ext cx="3703899" cy="646331"/>
-          </a:xfrm>
-          <a:prstGeom prst="rect">
-            <a:avLst/>
-          </a:prstGeom>
-          <a:noFill/>
-        </p:spPr>
-        <p:txBody>
-          <a:bodyPr wrap="none" rtlCol="0">
-            <a:spAutoFit/>
-          </a:bodyPr>
-          <a:lstStyle/>
-          <a:p>
-            <a:r>
-              <a:rPr lang="en-US" dirty="0">
-                <a:solidFill>
-                  <a:schemeClr val="bg1"/>
-                </a:solidFill>
-              </a:rPr>
-              <a:t>Accessed and Read using Pandas and </a:t>
-            </a:r>
-          </a:p>
-          <a:p>
-            <a:r>
-              <a:rPr lang="en-US" dirty="0">
-                <a:solidFill>
-                  <a:schemeClr val="bg1"/>
-                </a:solidFill>
-              </a:rPr>
-              <a:t>Extracted into a </a:t>
-            </a:r>
-            <a:r>
-              <a:rPr lang="en-US" dirty="0" err="1">
-                <a:solidFill>
-                  <a:schemeClr val="bg1"/>
-                </a:solidFill>
-              </a:rPr>
-              <a:t>DataFrame</a:t>
-            </a:r>
-            <a:endParaRPr lang="en-IN" dirty="0">
-              <a:solidFill>
-                <a:schemeClr val="bg1"/>
-              </a:solidFill>
-            </a:endParaRPr>
-          </a:p>
-        </p:txBody>
-      </p:sp>
-      <p:sp>
-        <p:nvSpPr>
-          <p:cNvPr id="32" name="TextBox 31">
-            <a:extLst>
-              <a:ext uri="{FF2B5EF4-FFF2-40B4-BE49-F238E27FC236}">
-                <a16:creationId xmlns:a16="http://schemas.microsoft.com/office/drawing/2014/main" id="{329AABD5-9479-43D1-B5BF-D6BC6B35BC9D}"/>
-              </a:ext>
-            </a:extLst>
-          </p:cNvPr>
-          <p:cNvSpPr txBox="1"/>
-          <p:nvPr/>
-        </p:nvSpPr>
-        <p:spPr>
-          <a:xfrm>
-            <a:off x="8111195" y="5604840"/>
-            <a:ext cx="3777637" cy="646331"/>
-          </a:xfrm>
-          <a:prstGeom prst="rect">
-            <a:avLst/>
-          </a:prstGeom>
-          <a:noFill/>
-        </p:spPr>
-        <p:txBody>
-          <a:bodyPr wrap="none" rtlCol="0">
-            <a:spAutoFit/>
-          </a:bodyPr>
-          <a:lstStyle/>
-          <a:p>
-            <a:r>
-              <a:rPr lang="en-US" dirty="0">
-                <a:solidFill>
-                  <a:schemeClr val="bg1"/>
-                </a:solidFill>
-              </a:rPr>
-              <a:t>Extracted data is exported into Mongo</a:t>
-            </a:r>
-          </a:p>
-          <a:p>
-            <a:r>
-              <a:rPr lang="en-US" dirty="0">
-                <a:solidFill>
-                  <a:schemeClr val="bg1"/>
-                </a:solidFill>
-              </a:rPr>
-              <a:t>Using </a:t>
-            </a:r>
-            <a:r>
-              <a:rPr lang="en-US" dirty="0" err="1">
-                <a:solidFill>
-                  <a:schemeClr val="bg1"/>
-                </a:solidFill>
-              </a:rPr>
-              <a:t>Pymongo</a:t>
-            </a:r>
-            <a:r>
-              <a:rPr lang="en-US" dirty="0">
-                <a:solidFill>
-                  <a:schemeClr val="bg1"/>
-                </a:solidFill>
-              </a:rPr>
-              <a:t> module</a:t>
-            </a:r>
-            <a:endParaRPr lang="en-IN" dirty="0">
-              <a:solidFill>
-                <a:schemeClr val="bg1"/>
-              </a:solidFill>
-            </a:endParaRPr>
-          </a:p>
-        </p:txBody>
-      </p:sp>
-      <p:pic>
-        <p:nvPicPr>
-          <p:cNvPr id="35" name="Picture 34">
-            <a:extLst>
-              <a:ext uri="{FF2B5EF4-FFF2-40B4-BE49-F238E27FC236}">
-                <a16:creationId xmlns:a16="http://schemas.microsoft.com/office/drawing/2014/main" id="{19B7E646-2321-4A77-B5F7-2C0BCB2F08E4}"/>
-              </a:ext>
-            </a:extLst>
-          </p:cNvPr>
-          <p:cNvPicPr>
-            <a:picLocks noChangeAspect="1"/>
-          </p:cNvPicPr>
-          <p:nvPr/>
-        </p:nvPicPr>
-        <p:blipFill>
-          <a:blip r:embed="rId8"/>
-          <a:stretch>
-            <a:fillRect/>
-          </a:stretch>
-        </p:blipFill>
-        <p:spPr>
-          <a:xfrm>
-            <a:off x="5183796" y="4037934"/>
-            <a:ext cx="1824408" cy="369333"/>
-          </a:xfrm>
-          <a:prstGeom prst="rect">
-            <a:avLst/>
-          </a:prstGeom>
-        </p:spPr>
-      </p:pic>
-      <p:pic>
-        <p:nvPicPr>
-          <p:cNvPr id="38" name="Picture 37">
-            <a:extLst>
-              <a:ext uri="{FF2B5EF4-FFF2-40B4-BE49-F238E27FC236}">
-                <a16:creationId xmlns:a16="http://schemas.microsoft.com/office/drawing/2014/main" id="{9090CAE2-0706-4EB2-84C7-939533A81266}"/>
-              </a:ext>
-            </a:extLst>
-          </p:cNvPr>
-          <p:cNvPicPr>
-            <a:picLocks noChangeAspect="1"/>
-          </p:cNvPicPr>
-          <p:nvPr/>
-        </p:nvPicPr>
-        <p:blipFill>
-          <a:blip r:embed="rId9"/>
-          <a:stretch>
-            <a:fillRect/>
-          </a:stretch>
-        </p:blipFill>
-        <p:spPr>
-          <a:xfrm>
-            <a:off x="5274643" y="5728055"/>
-            <a:ext cx="1791217" cy="399899"/>
-          </a:xfrm>
-          <a:prstGeom prst="rect">
-            <a:avLst/>
-          </a:prstGeom>
-        </p:spPr>
-      </p:pic>
-      <p:pic>
-        <p:nvPicPr>
-          <p:cNvPr id="41" name="Graphic 40" descr="Arrow Counterclockwise curve">
-            <a:extLst>
-              <a:ext uri="{FF2B5EF4-FFF2-40B4-BE49-F238E27FC236}">
-                <a16:creationId xmlns:a16="http://schemas.microsoft.com/office/drawing/2014/main" id="{27C390C3-48B8-4744-AB44-3D570DEC2EEF}"/>
-              </a:ext>
-            </a:extLst>
-          </p:cNvPr>
-          <p:cNvPicPr>
-            <a:picLocks noChangeAspect="1"/>
-          </p:cNvPicPr>
-          <p:nvPr/>
-        </p:nvPicPr>
-        <p:blipFill>
-          <a:blip r:embed="rId4">
-            <a:extLst>
-              <a:ext uri="{28A0092B-C50C-407E-A947-70E740481C1C}">
-                <a14:useLocalDpi xmlns:a14="http://schemas.microsoft.com/office/drawing/2010/main" val="0"/>
-              </a:ext>
-              <a:ext uri="{96DAC541-7B7A-43D3-8B79-37D633B846F1}">
-                <asvg:svgBlip xmlns:asvg="http://schemas.microsoft.com/office/drawing/2016/SVG/main" r:embed="rId5"/>
-              </a:ext>
-            </a:extLst>
-          </a:blip>
-          <a:stretch>
-            <a:fillRect/>
-          </a:stretch>
-        </p:blipFill>
-        <p:spPr>
-          <a:xfrm rot="11834986">
-            <a:off x="4987344" y="1234440"/>
-            <a:ext cx="574598" cy="574598"/>
-          </a:xfrm>
-          <a:prstGeom prst="rect">
-            <a:avLst/>
-          </a:prstGeom>
-        </p:spPr>
-      </p:pic>
-      <p:pic>
-        <p:nvPicPr>
-          <p:cNvPr id="42" name="Picture 41">
-            <a:extLst>
-              <a:ext uri="{FF2B5EF4-FFF2-40B4-BE49-F238E27FC236}">
-                <a16:creationId xmlns:a16="http://schemas.microsoft.com/office/drawing/2014/main" id="{F879B092-0E0D-4D5B-8B61-0F057B06DCB5}"/>
-              </a:ext>
-            </a:extLst>
-          </p:cNvPr>
-          <p:cNvPicPr>
-            <a:picLocks noChangeAspect="1"/>
-          </p:cNvPicPr>
-          <p:nvPr/>
-        </p:nvPicPr>
-        <p:blipFill>
-          <a:blip r:embed="rId10"/>
-          <a:stretch>
-            <a:fillRect/>
-          </a:stretch>
-        </p:blipFill>
-        <p:spPr>
-          <a:xfrm>
-            <a:off x="5183796" y="3640330"/>
-            <a:ext cx="1824408" cy="444936"/>
-          </a:xfrm>
-          <a:prstGeom prst="rect">
-            <a:avLst/>
-          </a:prstGeom>
-        </p:spPr>
-      </p:pic>
-    </p:spTree>
-    <p:extLst>
-      <p:ext uri="{BB962C8B-B14F-4D97-AF65-F5344CB8AC3E}">
-        <p14:creationId xmlns:p14="http://schemas.microsoft.com/office/powerpoint/2010/main" val="2992344421"/>
-      </p:ext>
-    </p:extLst>
-  </p:cSld>
-  <p:clrMapOvr>
-    <a:overrideClrMapping bg1="dk1" tx1="lt1" bg2="dk2" tx2="lt2" accent1="accent1" accent2="accent2" accent3="accent3" accent4="accent4" accent5="accent5" accent6="accent6" hlink="hlink" folHlink="folHlink"/>
-  </p:clrMapOvr>
-  <mc:AlternateContent xmlns:mc="http://schemas.openxmlformats.org/markup-compatibility/2006">
-    <mc:Choice xmlns:p159="http://schemas.microsoft.com/office/powerpoint/2015/09/main" Requires="p159">
-      <p:transition xmlns:p14="http://schemas.microsoft.com/office/powerpoint/2010/main" spd="slow" p14:dur="2000">
-        <p159:morph option="byObject"/>
-      </p:transition>
-    </mc:Choice>
-    <mc:Fallback>
-      <p:transition spd="slow">
-        <p:fade/>
-      </p:transition>
-    </mc:Fallback>
-  </mc:AlternateContent>
-</p:sld>
-</file>
-
 <file path=ppt/slides/slide5.xml><?xml version="1.0" encoding="utf-8"?>
 <p:sld xmlns:a="http://schemas.openxmlformats.org/drawingml/2006/main" xmlns:r="http://schemas.openxmlformats.org/officeDocument/2006/relationships" xmlns:p="http://schemas.openxmlformats.org/presentationml/2006/main">
   <p:cSld>
@@ -6809,10 +9102,10 @@
       </p:sp>
       <p:pic>
         <p:nvPicPr>
-          <p:cNvPr id="3" name="Picture 2">
-            <a:extLst>
-              <a:ext uri="{FF2B5EF4-FFF2-40B4-BE49-F238E27FC236}">
-                <a16:creationId xmlns:a16="http://schemas.microsoft.com/office/drawing/2014/main" id="{07528C08-A388-4CC9-BBCE-523655C3F5D9}"/>
+          <p:cNvPr id="7" name="Graphic 6" descr="Open folder">
+            <a:extLst>
+              <a:ext uri="{FF2B5EF4-FFF2-40B4-BE49-F238E27FC236}">
+                <a16:creationId xmlns:a16="http://schemas.microsoft.com/office/drawing/2014/main" id="{D483776A-3BD7-4F98-801B-6294DB689D89}"/>
               </a:ext>
             </a:extLst>
           </p:cNvPr>
@@ -6822,68 +9115,36 @@
           <p:nvPr/>
         </p:nvPicPr>
         <p:blipFill>
-          <a:blip r:embed="rId2"/>
+          <a:blip r:embed="rId2">
+            <a:extLst>
+              <a:ext uri="{28A0092B-C50C-407E-A947-70E740481C1C}">
+                <a14:useLocalDpi xmlns:a14="http://schemas.microsoft.com/office/drawing/2010/main" val="0"/>
+              </a:ext>
+              <a:ext uri="{96DAC541-7B7A-43D3-8B79-37D633B846F1}">
+                <asvg:svgBlip xmlns:asvg="http://schemas.microsoft.com/office/drawing/2016/SVG/main" r:embed="rId3"/>
+              </a:ext>
+            </a:extLst>
+          </a:blip>
           <a:stretch>
             <a:fillRect/>
           </a:stretch>
         </p:blipFill>
         <p:spPr>
           <a:xfrm>
-            <a:off x="4718643" y="825040"/>
-            <a:ext cx="7409010" cy="1526080"/>
-          </a:xfrm>
-          <a:prstGeom prst="rect">
-            <a:avLst/>
-          </a:prstGeom>
-          <a:noFill/>
-          <a:ln w="3175">
-            <a:solidFill>
-              <a:schemeClr val="bg1"/>
-            </a:solidFill>
-          </a:ln>
+            <a:off x="5638800" y="1926236"/>
+            <a:ext cx="914400" cy="914400"/>
+          </a:xfrm>
+          <a:prstGeom prst="rect">
+            <a:avLst/>
+          </a:prstGeom>
         </p:spPr>
       </p:pic>
       <p:pic>
         <p:nvPicPr>
-          <p:cNvPr id="4" name="Picture 3">
-            <a:extLst>
-              <a:ext uri="{FF2B5EF4-FFF2-40B4-BE49-F238E27FC236}">
-                <a16:creationId xmlns:a16="http://schemas.microsoft.com/office/drawing/2014/main" id="{79CE2A01-3D91-456C-9D2E-E86917DDF263}"/>
-              </a:ext>
-            </a:extLst>
-          </p:cNvPr>
-          <p:cNvPicPr>
-            <a:picLocks noChangeAspect="1"/>
-          </p:cNvPicPr>
-          <p:nvPr/>
-        </p:nvPicPr>
-        <p:blipFill>
-          <a:blip r:embed="rId3"/>
-          <a:stretch>
-            <a:fillRect/>
-          </a:stretch>
-        </p:blipFill>
-        <p:spPr>
-          <a:xfrm>
-            <a:off x="4650910" y="3083560"/>
-            <a:ext cx="7541090" cy="1333040"/>
-          </a:xfrm>
-          <a:prstGeom prst="rect">
-            <a:avLst/>
-          </a:prstGeom>
-          <a:ln w="3175">
-            <a:solidFill>
-              <a:schemeClr val="bg1"/>
-            </a:solidFill>
-          </a:ln>
-        </p:spPr>
-      </p:pic>
-      <p:pic>
-        <p:nvPicPr>
-          <p:cNvPr id="18" name="Graphic 17" descr="Cloud Computing">
-            <a:extLst>
-              <a:ext uri="{FF2B5EF4-FFF2-40B4-BE49-F238E27FC236}">
-                <a16:creationId xmlns:a16="http://schemas.microsoft.com/office/drawing/2014/main" id="{83F1BFAA-7348-4067-936B-24561F9FB9F5}"/>
+          <p:cNvPr id="25" name="Graphic 24" descr="Arrow Counterclockwise curve">
+            <a:extLst>
+              <a:ext uri="{FF2B5EF4-FFF2-40B4-BE49-F238E27FC236}">
+                <a16:creationId xmlns:a16="http://schemas.microsoft.com/office/drawing/2014/main" id="{9BE56702-D198-4718-8081-D238E442AD72}"/>
               </a:ext>
             </a:extLst>
           </p:cNvPr>
@@ -6908,9 +9169,9 @@
           </a:stretch>
         </p:blipFill>
         <p:spPr>
-          <a:xfrm>
-            <a:off x="4718643" y="44272"/>
-            <a:ext cx="788077" cy="717728"/>
+          <a:xfrm rot="11834986">
+            <a:off x="5048304" y="2807503"/>
+            <a:ext cx="574598" cy="574598"/>
           </a:xfrm>
           <a:prstGeom prst="rect">
             <a:avLst/>
@@ -6919,10 +9180,49 @@
       </p:pic>
       <p:pic>
         <p:nvPicPr>
-          <p:cNvPr id="19" name="Graphic 18" descr="Open folder">
-            <a:extLst>
-              <a:ext uri="{FF2B5EF4-FFF2-40B4-BE49-F238E27FC236}">
-                <a16:creationId xmlns:a16="http://schemas.microsoft.com/office/drawing/2014/main" id="{28D4E0A4-0145-4E32-A20A-1BA068A030E5}"/>
+          <p:cNvPr id="26" name="Graphic 25" descr="Arrow Counterclockwise curve">
+            <a:extLst>
+              <a:ext uri="{FF2B5EF4-FFF2-40B4-BE49-F238E27FC236}">
+                <a16:creationId xmlns:a16="http://schemas.microsoft.com/office/drawing/2014/main" id="{4D6A06B3-431E-448A-9AC4-C01165EE3C87}"/>
+              </a:ext>
+            </a:extLst>
+          </p:cNvPr>
+          <p:cNvPicPr>
+            <a:picLocks noChangeAspect="1"/>
+          </p:cNvPicPr>
+          <p:nvPr/>
+        </p:nvPicPr>
+        <p:blipFill>
+          <a:blip r:embed="rId4">
+            <a:extLst>
+              <a:ext uri="{28A0092B-C50C-407E-A947-70E740481C1C}">
+                <a14:useLocalDpi xmlns:a14="http://schemas.microsoft.com/office/drawing/2010/main" val="0"/>
+              </a:ext>
+              <a:ext uri="{96DAC541-7B7A-43D3-8B79-37D633B846F1}">
+                <asvg:svgBlip xmlns:asvg="http://schemas.microsoft.com/office/drawing/2016/SVG/main" r:embed="rId5"/>
+              </a:ext>
+            </a:extLst>
+          </a:blip>
+          <a:stretch>
+            <a:fillRect/>
+          </a:stretch>
+        </p:blipFill>
+        <p:spPr>
+          <a:xfrm rot="11834986">
+            <a:off x="4987344" y="4739624"/>
+            <a:ext cx="574598" cy="574598"/>
+          </a:xfrm>
+          <a:prstGeom prst="rect">
+            <a:avLst/>
+          </a:prstGeom>
+        </p:spPr>
+      </p:pic>
+      <p:pic>
+        <p:nvPicPr>
+          <p:cNvPr id="28" name="Graphic 27" descr="Cloud Computing">
+            <a:extLst>
+              <a:ext uri="{FF2B5EF4-FFF2-40B4-BE49-F238E27FC236}">
+                <a16:creationId xmlns:a16="http://schemas.microsoft.com/office/drawing/2014/main" id="{EEEFB511-9F4A-4BFE-B8D6-F504C6B6159B}"/>
               </a:ext>
             </a:extLst>
           </p:cNvPr>
@@ -6948,20 +9248,250 @@
         </p:blipFill>
         <p:spPr>
           <a:xfrm>
-            <a:off x="4718643" y="2362200"/>
-            <a:ext cx="788077" cy="792480"/>
+            <a:off x="5659120" y="393017"/>
+            <a:ext cx="914400" cy="914400"/>
           </a:xfrm>
           <a:prstGeom prst="rect">
             <a:avLst/>
           </a:prstGeom>
         </p:spPr>
       </p:pic>
+      <p:sp>
+        <p:nvSpPr>
+          <p:cNvPr id="29" name="TextBox 28">
+            <a:extLst>
+              <a:ext uri="{FF2B5EF4-FFF2-40B4-BE49-F238E27FC236}">
+                <a16:creationId xmlns:a16="http://schemas.microsoft.com/office/drawing/2014/main" id="{5F916358-E07A-4C5B-B924-DBAE905AB881}"/>
+              </a:ext>
+            </a:extLst>
+          </p:cNvPr>
+          <p:cNvSpPr txBox="1"/>
+          <p:nvPr/>
+        </p:nvSpPr>
+        <p:spPr>
+          <a:xfrm>
+            <a:off x="8111195" y="527051"/>
+            <a:ext cx="2713435" cy="646331"/>
+          </a:xfrm>
+          <a:prstGeom prst="rect">
+            <a:avLst/>
+          </a:prstGeom>
+          <a:noFill/>
+        </p:spPr>
+        <p:txBody>
+          <a:bodyPr wrap="none" rtlCol="0">
+            <a:spAutoFit/>
+          </a:bodyPr>
+          <a:lstStyle/>
+          <a:p>
+            <a:r>
+              <a:rPr lang="en-US" dirty="0">
+                <a:solidFill>
+                  <a:schemeClr val="bg1"/>
+                </a:solidFill>
+              </a:rPr>
+              <a:t>File was downloaded from </a:t>
+            </a:r>
+          </a:p>
+          <a:p>
+            <a:r>
+              <a:rPr lang="en-US" dirty="0">
+                <a:solidFill>
+                  <a:schemeClr val="bg1"/>
+                </a:solidFill>
+              </a:rPr>
+              <a:t>the NYC Taxi Trips Website</a:t>
+            </a:r>
+            <a:endParaRPr lang="en-IN" dirty="0">
+              <a:solidFill>
+                <a:schemeClr val="bg1"/>
+              </a:solidFill>
+            </a:endParaRPr>
+          </a:p>
+        </p:txBody>
+      </p:sp>
+      <p:sp>
+        <p:nvSpPr>
+          <p:cNvPr id="30" name="TextBox 29">
+            <a:extLst>
+              <a:ext uri="{FF2B5EF4-FFF2-40B4-BE49-F238E27FC236}">
+                <a16:creationId xmlns:a16="http://schemas.microsoft.com/office/drawing/2014/main" id="{6F821BFA-AD0E-436F-A13D-E85AECE3AC12}"/>
+              </a:ext>
+            </a:extLst>
+          </p:cNvPr>
+          <p:cNvSpPr txBox="1"/>
+          <p:nvPr/>
+        </p:nvSpPr>
+        <p:spPr>
+          <a:xfrm>
+            <a:off x="8111196" y="2060270"/>
+            <a:ext cx="3051669" cy="369332"/>
+          </a:xfrm>
+          <a:prstGeom prst="rect">
+            <a:avLst/>
+          </a:prstGeom>
+          <a:noFill/>
+        </p:spPr>
+        <p:txBody>
+          <a:bodyPr wrap="none" rtlCol="0">
+            <a:spAutoFit/>
+          </a:bodyPr>
+          <a:lstStyle/>
+          <a:p>
+            <a:r>
+              <a:rPr lang="en-US" dirty="0">
+                <a:solidFill>
+                  <a:schemeClr val="bg1"/>
+                </a:solidFill>
+              </a:rPr>
+              <a:t>Stored Locally for faster access</a:t>
+            </a:r>
+            <a:endParaRPr lang="en-IN" dirty="0">
+              <a:solidFill>
+                <a:schemeClr val="bg1"/>
+              </a:solidFill>
+            </a:endParaRPr>
+          </a:p>
+        </p:txBody>
+      </p:sp>
+      <p:sp>
+        <p:nvSpPr>
+          <p:cNvPr id="31" name="TextBox 30">
+            <a:extLst>
+              <a:ext uri="{FF2B5EF4-FFF2-40B4-BE49-F238E27FC236}">
+                <a16:creationId xmlns:a16="http://schemas.microsoft.com/office/drawing/2014/main" id="{70C33C69-7788-4D7B-9BA9-9FD81EEE8C0A}"/>
+              </a:ext>
+            </a:extLst>
+          </p:cNvPr>
+          <p:cNvSpPr txBox="1"/>
+          <p:nvPr/>
+        </p:nvSpPr>
+        <p:spPr>
+          <a:xfrm>
+            <a:off x="8111196" y="3825313"/>
+            <a:ext cx="3703899" cy="646331"/>
+          </a:xfrm>
+          <a:prstGeom prst="rect">
+            <a:avLst/>
+          </a:prstGeom>
+          <a:noFill/>
+        </p:spPr>
+        <p:txBody>
+          <a:bodyPr wrap="none" rtlCol="0">
+            <a:spAutoFit/>
+          </a:bodyPr>
+          <a:lstStyle/>
+          <a:p>
+            <a:r>
+              <a:rPr lang="en-US" dirty="0">
+                <a:solidFill>
+                  <a:schemeClr val="bg1"/>
+                </a:solidFill>
+              </a:rPr>
+              <a:t>Accessed and Read using Pandas and </a:t>
+            </a:r>
+          </a:p>
+          <a:p>
+            <a:r>
+              <a:rPr lang="en-US" dirty="0">
+                <a:solidFill>
+                  <a:schemeClr val="bg1"/>
+                </a:solidFill>
+              </a:rPr>
+              <a:t>Extracted into a </a:t>
+            </a:r>
+            <a:r>
+              <a:rPr lang="en-US" dirty="0" err="1">
+                <a:solidFill>
+                  <a:schemeClr val="bg1"/>
+                </a:solidFill>
+              </a:rPr>
+              <a:t>DataFrame</a:t>
+            </a:r>
+            <a:endParaRPr lang="en-IN" dirty="0">
+              <a:solidFill>
+                <a:schemeClr val="bg1"/>
+              </a:solidFill>
+            </a:endParaRPr>
+          </a:p>
+        </p:txBody>
+      </p:sp>
+      <p:sp>
+        <p:nvSpPr>
+          <p:cNvPr id="32" name="TextBox 31">
+            <a:extLst>
+              <a:ext uri="{FF2B5EF4-FFF2-40B4-BE49-F238E27FC236}">
+                <a16:creationId xmlns:a16="http://schemas.microsoft.com/office/drawing/2014/main" id="{329AABD5-9479-43D1-B5BF-D6BC6B35BC9D}"/>
+              </a:ext>
+            </a:extLst>
+          </p:cNvPr>
+          <p:cNvSpPr txBox="1"/>
+          <p:nvPr/>
+        </p:nvSpPr>
+        <p:spPr>
+          <a:xfrm>
+            <a:off x="8111195" y="5604840"/>
+            <a:ext cx="3777637" cy="646331"/>
+          </a:xfrm>
+          <a:prstGeom prst="rect">
+            <a:avLst/>
+          </a:prstGeom>
+          <a:noFill/>
+        </p:spPr>
+        <p:txBody>
+          <a:bodyPr wrap="none" rtlCol="0">
+            <a:spAutoFit/>
+          </a:bodyPr>
+          <a:lstStyle/>
+          <a:p>
+            <a:r>
+              <a:rPr lang="en-US" dirty="0">
+                <a:solidFill>
+                  <a:schemeClr val="bg1"/>
+                </a:solidFill>
+              </a:rPr>
+              <a:t>Extracted data is exported into Mongo</a:t>
+            </a:r>
+          </a:p>
+          <a:p>
+            <a:r>
+              <a:rPr lang="en-US" dirty="0">
+                <a:solidFill>
+                  <a:schemeClr val="bg1"/>
+                </a:solidFill>
+              </a:rPr>
+              <a:t>Using </a:t>
+            </a:r>
+            <a:r>
+              <a:rPr lang="en-US" dirty="0" err="1">
+                <a:solidFill>
+                  <a:schemeClr val="bg1"/>
+                </a:solidFill>
+              </a:rPr>
+              <a:t>Pymongo</a:t>
+            </a:r>
+            <a:r>
+              <a:rPr lang="en-US" dirty="0">
+                <a:solidFill>
+                  <a:schemeClr val="bg1"/>
+                </a:solidFill>
+              </a:rPr>
+              <a:t> module</a:t>
+            </a:r>
+            <a:endParaRPr lang="en-IN" dirty="0">
+              <a:solidFill>
+                <a:schemeClr val="bg1"/>
+              </a:solidFill>
+            </a:endParaRPr>
+          </a:p>
+        </p:txBody>
+      </p:sp>
       <p:pic>
         <p:nvPicPr>
-          <p:cNvPr id="5" name="Picture 4">
-            <a:extLst>
-              <a:ext uri="{FF2B5EF4-FFF2-40B4-BE49-F238E27FC236}">
-                <a16:creationId xmlns:a16="http://schemas.microsoft.com/office/drawing/2014/main" id="{04609FF0-142D-435F-94F6-5249541E2905}"/>
+          <p:cNvPr id="35" name="Picture 34">
+            <a:extLst>
+              <a:ext uri="{FF2B5EF4-FFF2-40B4-BE49-F238E27FC236}">
+                <a16:creationId xmlns:a16="http://schemas.microsoft.com/office/drawing/2014/main" id="{19B7E646-2321-4A77-B5F7-2C0BCB2F08E4}"/>
               </a:ext>
             </a:extLst>
           </p:cNvPr>
@@ -6978,8 +9508,8 @@
         </p:blipFill>
         <p:spPr>
           <a:xfrm>
-            <a:off x="4654295" y="4928758"/>
-            <a:ext cx="7532121" cy="1884969"/>
+            <a:off x="5183796" y="4037934"/>
+            <a:ext cx="1824408" cy="369333"/>
           </a:xfrm>
           <a:prstGeom prst="rect">
             <a:avLst/>
@@ -6988,10 +9518,10 @@
       </p:pic>
       <p:pic>
         <p:nvPicPr>
-          <p:cNvPr id="23" name="Picture 22">
-            <a:extLst>
-              <a:ext uri="{FF2B5EF4-FFF2-40B4-BE49-F238E27FC236}">
-                <a16:creationId xmlns:a16="http://schemas.microsoft.com/office/drawing/2014/main" id="{5F052462-EE67-4706-97D1-94CB2297B24B}"/>
+          <p:cNvPr id="38" name="Picture 37">
+            <a:extLst>
+              <a:ext uri="{FF2B5EF4-FFF2-40B4-BE49-F238E27FC236}">
+                <a16:creationId xmlns:a16="http://schemas.microsoft.com/office/drawing/2014/main" id="{9090CAE2-0706-4EB2-84C7-939533A81266}"/>
               </a:ext>
             </a:extLst>
           </p:cNvPr>
@@ -7008,8 +9538,8 @@
         </p:blipFill>
         <p:spPr>
           <a:xfrm>
-            <a:off x="6475318" y="4488013"/>
-            <a:ext cx="1824408" cy="369333"/>
+            <a:off x="5274643" y="5728055"/>
+            <a:ext cx="1791217" cy="399899"/>
           </a:xfrm>
           <a:prstGeom prst="rect">
             <a:avLst/>
@@ -7018,10 +9548,49 @@
       </p:pic>
       <p:pic>
         <p:nvPicPr>
-          <p:cNvPr id="27" name="Picture 26">
-            <a:extLst>
-              <a:ext uri="{FF2B5EF4-FFF2-40B4-BE49-F238E27FC236}">
-                <a16:creationId xmlns:a16="http://schemas.microsoft.com/office/drawing/2014/main" id="{0FE905D1-352A-49C8-BFFD-08A8644CFF9A}"/>
+          <p:cNvPr id="41" name="Graphic 40" descr="Arrow Counterclockwise curve">
+            <a:extLst>
+              <a:ext uri="{FF2B5EF4-FFF2-40B4-BE49-F238E27FC236}">
+                <a16:creationId xmlns:a16="http://schemas.microsoft.com/office/drawing/2014/main" id="{27C390C3-48B8-4744-AB44-3D570DEC2EEF}"/>
+              </a:ext>
+            </a:extLst>
+          </p:cNvPr>
+          <p:cNvPicPr>
+            <a:picLocks noChangeAspect="1"/>
+          </p:cNvPicPr>
+          <p:nvPr/>
+        </p:nvPicPr>
+        <p:blipFill>
+          <a:blip r:embed="rId4">
+            <a:extLst>
+              <a:ext uri="{28A0092B-C50C-407E-A947-70E740481C1C}">
+                <a14:useLocalDpi xmlns:a14="http://schemas.microsoft.com/office/drawing/2010/main" val="0"/>
+              </a:ext>
+              <a:ext uri="{96DAC541-7B7A-43D3-8B79-37D633B846F1}">
+                <asvg:svgBlip xmlns:asvg="http://schemas.microsoft.com/office/drawing/2016/SVG/main" r:embed="rId5"/>
+              </a:ext>
+            </a:extLst>
+          </a:blip>
+          <a:stretch>
+            <a:fillRect/>
+          </a:stretch>
+        </p:blipFill>
+        <p:spPr>
+          <a:xfrm rot="11834986">
+            <a:off x="4987344" y="1234440"/>
+            <a:ext cx="574598" cy="574598"/>
+          </a:xfrm>
+          <a:prstGeom prst="rect">
+            <a:avLst/>
+          </a:prstGeom>
+        </p:spPr>
+      </p:pic>
+      <p:pic>
+        <p:nvPicPr>
+          <p:cNvPr id="42" name="Picture 41">
+            <a:extLst>
+              <a:ext uri="{FF2B5EF4-FFF2-40B4-BE49-F238E27FC236}">
+                <a16:creationId xmlns:a16="http://schemas.microsoft.com/office/drawing/2014/main" id="{F879B092-0E0D-4D5B-8B61-0F057B06DCB5}"/>
               </a:ext>
             </a:extLst>
           </p:cNvPr>
@@ -7038,8 +9607,8 @@
         </p:blipFill>
         <p:spPr>
           <a:xfrm>
-            <a:off x="4650910" y="4488012"/>
-            <a:ext cx="1824408" cy="369334"/>
+            <a:off x="5183796" y="3640330"/>
+            <a:ext cx="1824408" cy="444936"/>
           </a:xfrm>
           <a:prstGeom prst="rect">
             <a:avLst/>
@@ -7049,20 +9618,20 @@
     </p:spTree>
     <p:extLst>
       <p:ext uri="{BB962C8B-B14F-4D97-AF65-F5344CB8AC3E}">
-        <p14:creationId xmlns:p14="http://schemas.microsoft.com/office/powerpoint/2010/main" val="2371456694"/>
+        <p14:creationId xmlns:p14="http://schemas.microsoft.com/office/powerpoint/2010/main" val="2992344421"/>
       </p:ext>
     </p:extLst>
   </p:cSld>
   <p:clrMapOvr>
     <a:overrideClrMapping bg1="dk1" tx1="lt1" bg2="dk2" tx2="lt2" accent1="accent1" accent2="accent2" accent3="accent3" accent4="accent4" accent5="accent5" accent6="accent6" hlink="hlink" folHlink="folHlink"/>
   </p:clrMapOvr>
-  <mc:AlternateContent xmlns:mc="http://schemas.openxmlformats.org/markup-compatibility/2006">
-    <mc:Choice xmlns:p159="http://schemas.microsoft.com/office/powerpoint/2015/09/main" Requires="p159">
+  <mc:AlternateContent xmlns:mc="http://schemas.openxmlformats.org/markup-compatibility/2006" xmlns:p159="http://schemas.microsoft.com/office/powerpoint/2015/09/main">
+    <mc:Choice Requires="p159">
       <p:transition xmlns:p14="http://schemas.microsoft.com/office/powerpoint/2010/main" spd="slow" p14:dur="2000">
         <p159:morph option="byObject"/>
       </p:transition>
     </mc:Choice>
-    <mc:Fallback>
+    <mc:Fallback xmlns="">
       <p:transition spd="slow">
         <p:fade/>
       </p:transition>
@@ -7194,7 +9763,7 @@
             <a:pPr algn="ctr"/>
             <a:r>
               <a:rPr lang="en-US" sz="2800" dirty="0"/>
-              <a:t>Storage</a:t>
+              <a:t>Ingestion</a:t>
             </a:r>
             <a:endParaRPr lang="en-IN" sz="2800" dirty="0"/>
           </a:p>
@@ -7202,10 +9771,10 @@
       </p:sp>
       <p:pic>
         <p:nvPicPr>
-          <p:cNvPr id="24" name="Graphic 23" descr="Arrow Counterclockwise curve">
-            <a:extLst>
-              <a:ext uri="{FF2B5EF4-FFF2-40B4-BE49-F238E27FC236}">
-                <a16:creationId xmlns:a16="http://schemas.microsoft.com/office/drawing/2014/main" id="{E6CF1763-7E2C-4742-8535-D0FC5F70ECF4}"/>
+          <p:cNvPr id="3" name="Picture 2">
+            <a:extLst>
+              <a:ext uri="{FF2B5EF4-FFF2-40B4-BE49-F238E27FC236}">
+                <a16:creationId xmlns:a16="http://schemas.microsoft.com/office/drawing/2014/main" id="{07528C08-A388-4CC9-BBCE-523655C3F5D9}"/>
               </a:ext>
             </a:extLst>
           </p:cNvPr>
@@ -7215,36 +9784,33 @@
           <p:nvPr/>
         </p:nvPicPr>
         <p:blipFill>
-          <a:blip r:embed="rId2">
-            <a:extLst>
-              <a:ext uri="{28A0092B-C50C-407E-A947-70E740481C1C}">
-                <a14:useLocalDpi xmlns:a14="http://schemas.microsoft.com/office/drawing/2010/main" val="0"/>
-              </a:ext>
-              <a:ext uri="{96DAC541-7B7A-43D3-8B79-37D633B846F1}">
-                <asvg:svgBlip xmlns:asvg="http://schemas.microsoft.com/office/drawing/2016/SVG/main" r:embed="rId3"/>
-              </a:ext>
-            </a:extLst>
-          </a:blip>
+          <a:blip r:embed="rId2"/>
           <a:stretch>
             <a:fillRect/>
           </a:stretch>
         </p:blipFill>
         <p:spPr>
-          <a:xfrm rot="11834986">
-            <a:off x="4885647" y="1122299"/>
-            <a:ext cx="574598" cy="574598"/>
-          </a:xfrm>
-          <a:prstGeom prst="rect">
-            <a:avLst/>
-          </a:prstGeom>
+          <a:xfrm>
+            <a:off x="4718643" y="825040"/>
+            <a:ext cx="7409010" cy="1526080"/>
+          </a:xfrm>
+          <a:prstGeom prst="rect">
+            <a:avLst/>
+          </a:prstGeom>
+          <a:noFill/>
+          <a:ln w="3175">
+            <a:solidFill>
+              <a:schemeClr val="bg1"/>
+            </a:solidFill>
+          </a:ln>
         </p:spPr>
       </p:pic>
       <p:pic>
         <p:nvPicPr>
-          <p:cNvPr id="25" name="Graphic 24" descr="Arrow Counterclockwise curve">
-            <a:extLst>
-              <a:ext uri="{FF2B5EF4-FFF2-40B4-BE49-F238E27FC236}">
-                <a16:creationId xmlns:a16="http://schemas.microsoft.com/office/drawing/2014/main" id="{9BE56702-D198-4718-8081-D238E442AD72}"/>
+          <p:cNvPr id="4" name="Picture 3">
+            <a:extLst>
+              <a:ext uri="{FF2B5EF4-FFF2-40B4-BE49-F238E27FC236}">
+                <a16:creationId xmlns:a16="http://schemas.microsoft.com/office/drawing/2014/main" id="{79CE2A01-3D91-456C-9D2E-E86917DDF263}"/>
               </a:ext>
             </a:extLst>
           </p:cNvPr>
@@ -7254,36 +9820,32 @@
           <p:nvPr/>
         </p:nvPicPr>
         <p:blipFill>
-          <a:blip r:embed="rId2">
-            <a:extLst>
-              <a:ext uri="{28A0092B-C50C-407E-A947-70E740481C1C}">
-                <a14:useLocalDpi xmlns:a14="http://schemas.microsoft.com/office/drawing/2010/main" val="0"/>
-              </a:ext>
-              <a:ext uri="{96DAC541-7B7A-43D3-8B79-37D633B846F1}">
-                <asvg:svgBlip xmlns:asvg="http://schemas.microsoft.com/office/drawing/2016/SVG/main" r:embed="rId3"/>
-              </a:ext>
-            </a:extLst>
-          </a:blip>
+          <a:blip r:embed="rId3"/>
           <a:stretch>
             <a:fillRect/>
           </a:stretch>
         </p:blipFill>
         <p:spPr>
-          <a:xfrm rot="11834986">
-            <a:off x="4887251" y="2751780"/>
-            <a:ext cx="574598" cy="574598"/>
-          </a:xfrm>
-          <a:prstGeom prst="rect">
-            <a:avLst/>
-          </a:prstGeom>
+          <a:xfrm>
+            <a:off x="4650910" y="3083560"/>
+            <a:ext cx="7541090" cy="1333040"/>
+          </a:xfrm>
+          <a:prstGeom prst="rect">
+            <a:avLst/>
+          </a:prstGeom>
+          <a:ln w="3175">
+            <a:solidFill>
+              <a:schemeClr val="bg1"/>
+            </a:solidFill>
+          </a:ln>
         </p:spPr>
       </p:pic>
       <p:pic>
         <p:nvPicPr>
-          <p:cNvPr id="26" name="Graphic 25" descr="Arrow Counterclockwise curve">
-            <a:extLst>
-              <a:ext uri="{FF2B5EF4-FFF2-40B4-BE49-F238E27FC236}">
-                <a16:creationId xmlns:a16="http://schemas.microsoft.com/office/drawing/2014/main" id="{4D6A06B3-431E-448A-9AC4-C01165EE3C87}"/>
+          <p:cNvPr id="18" name="Graphic 17" descr="Cloud Computing">
+            <a:extLst>
+              <a:ext uri="{FF2B5EF4-FFF2-40B4-BE49-F238E27FC236}">
+                <a16:creationId xmlns:a16="http://schemas.microsoft.com/office/drawing/2014/main" id="{83F1BFAA-7348-4067-936B-24561F9FB9F5}"/>
               </a:ext>
             </a:extLst>
           </p:cNvPr>
@@ -7293,13 +9855,13 @@
           <p:nvPr/>
         </p:nvPicPr>
         <p:blipFill>
-          <a:blip r:embed="rId2">
+          <a:blip r:embed="rId4">
             <a:extLst>
               <a:ext uri="{28A0092B-C50C-407E-A947-70E740481C1C}">
                 <a14:useLocalDpi xmlns:a14="http://schemas.microsoft.com/office/drawing/2010/main" val="0"/>
               </a:ext>
               <a:ext uri="{96DAC541-7B7A-43D3-8B79-37D633B846F1}">
-                <asvg:svgBlip xmlns:asvg="http://schemas.microsoft.com/office/drawing/2016/SVG/main" r:embed="rId3"/>
+                <asvg:svgBlip xmlns:asvg="http://schemas.microsoft.com/office/drawing/2016/SVG/main" r:embed="rId5"/>
               </a:ext>
             </a:extLst>
           </a:blip>
@@ -7308,257 +9870,21 @@
           </a:stretch>
         </p:blipFill>
         <p:spPr>
-          <a:xfrm rot="11834986">
-            <a:off x="4885648" y="4612299"/>
-            <a:ext cx="574598" cy="574598"/>
+          <a:xfrm>
+            <a:off x="4718643" y="44272"/>
+            <a:ext cx="788077" cy="717728"/>
           </a:xfrm>
           <a:prstGeom prst="rect">
             <a:avLst/>
           </a:prstGeom>
         </p:spPr>
       </p:pic>
-      <p:sp>
-        <p:nvSpPr>
-          <p:cNvPr id="29" name="TextBox 28">
-            <a:extLst>
-              <a:ext uri="{FF2B5EF4-FFF2-40B4-BE49-F238E27FC236}">
-                <a16:creationId xmlns:a16="http://schemas.microsoft.com/office/drawing/2014/main" id="{5F916358-E07A-4C5B-B924-DBAE905AB881}"/>
-              </a:ext>
-            </a:extLst>
-          </p:cNvPr>
-          <p:cNvSpPr txBox="1"/>
-          <p:nvPr/>
-        </p:nvSpPr>
-        <p:spPr>
-          <a:xfrm>
-            <a:off x="8111195" y="527051"/>
-            <a:ext cx="3902671" cy="646331"/>
-          </a:xfrm>
-          <a:prstGeom prst="rect">
-            <a:avLst/>
-          </a:prstGeom>
-          <a:noFill/>
-        </p:spPr>
-        <p:txBody>
-          <a:bodyPr wrap="none" rtlCol="0">
-            <a:spAutoFit/>
-          </a:bodyPr>
-          <a:lstStyle/>
-          <a:p>
-            <a:r>
-              <a:rPr lang="en-US" dirty="0">
-                <a:solidFill>
-                  <a:schemeClr val="bg1"/>
-                </a:solidFill>
-              </a:rPr>
-              <a:t>Extracted data exported into MongoDB </a:t>
-            </a:r>
-          </a:p>
-          <a:p>
-            <a:r>
-              <a:rPr lang="en-US" dirty="0">
-                <a:solidFill>
-                  <a:schemeClr val="bg1"/>
-                </a:solidFill>
-              </a:rPr>
-              <a:t>using </a:t>
-            </a:r>
-            <a:r>
-              <a:rPr lang="en-US" dirty="0" err="1">
-                <a:solidFill>
-                  <a:schemeClr val="bg1"/>
-                </a:solidFill>
-              </a:rPr>
-              <a:t>Pymongo</a:t>
-            </a:r>
-            <a:r>
-              <a:rPr lang="en-US" dirty="0">
-                <a:solidFill>
-                  <a:schemeClr val="bg1"/>
-                </a:solidFill>
-              </a:rPr>
-              <a:t> queries</a:t>
-            </a:r>
-            <a:endParaRPr lang="en-IN" dirty="0">
-              <a:solidFill>
-                <a:schemeClr val="bg1"/>
-              </a:solidFill>
-            </a:endParaRPr>
-          </a:p>
-        </p:txBody>
-      </p:sp>
-      <p:sp>
-        <p:nvSpPr>
-          <p:cNvPr id="30" name="TextBox 29">
-            <a:extLst>
-              <a:ext uri="{FF2B5EF4-FFF2-40B4-BE49-F238E27FC236}">
-                <a16:creationId xmlns:a16="http://schemas.microsoft.com/office/drawing/2014/main" id="{6F821BFA-AD0E-436F-A13D-E85AECE3AC12}"/>
-              </a:ext>
-            </a:extLst>
-          </p:cNvPr>
-          <p:cNvSpPr txBox="1"/>
-          <p:nvPr/>
-        </p:nvSpPr>
-        <p:spPr>
-          <a:xfrm>
-            <a:off x="8111196" y="2060270"/>
-            <a:ext cx="3944991" cy="369332"/>
-          </a:xfrm>
-          <a:prstGeom prst="rect">
-            <a:avLst/>
-          </a:prstGeom>
-          <a:noFill/>
-        </p:spPr>
-        <p:txBody>
-          <a:bodyPr wrap="none" rtlCol="0">
-            <a:spAutoFit/>
-          </a:bodyPr>
-          <a:lstStyle/>
-          <a:p>
-            <a:r>
-              <a:rPr lang="en-US" dirty="0">
-                <a:solidFill>
-                  <a:schemeClr val="bg1"/>
-                </a:solidFill>
-              </a:rPr>
-              <a:t>Data is now available for further queries</a:t>
-            </a:r>
-            <a:endParaRPr lang="en-IN" dirty="0">
-              <a:solidFill>
-                <a:schemeClr val="bg1"/>
-              </a:solidFill>
-            </a:endParaRPr>
-          </a:p>
-        </p:txBody>
-      </p:sp>
-      <p:sp>
-        <p:nvSpPr>
-          <p:cNvPr id="31" name="TextBox 30">
-            <a:extLst>
-              <a:ext uri="{FF2B5EF4-FFF2-40B4-BE49-F238E27FC236}">
-                <a16:creationId xmlns:a16="http://schemas.microsoft.com/office/drawing/2014/main" id="{70C33C69-7788-4D7B-9BA9-9FD81EEE8C0A}"/>
-              </a:ext>
-            </a:extLst>
-          </p:cNvPr>
-          <p:cNvSpPr txBox="1"/>
-          <p:nvPr/>
-        </p:nvSpPr>
-        <p:spPr>
-          <a:xfrm>
-            <a:off x="8111196" y="3825313"/>
-            <a:ext cx="3633495" cy="646331"/>
-          </a:xfrm>
-          <a:prstGeom prst="rect">
-            <a:avLst/>
-          </a:prstGeom>
-          <a:noFill/>
-        </p:spPr>
-        <p:txBody>
-          <a:bodyPr wrap="none" rtlCol="0">
-            <a:spAutoFit/>
-          </a:bodyPr>
-          <a:lstStyle/>
-          <a:p>
-            <a:r>
-              <a:rPr lang="en-US" dirty="0">
-                <a:solidFill>
-                  <a:schemeClr val="bg1"/>
-                </a:solidFill>
-              </a:rPr>
-              <a:t>Data gets queried through </a:t>
-            </a:r>
-            <a:r>
-              <a:rPr lang="en-US" dirty="0" err="1">
-                <a:solidFill>
-                  <a:schemeClr val="bg1"/>
-                </a:solidFill>
-              </a:rPr>
-              <a:t>Pymongo</a:t>
-            </a:r>
-            <a:r>
-              <a:rPr lang="en-US" dirty="0">
-                <a:solidFill>
-                  <a:schemeClr val="bg1"/>
-                </a:solidFill>
-              </a:rPr>
-              <a:t> </a:t>
-            </a:r>
-          </a:p>
-          <a:p>
-            <a:r>
-              <a:rPr lang="en-US" dirty="0">
-                <a:solidFill>
-                  <a:schemeClr val="bg1"/>
-                </a:solidFill>
-              </a:rPr>
-              <a:t>module</a:t>
-            </a:r>
-            <a:endParaRPr lang="en-IN" dirty="0">
-              <a:solidFill>
-                <a:schemeClr val="bg1"/>
-              </a:solidFill>
-            </a:endParaRPr>
-          </a:p>
-        </p:txBody>
-      </p:sp>
-      <p:sp>
-        <p:nvSpPr>
-          <p:cNvPr id="32" name="TextBox 31">
-            <a:extLst>
-              <a:ext uri="{FF2B5EF4-FFF2-40B4-BE49-F238E27FC236}">
-                <a16:creationId xmlns:a16="http://schemas.microsoft.com/office/drawing/2014/main" id="{329AABD5-9479-43D1-B5BF-D6BC6B35BC9D}"/>
-              </a:ext>
-            </a:extLst>
-          </p:cNvPr>
-          <p:cNvSpPr txBox="1"/>
-          <p:nvPr/>
-        </p:nvSpPr>
-        <p:spPr>
-          <a:xfrm>
-            <a:off x="8111195" y="5564200"/>
-            <a:ext cx="3456524" cy="369332"/>
-          </a:xfrm>
-          <a:prstGeom prst="rect">
-            <a:avLst/>
-          </a:prstGeom>
-          <a:noFill/>
-        </p:spPr>
-        <p:txBody>
-          <a:bodyPr wrap="none" rtlCol="0">
-            <a:spAutoFit/>
-          </a:bodyPr>
-          <a:lstStyle/>
-          <a:p>
-            <a:r>
-              <a:rPr lang="en-US" dirty="0">
-                <a:solidFill>
-                  <a:schemeClr val="bg1"/>
-                </a:solidFill>
-              </a:rPr>
-              <a:t>Extracted into a Pandas </a:t>
-            </a:r>
-            <a:r>
-              <a:rPr lang="en-US" dirty="0" err="1">
-                <a:solidFill>
-                  <a:schemeClr val="bg1"/>
-                </a:solidFill>
-              </a:rPr>
-              <a:t>DataFrame</a:t>
-            </a:r>
-            <a:endParaRPr lang="en-IN" dirty="0">
-              <a:solidFill>
-                <a:schemeClr val="bg1"/>
-              </a:solidFill>
-            </a:endParaRPr>
-          </a:p>
-        </p:txBody>
-      </p:sp>
       <p:pic>
         <p:nvPicPr>
-          <p:cNvPr id="9" name="Picture 8">
-            <a:extLst>
-              <a:ext uri="{FF2B5EF4-FFF2-40B4-BE49-F238E27FC236}">
-                <a16:creationId xmlns:a16="http://schemas.microsoft.com/office/drawing/2014/main" id="{AC3B9C45-2CAC-4933-9636-2BF18764A419}"/>
+          <p:cNvPr id="19" name="Graphic 18" descr="Open folder">
+            <a:extLst>
+              <a:ext uri="{FF2B5EF4-FFF2-40B4-BE49-F238E27FC236}">
+                <a16:creationId xmlns:a16="http://schemas.microsoft.com/office/drawing/2014/main" id="{28D4E0A4-0145-4E32-A20A-1BA068A030E5}"/>
               </a:ext>
             </a:extLst>
           </p:cNvPr>
@@ -7568,15 +9894,24 @@
           <p:nvPr/>
         </p:nvPicPr>
         <p:blipFill>
-          <a:blip r:embed="rId4"/>
+          <a:blip r:embed="rId6">
+            <a:extLst>
+              <a:ext uri="{28A0092B-C50C-407E-A947-70E740481C1C}">
+                <a14:useLocalDpi xmlns:a14="http://schemas.microsoft.com/office/drawing/2010/main" val="0"/>
+              </a:ext>
+              <a:ext uri="{96DAC541-7B7A-43D3-8B79-37D633B846F1}">
+                <asvg:svgBlip xmlns:asvg="http://schemas.microsoft.com/office/drawing/2016/SVG/main" r:embed="rId7"/>
+              </a:ext>
+            </a:extLst>
+          </a:blip>
           <a:stretch>
             <a:fillRect/>
           </a:stretch>
         </p:blipFill>
         <p:spPr>
           <a:xfrm>
-            <a:off x="5172946" y="604083"/>
-            <a:ext cx="2240968" cy="511971"/>
+            <a:off x="4718643" y="2362200"/>
+            <a:ext cx="788077" cy="792480"/>
           </a:xfrm>
           <a:prstGeom prst="rect">
             <a:avLst/>
@@ -7585,10 +9920,10 @@
       </p:pic>
       <p:pic>
         <p:nvPicPr>
-          <p:cNvPr id="14" name="Picture 13" descr="A close up of a sign&#10;&#10;Description automatically generated">
-            <a:extLst>
-              <a:ext uri="{FF2B5EF4-FFF2-40B4-BE49-F238E27FC236}">
-                <a16:creationId xmlns:a16="http://schemas.microsoft.com/office/drawing/2014/main" id="{2BFEEAF5-B0F8-41C8-8D84-460B28C1EDA4}"/>
+          <p:cNvPr id="5" name="Picture 4">
+            <a:extLst>
+              <a:ext uri="{FF2B5EF4-FFF2-40B4-BE49-F238E27FC236}">
+                <a16:creationId xmlns:a16="http://schemas.microsoft.com/office/drawing/2014/main" id="{04609FF0-142D-435F-94F6-5249541E2905}"/>
               </a:ext>
             </a:extLst>
           </p:cNvPr>
@@ -7598,21 +9933,15 @@
           <p:nvPr/>
         </p:nvPicPr>
         <p:blipFill>
-          <a:blip r:embed="rId5">
-            <a:extLst>
-              <a:ext uri="{28A0092B-C50C-407E-A947-70E740481C1C}">
-                <a14:useLocalDpi xmlns:a14="http://schemas.microsoft.com/office/drawing/2010/main" val="0"/>
-              </a:ext>
-            </a:extLst>
-          </a:blip>
+          <a:blip r:embed="rId8"/>
           <a:stretch>
             <a:fillRect/>
           </a:stretch>
         </p:blipFill>
         <p:spPr>
           <a:xfrm>
-            <a:off x="5172945" y="1903202"/>
-            <a:ext cx="2240969" cy="682682"/>
+            <a:off x="4654295" y="4928758"/>
+            <a:ext cx="7532121" cy="1884969"/>
           </a:xfrm>
           <a:prstGeom prst="rect">
             <a:avLst/>
@@ -7624,7 +9953,7 @@
           <p:cNvPr id="23" name="Picture 22">
             <a:extLst>
               <a:ext uri="{FF2B5EF4-FFF2-40B4-BE49-F238E27FC236}">
-                <a16:creationId xmlns:a16="http://schemas.microsoft.com/office/drawing/2014/main" id="{23076407-FE8F-42C5-8BA6-1FEA6F80C4B4}"/>
+                <a16:creationId xmlns:a16="http://schemas.microsoft.com/office/drawing/2014/main" id="{5F052462-EE67-4706-97D1-94CB2297B24B}"/>
               </a:ext>
             </a:extLst>
           </p:cNvPr>
@@ -7634,15 +9963,15 @@
           <p:nvPr/>
         </p:nvPicPr>
         <p:blipFill>
-          <a:blip r:embed="rId4"/>
+          <a:blip r:embed="rId9"/>
           <a:stretch>
             <a:fillRect/>
           </a:stretch>
         </p:blipFill>
         <p:spPr>
           <a:xfrm>
-            <a:off x="5172946" y="3753993"/>
-            <a:ext cx="2240968" cy="511971"/>
+            <a:off x="6475318" y="4488013"/>
+            <a:ext cx="1824408" cy="369333"/>
           </a:xfrm>
           <a:prstGeom prst="rect">
             <a:avLst/>
@@ -7651,10 +9980,10 @@
       </p:pic>
       <p:pic>
         <p:nvPicPr>
-          <p:cNvPr id="38" name="Picture 37">
-            <a:extLst>
-              <a:ext uri="{FF2B5EF4-FFF2-40B4-BE49-F238E27FC236}">
-                <a16:creationId xmlns:a16="http://schemas.microsoft.com/office/drawing/2014/main" id="{1FC854AF-E457-4B7F-9197-D1F1F6F3A5B3}"/>
+          <p:cNvPr id="27" name="Picture 26">
+            <a:extLst>
+              <a:ext uri="{FF2B5EF4-FFF2-40B4-BE49-F238E27FC236}">
+                <a16:creationId xmlns:a16="http://schemas.microsoft.com/office/drawing/2014/main" id="{0FE905D1-352A-49C8-BFFD-08A8644CFF9A}"/>
               </a:ext>
             </a:extLst>
           </p:cNvPr>
@@ -7664,45 +9993,15 @@
           <p:nvPr/>
         </p:nvPicPr>
         <p:blipFill>
-          <a:blip r:embed="rId6"/>
+          <a:blip r:embed="rId10"/>
           <a:stretch>
             <a:fillRect/>
           </a:stretch>
         </p:blipFill>
         <p:spPr>
           <a:xfrm>
-            <a:off x="5172945" y="5641772"/>
-            <a:ext cx="2364761" cy="369333"/>
-          </a:xfrm>
-          <a:prstGeom prst="rect">
-            <a:avLst/>
-          </a:prstGeom>
-        </p:spPr>
-      </p:pic>
-      <p:pic>
-        <p:nvPicPr>
-          <p:cNvPr id="39" name="Picture 38">
-            <a:extLst>
-              <a:ext uri="{FF2B5EF4-FFF2-40B4-BE49-F238E27FC236}">
-                <a16:creationId xmlns:a16="http://schemas.microsoft.com/office/drawing/2014/main" id="{4A4A8D55-8E40-4959-8E58-B8BFC1D79F7C}"/>
-              </a:ext>
-            </a:extLst>
-          </p:cNvPr>
-          <p:cNvPicPr>
-            <a:picLocks noChangeAspect="1"/>
-          </p:cNvPicPr>
-          <p:nvPr/>
-        </p:nvPicPr>
-        <p:blipFill>
-          <a:blip r:embed="rId7"/>
-          <a:stretch>
-            <a:fillRect/>
-          </a:stretch>
-        </p:blipFill>
-        <p:spPr>
-          <a:xfrm>
-            <a:off x="5172945" y="5212269"/>
-            <a:ext cx="2364761" cy="444936"/>
+            <a:off x="4650910" y="4488012"/>
+            <a:ext cx="1824408" cy="369334"/>
           </a:xfrm>
           <a:prstGeom prst="rect">
             <a:avLst/>
@@ -7712,20 +10011,20 @@
     </p:spTree>
     <p:extLst>
       <p:ext uri="{BB962C8B-B14F-4D97-AF65-F5344CB8AC3E}">
-        <p14:creationId xmlns:p14="http://schemas.microsoft.com/office/powerpoint/2010/main" val="1193470589"/>
+        <p14:creationId xmlns:p14="http://schemas.microsoft.com/office/powerpoint/2010/main" val="2371456694"/>
       </p:ext>
     </p:extLst>
   </p:cSld>
   <p:clrMapOvr>
     <a:overrideClrMapping bg1="dk1" tx1="lt1" bg2="dk2" tx2="lt2" accent1="accent1" accent2="accent2" accent3="accent3" accent4="accent4" accent5="accent5" accent6="accent6" hlink="hlink" folHlink="folHlink"/>
   </p:clrMapOvr>
-  <mc:AlternateContent xmlns:mc="http://schemas.openxmlformats.org/markup-compatibility/2006">
-    <mc:Choice xmlns:p159="http://schemas.microsoft.com/office/powerpoint/2015/09/main" Requires="p159">
+  <mc:AlternateContent xmlns:mc="http://schemas.openxmlformats.org/markup-compatibility/2006" xmlns:p159="http://schemas.microsoft.com/office/powerpoint/2015/09/main">
+    <mc:Choice Requires="p159">
       <p:transition xmlns:p14="http://schemas.microsoft.com/office/powerpoint/2010/main" spd="slow" p14:dur="2000">
         <p159:morph option="byObject"/>
       </p:transition>
     </mc:Choice>
-    <mc:Fallback>
+    <mc:Fallback xmlns="">
       <p:transition spd="slow">
         <p:fade/>
       </p:transition>
@@ -7865,38 +10164,10 @@
       </p:sp>
       <p:pic>
         <p:nvPicPr>
-          <p:cNvPr id="17" name="Picture 16">
-            <a:extLst>
-              <a:ext uri="{FF2B5EF4-FFF2-40B4-BE49-F238E27FC236}">
-                <a16:creationId xmlns:a16="http://schemas.microsoft.com/office/drawing/2014/main" id="{E30C2D48-A753-4091-BEA7-2BB9D7347933}"/>
-              </a:ext>
-            </a:extLst>
-          </p:cNvPr>
-          <p:cNvPicPr/>
-          <p:nvPr/>
-        </p:nvPicPr>
-        <p:blipFill>
-          <a:blip r:embed="rId2"/>
-          <a:stretch>
-            <a:fillRect/>
-          </a:stretch>
-        </p:blipFill>
-        <p:spPr>
-          <a:xfrm>
-            <a:off x="4694407" y="705086"/>
-            <a:ext cx="4140689" cy="1525365"/>
-          </a:xfrm>
-          <a:prstGeom prst="rect">
-            <a:avLst/>
-          </a:prstGeom>
-        </p:spPr>
-      </p:pic>
-      <p:pic>
-        <p:nvPicPr>
-          <p:cNvPr id="18" name="Picture 17">
-            <a:extLst>
-              <a:ext uri="{FF2B5EF4-FFF2-40B4-BE49-F238E27FC236}">
-                <a16:creationId xmlns:a16="http://schemas.microsoft.com/office/drawing/2014/main" id="{19711356-0B82-4154-85A9-8007AFC17EA6}"/>
+          <p:cNvPr id="24" name="Graphic 23" descr="Arrow Counterclockwise curve">
+            <a:extLst>
+              <a:ext uri="{FF2B5EF4-FFF2-40B4-BE49-F238E27FC236}">
+                <a16:creationId xmlns:a16="http://schemas.microsoft.com/office/drawing/2014/main" id="{E6CF1763-7E2C-4742-8535-D0FC5F70ECF4}"/>
               </a:ext>
             </a:extLst>
           </p:cNvPr>
@@ -7906,27 +10177,114 @@
           <p:nvPr/>
         </p:nvPicPr>
         <p:blipFill>
-          <a:blip r:embed="rId3"/>
+          <a:blip r:embed="rId2">
+            <a:extLst>
+              <a:ext uri="{28A0092B-C50C-407E-A947-70E740481C1C}">
+                <a14:useLocalDpi xmlns:a14="http://schemas.microsoft.com/office/drawing/2010/main" val="0"/>
+              </a:ext>
+              <a:ext uri="{96DAC541-7B7A-43D3-8B79-37D633B846F1}">
+                <asvg:svgBlip xmlns:asvg="http://schemas.microsoft.com/office/drawing/2016/SVG/main" r:embed="rId3"/>
+              </a:ext>
+            </a:extLst>
+          </a:blip>
           <a:stretch>
             <a:fillRect/>
           </a:stretch>
         </p:blipFill>
         <p:spPr>
-          <a:xfrm>
-            <a:off x="4694408" y="193116"/>
-            <a:ext cx="2240968" cy="511971"/>
+          <a:xfrm rot="11834986">
+            <a:off x="4885647" y="1122299"/>
+            <a:ext cx="574598" cy="574598"/>
           </a:xfrm>
           <a:prstGeom prst="rect">
             <a:avLst/>
           </a:prstGeom>
         </p:spPr>
       </p:pic>
-      <p:sp>
-        <p:nvSpPr>
-          <p:cNvPr id="19" name="TextBox 18">
-            <a:extLst>
-              <a:ext uri="{FF2B5EF4-FFF2-40B4-BE49-F238E27FC236}">
-                <a16:creationId xmlns:a16="http://schemas.microsoft.com/office/drawing/2014/main" id="{11C680FD-5493-492B-837C-AADD72BDABB9}"/>
+      <p:pic>
+        <p:nvPicPr>
+          <p:cNvPr id="25" name="Graphic 24" descr="Arrow Counterclockwise curve">
+            <a:extLst>
+              <a:ext uri="{FF2B5EF4-FFF2-40B4-BE49-F238E27FC236}">
+                <a16:creationId xmlns:a16="http://schemas.microsoft.com/office/drawing/2014/main" id="{9BE56702-D198-4718-8081-D238E442AD72}"/>
+              </a:ext>
+            </a:extLst>
+          </p:cNvPr>
+          <p:cNvPicPr>
+            <a:picLocks noChangeAspect="1"/>
+          </p:cNvPicPr>
+          <p:nvPr/>
+        </p:nvPicPr>
+        <p:blipFill>
+          <a:blip r:embed="rId2">
+            <a:extLst>
+              <a:ext uri="{28A0092B-C50C-407E-A947-70E740481C1C}">
+                <a14:useLocalDpi xmlns:a14="http://schemas.microsoft.com/office/drawing/2010/main" val="0"/>
+              </a:ext>
+              <a:ext uri="{96DAC541-7B7A-43D3-8B79-37D633B846F1}">
+                <asvg:svgBlip xmlns:asvg="http://schemas.microsoft.com/office/drawing/2016/SVG/main" r:embed="rId3"/>
+              </a:ext>
+            </a:extLst>
+          </a:blip>
+          <a:stretch>
+            <a:fillRect/>
+          </a:stretch>
+        </p:blipFill>
+        <p:spPr>
+          <a:xfrm rot="11834986">
+            <a:off x="4887251" y="2751780"/>
+            <a:ext cx="574598" cy="574598"/>
+          </a:xfrm>
+          <a:prstGeom prst="rect">
+            <a:avLst/>
+          </a:prstGeom>
+        </p:spPr>
+      </p:pic>
+      <p:pic>
+        <p:nvPicPr>
+          <p:cNvPr id="26" name="Graphic 25" descr="Arrow Counterclockwise curve">
+            <a:extLst>
+              <a:ext uri="{FF2B5EF4-FFF2-40B4-BE49-F238E27FC236}">
+                <a16:creationId xmlns:a16="http://schemas.microsoft.com/office/drawing/2014/main" id="{4D6A06B3-431E-448A-9AC4-C01165EE3C87}"/>
+              </a:ext>
+            </a:extLst>
+          </p:cNvPr>
+          <p:cNvPicPr>
+            <a:picLocks noChangeAspect="1"/>
+          </p:cNvPicPr>
+          <p:nvPr/>
+        </p:nvPicPr>
+        <p:blipFill>
+          <a:blip r:embed="rId2">
+            <a:extLst>
+              <a:ext uri="{28A0092B-C50C-407E-A947-70E740481C1C}">
+                <a14:useLocalDpi xmlns:a14="http://schemas.microsoft.com/office/drawing/2010/main" val="0"/>
+              </a:ext>
+              <a:ext uri="{96DAC541-7B7A-43D3-8B79-37D633B846F1}">
+                <asvg:svgBlip xmlns:asvg="http://schemas.microsoft.com/office/drawing/2016/SVG/main" r:embed="rId3"/>
+              </a:ext>
+            </a:extLst>
+          </a:blip>
+          <a:stretch>
+            <a:fillRect/>
+          </a:stretch>
+        </p:blipFill>
+        <p:spPr>
+          <a:xfrm rot="11834986">
+            <a:off x="4885648" y="4612299"/>
+            <a:ext cx="574598" cy="574598"/>
+          </a:xfrm>
+          <a:prstGeom prst="rect">
+            <a:avLst/>
+          </a:prstGeom>
+        </p:spPr>
+      </p:pic>
+      <p:sp>
+        <p:nvSpPr>
+          <p:cNvPr id="29" name="TextBox 28">
+            <a:extLst>
+              <a:ext uri="{FF2B5EF4-FFF2-40B4-BE49-F238E27FC236}">
+                <a16:creationId xmlns:a16="http://schemas.microsoft.com/office/drawing/2014/main" id="{5F916358-E07A-4C5B-B924-DBAE905AB881}"/>
               </a:ext>
             </a:extLst>
           </p:cNvPr>
@@ -7935,8 +10293,8 @@
         </p:nvSpPr>
         <p:spPr>
           <a:xfrm>
-            <a:off x="8835096" y="1103756"/>
-            <a:ext cx="3172920" cy="646331"/>
+            <a:off x="8111195" y="527051"/>
+            <a:ext cx="3902671" cy="646331"/>
           </a:xfrm>
           <a:prstGeom prst="rect">
             <a:avLst/>
@@ -7955,19 +10313,35 @@
                   <a:schemeClr val="bg1"/>
                 </a:solidFill>
               </a:rPr>
-              <a:t>Creates the MongoDB Database</a:t>
-            </a:r>
-          </a:p>
-          <a:p>
-            <a:r>
-              <a:rPr lang="en-US" b="1" dirty="0" err="1">
+              <a:t>Extracted data exported into MongoDB </a:t>
+            </a:r>
+          </a:p>
+          <a:p>
+            <a:r>
+              <a:rPr lang="en-US" dirty="0">
                 <a:solidFill>
                   <a:schemeClr val="bg1"/>
                 </a:solidFill>
               </a:rPr>
-              <a:t>Taxi_Database</a:t>
-            </a:r>
-            <a:endParaRPr lang="en-IN" b="1" dirty="0">
+              <a:t>using </a:t>
+            </a:r>
+            <a:r>
+              <a:rPr lang="en-US" dirty="0" err="1">
+                <a:solidFill>
+                  <a:schemeClr val="bg1"/>
+                </a:solidFill>
+              </a:rPr>
+              <a:t>Pymongo</a:t>
+            </a:r>
+            <a:r>
+              <a:rPr lang="en-US" dirty="0">
+                <a:solidFill>
+                  <a:schemeClr val="bg1"/>
+                </a:solidFill>
+              </a:rPr>
+              <a:t> queries</a:t>
+            </a:r>
+            <a:endParaRPr lang="en-IN" dirty="0">
               <a:solidFill>
                 <a:schemeClr val="bg1"/>
               </a:solidFill>
@@ -7975,16 +10349,184 @@
           </a:p>
         </p:txBody>
       </p:sp>
+      <p:sp>
+        <p:nvSpPr>
+          <p:cNvPr id="30" name="TextBox 29">
+            <a:extLst>
+              <a:ext uri="{FF2B5EF4-FFF2-40B4-BE49-F238E27FC236}">
+                <a16:creationId xmlns:a16="http://schemas.microsoft.com/office/drawing/2014/main" id="{6F821BFA-AD0E-436F-A13D-E85AECE3AC12}"/>
+              </a:ext>
+            </a:extLst>
+          </p:cNvPr>
+          <p:cNvSpPr txBox="1"/>
+          <p:nvPr/>
+        </p:nvSpPr>
+        <p:spPr>
+          <a:xfrm>
+            <a:off x="8111196" y="2060270"/>
+            <a:ext cx="3944991" cy="369332"/>
+          </a:xfrm>
+          <a:prstGeom prst="rect">
+            <a:avLst/>
+          </a:prstGeom>
+          <a:noFill/>
+        </p:spPr>
+        <p:txBody>
+          <a:bodyPr wrap="none" rtlCol="0">
+            <a:spAutoFit/>
+          </a:bodyPr>
+          <a:lstStyle/>
+          <a:p>
+            <a:r>
+              <a:rPr lang="en-US" dirty="0">
+                <a:solidFill>
+                  <a:schemeClr val="bg1"/>
+                </a:solidFill>
+              </a:rPr>
+              <a:t>Data is now available for further queries</a:t>
+            </a:r>
+            <a:endParaRPr lang="en-IN" dirty="0">
+              <a:solidFill>
+                <a:schemeClr val="bg1"/>
+              </a:solidFill>
+            </a:endParaRPr>
+          </a:p>
+        </p:txBody>
+      </p:sp>
+      <p:sp>
+        <p:nvSpPr>
+          <p:cNvPr id="31" name="TextBox 30">
+            <a:extLst>
+              <a:ext uri="{FF2B5EF4-FFF2-40B4-BE49-F238E27FC236}">
+                <a16:creationId xmlns:a16="http://schemas.microsoft.com/office/drawing/2014/main" id="{70C33C69-7788-4D7B-9BA9-9FD81EEE8C0A}"/>
+              </a:ext>
+            </a:extLst>
+          </p:cNvPr>
+          <p:cNvSpPr txBox="1"/>
+          <p:nvPr/>
+        </p:nvSpPr>
+        <p:spPr>
+          <a:xfrm>
+            <a:off x="8111196" y="3825313"/>
+            <a:ext cx="3633495" cy="646331"/>
+          </a:xfrm>
+          <a:prstGeom prst="rect">
+            <a:avLst/>
+          </a:prstGeom>
+          <a:noFill/>
+        </p:spPr>
+        <p:txBody>
+          <a:bodyPr wrap="none" rtlCol="0">
+            <a:spAutoFit/>
+          </a:bodyPr>
+          <a:lstStyle/>
+          <a:p>
+            <a:r>
+              <a:rPr lang="en-US" dirty="0">
+                <a:solidFill>
+                  <a:schemeClr val="bg1"/>
+                </a:solidFill>
+              </a:rPr>
+              <a:t>Data gets queried through </a:t>
+            </a:r>
+            <a:r>
+              <a:rPr lang="en-US" dirty="0" err="1">
+                <a:solidFill>
+                  <a:schemeClr val="bg1"/>
+                </a:solidFill>
+              </a:rPr>
+              <a:t>Pymongo</a:t>
+            </a:r>
+            <a:r>
+              <a:rPr lang="en-US" dirty="0">
+                <a:solidFill>
+                  <a:schemeClr val="bg1"/>
+                </a:solidFill>
+              </a:rPr>
+              <a:t> </a:t>
+            </a:r>
+          </a:p>
+          <a:p>
+            <a:r>
+              <a:rPr lang="en-US" dirty="0">
+                <a:solidFill>
+                  <a:schemeClr val="bg1"/>
+                </a:solidFill>
+              </a:rPr>
+              <a:t>module</a:t>
+            </a:r>
+            <a:endParaRPr lang="en-IN" dirty="0">
+              <a:solidFill>
+                <a:schemeClr val="bg1"/>
+              </a:solidFill>
+            </a:endParaRPr>
+          </a:p>
+        </p:txBody>
+      </p:sp>
+      <p:sp>
+        <p:nvSpPr>
+          <p:cNvPr id="32" name="TextBox 31">
+            <a:extLst>
+              <a:ext uri="{FF2B5EF4-FFF2-40B4-BE49-F238E27FC236}">
+                <a16:creationId xmlns:a16="http://schemas.microsoft.com/office/drawing/2014/main" id="{329AABD5-9479-43D1-B5BF-D6BC6B35BC9D}"/>
+              </a:ext>
+            </a:extLst>
+          </p:cNvPr>
+          <p:cNvSpPr txBox="1"/>
+          <p:nvPr/>
+        </p:nvSpPr>
+        <p:spPr>
+          <a:xfrm>
+            <a:off x="8111195" y="5564200"/>
+            <a:ext cx="3456524" cy="369332"/>
+          </a:xfrm>
+          <a:prstGeom prst="rect">
+            <a:avLst/>
+          </a:prstGeom>
+          <a:noFill/>
+        </p:spPr>
+        <p:txBody>
+          <a:bodyPr wrap="none" rtlCol="0">
+            <a:spAutoFit/>
+          </a:bodyPr>
+          <a:lstStyle/>
+          <a:p>
+            <a:r>
+              <a:rPr lang="en-US" dirty="0">
+                <a:solidFill>
+                  <a:schemeClr val="bg1"/>
+                </a:solidFill>
+              </a:rPr>
+              <a:t>Extracted into a Pandas </a:t>
+            </a:r>
+            <a:r>
+              <a:rPr lang="en-US" dirty="0" err="1">
+                <a:solidFill>
+                  <a:schemeClr val="bg1"/>
+                </a:solidFill>
+              </a:rPr>
+              <a:t>DataFrame</a:t>
+            </a:r>
+            <a:endParaRPr lang="en-IN" dirty="0">
+              <a:solidFill>
+                <a:schemeClr val="bg1"/>
+              </a:solidFill>
+            </a:endParaRPr>
+          </a:p>
+        </p:txBody>
+      </p:sp>
       <p:pic>
         <p:nvPicPr>
-          <p:cNvPr id="20" name="Picture 19">
-            <a:extLst>
-              <a:ext uri="{FF2B5EF4-FFF2-40B4-BE49-F238E27FC236}">
-                <a16:creationId xmlns:a16="http://schemas.microsoft.com/office/drawing/2014/main" id="{BCB131F8-51FD-4CBE-8B33-EA5803A0931C}"/>
-              </a:ext>
-            </a:extLst>
-          </p:cNvPr>
-          <p:cNvPicPr/>
+          <p:cNvPr id="9" name="Picture 8">
+            <a:extLst>
+              <a:ext uri="{FF2B5EF4-FFF2-40B4-BE49-F238E27FC236}">
+                <a16:creationId xmlns:a16="http://schemas.microsoft.com/office/drawing/2014/main" id="{AC3B9C45-2CAC-4933-9636-2BF18764A419}"/>
+              </a:ext>
+            </a:extLst>
+          </p:cNvPr>
+          <p:cNvPicPr>
+            <a:picLocks noChangeAspect="1"/>
+          </p:cNvPicPr>
           <p:nvPr/>
         </p:nvPicPr>
         <p:blipFill>
@@ -7995,90 +10537,8 @@
         </p:blipFill>
         <p:spPr>
           <a:xfrm>
-            <a:off x="4694406" y="2316951"/>
-            <a:ext cx="4140689" cy="977900"/>
-          </a:xfrm>
-          <a:prstGeom prst="rect">
-            <a:avLst/>
-          </a:prstGeom>
-        </p:spPr>
-      </p:pic>
-      <p:sp>
-        <p:nvSpPr>
-          <p:cNvPr id="21" name="TextBox 20">
-            <a:extLst>
-              <a:ext uri="{FF2B5EF4-FFF2-40B4-BE49-F238E27FC236}">
-                <a16:creationId xmlns:a16="http://schemas.microsoft.com/office/drawing/2014/main" id="{C6337C12-010A-4D73-A880-C289A61971F2}"/>
-              </a:ext>
-            </a:extLst>
-          </p:cNvPr>
-          <p:cNvSpPr txBox="1"/>
-          <p:nvPr/>
-        </p:nvSpPr>
-        <p:spPr>
-          <a:xfrm>
-            <a:off x="8875205" y="2482735"/>
-            <a:ext cx="2925866" cy="646331"/>
-          </a:xfrm>
-          <a:prstGeom prst="rect">
-            <a:avLst/>
-          </a:prstGeom>
-          <a:noFill/>
-        </p:spPr>
-        <p:txBody>
-          <a:bodyPr wrap="none" rtlCol="0">
-            <a:spAutoFit/>
-          </a:bodyPr>
-          <a:lstStyle/>
-          <a:p>
-            <a:r>
-              <a:rPr lang="en-US" dirty="0">
-                <a:solidFill>
-                  <a:schemeClr val="bg1"/>
-                </a:solidFill>
-              </a:rPr>
-              <a:t>Creates the collection named</a:t>
-            </a:r>
-          </a:p>
-          <a:p>
-            <a:r>
-              <a:rPr lang="en-US" b="1" dirty="0">
-                <a:solidFill>
-                  <a:schemeClr val="bg1"/>
-                </a:solidFill>
-              </a:rPr>
-              <a:t>green_2015_data</a:t>
-            </a:r>
-            <a:endParaRPr lang="en-IN" b="1" dirty="0">
-              <a:solidFill>
-                <a:schemeClr val="bg1"/>
-              </a:solidFill>
-            </a:endParaRPr>
-          </a:p>
-        </p:txBody>
-      </p:sp>
-      <p:pic>
-        <p:nvPicPr>
-          <p:cNvPr id="22" name="Picture 21">
-            <a:extLst>
-              <a:ext uri="{FF2B5EF4-FFF2-40B4-BE49-F238E27FC236}">
-                <a16:creationId xmlns:a16="http://schemas.microsoft.com/office/drawing/2014/main" id="{2F66EEBB-BED5-4636-A7C4-04E8C114B130}"/>
-              </a:ext>
-            </a:extLst>
-          </p:cNvPr>
-          <p:cNvPicPr/>
-          <p:nvPr/>
-        </p:nvPicPr>
-        <p:blipFill>
-          <a:blip r:embed="rId5"/>
-          <a:stretch>
-            <a:fillRect/>
-          </a:stretch>
-        </p:blipFill>
-        <p:spPr>
-          <a:xfrm>
-            <a:off x="4694406" y="4425467"/>
-            <a:ext cx="7313610" cy="1985966"/>
+            <a:off x="5172946" y="604083"/>
+            <a:ext cx="2240968" cy="511971"/>
           </a:xfrm>
           <a:prstGeom prst="rect">
             <a:avLst/>
@@ -8087,10 +10547,10 @@
       </p:pic>
       <p:pic>
         <p:nvPicPr>
-          <p:cNvPr id="27" name="Picture 26" descr="A close up of a sign&#10;&#10;Description automatically generated">
-            <a:extLst>
-              <a:ext uri="{FF2B5EF4-FFF2-40B4-BE49-F238E27FC236}">
-                <a16:creationId xmlns:a16="http://schemas.microsoft.com/office/drawing/2014/main" id="{D87AE9AA-EF59-4E6C-9B46-48E1CFD6BA1F}"/>
+          <p:cNvPr id="14" name="Picture 13" descr="A close up of a sign&#10;&#10;Description automatically generated">
+            <a:extLst>
+              <a:ext uri="{FF2B5EF4-FFF2-40B4-BE49-F238E27FC236}">
+                <a16:creationId xmlns:a16="http://schemas.microsoft.com/office/drawing/2014/main" id="{2BFEEAF5-B0F8-41C8-8D84-460B28C1EDA4}"/>
               </a:ext>
             </a:extLst>
           </p:cNvPr>
@@ -8100,7 +10560,7 @@
           <p:nvPr/>
         </p:nvPicPr>
         <p:blipFill>
-          <a:blip r:embed="rId6">
+          <a:blip r:embed="rId5">
             <a:extLst>
               <a:ext uri="{28A0092B-C50C-407E-A947-70E740481C1C}">
                 <a14:useLocalDpi xmlns:a14="http://schemas.microsoft.com/office/drawing/2010/main" val="0"/>
@@ -8113,8 +10573,98 @@
         </p:blipFill>
         <p:spPr>
           <a:xfrm>
-            <a:off x="4694406" y="3615189"/>
+            <a:off x="5172945" y="1903202"/>
             <a:ext cx="2240969" cy="682682"/>
+          </a:xfrm>
+          <a:prstGeom prst="rect">
+            <a:avLst/>
+          </a:prstGeom>
+        </p:spPr>
+      </p:pic>
+      <p:pic>
+        <p:nvPicPr>
+          <p:cNvPr id="23" name="Picture 22">
+            <a:extLst>
+              <a:ext uri="{FF2B5EF4-FFF2-40B4-BE49-F238E27FC236}">
+                <a16:creationId xmlns:a16="http://schemas.microsoft.com/office/drawing/2014/main" id="{23076407-FE8F-42C5-8BA6-1FEA6F80C4B4}"/>
+              </a:ext>
+            </a:extLst>
+          </p:cNvPr>
+          <p:cNvPicPr>
+            <a:picLocks noChangeAspect="1"/>
+          </p:cNvPicPr>
+          <p:nvPr/>
+        </p:nvPicPr>
+        <p:blipFill>
+          <a:blip r:embed="rId4"/>
+          <a:stretch>
+            <a:fillRect/>
+          </a:stretch>
+        </p:blipFill>
+        <p:spPr>
+          <a:xfrm>
+            <a:off x="5172946" y="3753993"/>
+            <a:ext cx="2240968" cy="511971"/>
+          </a:xfrm>
+          <a:prstGeom prst="rect">
+            <a:avLst/>
+          </a:prstGeom>
+        </p:spPr>
+      </p:pic>
+      <p:pic>
+        <p:nvPicPr>
+          <p:cNvPr id="38" name="Picture 37">
+            <a:extLst>
+              <a:ext uri="{FF2B5EF4-FFF2-40B4-BE49-F238E27FC236}">
+                <a16:creationId xmlns:a16="http://schemas.microsoft.com/office/drawing/2014/main" id="{1FC854AF-E457-4B7F-9197-D1F1F6F3A5B3}"/>
+              </a:ext>
+            </a:extLst>
+          </p:cNvPr>
+          <p:cNvPicPr>
+            <a:picLocks noChangeAspect="1"/>
+          </p:cNvPicPr>
+          <p:nvPr/>
+        </p:nvPicPr>
+        <p:blipFill>
+          <a:blip r:embed="rId6"/>
+          <a:stretch>
+            <a:fillRect/>
+          </a:stretch>
+        </p:blipFill>
+        <p:spPr>
+          <a:xfrm>
+            <a:off x="5172945" y="5641772"/>
+            <a:ext cx="2364761" cy="369333"/>
+          </a:xfrm>
+          <a:prstGeom prst="rect">
+            <a:avLst/>
+          </a:prstGeom>
+        </p:spPr>
+      </p:pic>
+      <p:pic>
+        <p:nvPicPr>
+          <p:cNvPr id="39" name="Picture 38">
+            <a:extLst>
+              <a:ext uri="{FF2B5EF4-FFF2-40B4-BE49-F238E27FC236}">
+                <a16:creationId xmlns:a16="http://schemas.microsoft.com/office/drawing/2014/main" id="{4A4A8D55-8E40-4959-8E58-B8BFC1D79F7C}"/>
+              </a:ext>
+            </a:extLst>
+          </p:cNvPr>
+          <p:cNvPicPr>
+            <a:picLocks noChangeAspect="1"/>
+          </p:cNvPicPr>
+          <p:nvPr/>
+        </p:nvPicPr>
+        <p:blipFill>
+          <a:blip r:embed="rId7"/>
+          <a:stretch>
+            <a:fillRect/>
+          </a:stretch>
+        </p:blipFill>
+        <p:spPr>
+          <a:xfrm>
+            <a:off x="5172945" y="5212269"/>
+            <a:ext cx="2364761" cy="444936"/>
           </a:xfrm>
           <a:prstGeom prst="rect">
             <a:avLst/>
@@ -8124,20 +10674,20 @@
     </p:spTree>
     <p:extLst>
       <p:ext uri="{BB962C8B-B14F-4D97-AF65-F5344CB8AC3E}">
-        <p14:creationId xmlns:p14="http://schemas.microsoft.com/office/powerpoint/2010/main" val="1715981821"/>
+        <p14:creationId xmlns:p14="http://schemas.microsoft.com/office/powerpoint/2010/main" val="1193470589"/>
       </p:ext>
     </p:extLst>
   </p:cSld>
   <p:clrMapOvr>
     <a:overrideClrMapping bg1="dk1" tx1="lt1" bg2="dk2" tx2="lt2" accent1="accent1" accent2="accent2" accent3="accent3" accent4="accent4" accent5="accent5" accent6="accent6" hlink="hlink" folHlink="folHlink"/>
   </p:clrMapOvr>
-  <mc:AlternateContent xmlns:mc="http://schemas.openxmlformats.org/markup-compatibility/2006">
-    <mc:Choice xmlns:p159="http://schemas.microsoft.com/office/powerpoint/2015/09/main" Requires="p159">
+  <mc:AlternateContent xmlns:mc="http://schemas.openxmlformats.org/markup-compatibility/2006" xmlns:p159="http://schemas.microsoft.com/office/powerpoint/2015/09/main">
+    <mc:Choice Requires="p159">
       <p:transition xmlns:p14="http://schemas.microsoft.com/office/powerpoint/2010/main" spd="slow" p14:dur="2000">
         <p159:morph option="byObject"/>
       </p:transition>
     </mc:Choice>
-    <mc:Fallback>
+    <mc:Fallback xmlns="">
       <p:transition spd="slow">
         <p:fade/>
       </p:transition>
@@ -8277,34 +10827,26 @@
       </p:sp>
       <p:pic>
         <p:nvPicPr>
-          <p:cNvPr id="27" name="Picture 26" descr="A close up of a sign&#10;&#10;Description automatically generated">
-            <a:extLst>
-              <a:ext uri="{FF2B5EF4-FFF2-40B4-BE49-F238E27FC236}">
-                <a16:creationId xmlns:a16="http://schemas.microsoft.com/office/drawing/2014/main" id="{D87AE9AA-EF59-4E6C-9B46-48E1CFD6BA1F}"/>
-              </a:ext>
-            </a:extLst>
-          </p:cNvPr>
-          <p:cNvPicPr>
-            <a:picLocks noChangeAspect="1"/>
-          </p:cNvPicPr>
+          <p:cNvPr id="17" name="Picture 16">
+            <a:extLst>
+              <a:ext uri="{FF2B5EF4-FFF2-40B4-BE49-F238E27FC236}">
+                <a16:creationId xmlns:a16="http://schemas.microsoft.com/office/drawing/2014/main" id="{E30C2D48-A753-4091-BEA7-2BB9D7347933}"/>
+              </a:ext>
+            </a:extLst>
+          </p:cNvPr>
+          <p:cNvPicPr/>
           <p:nvPr/>
         </p:nvPicPr>
         <p:blipFill>
-          <a:blip r:embed="rId2">
-            <a:extLst>
-              <a:ext uri="{28A0092B-C50C-407E-A947-70E740481C1C}">
-                <a14:useLocalDpi xmlns:a14="http://schemas.microsoft.com/office/drawing/2010/main" val="0"/>
-              </a:ext>
-            </a:extLst>
-          </a:blip>
+          <a:blip r:embed="rId2"/>
           <a:stretch>
             <a:fillRect/>
           </a:stretch>
         </p:blipFill>
         <p:spPr>
           <a:xfrm>
-            <a:off x="4694406" y="0"/>
-            <a:ext cx="2240969" cy="682682"/>
+            <a:off x="4694407" y="705086"/>
+            <a:ext cx="4140689" cy="1525365"/>
           </a:xfrm>
           <a:prstGeom prst="rect">
             <a:avLst/>
@@ -8313,14 +10855,16 @@
       </p:pic>
       <p:pic>
         <p:nvPicPr>
-          <p:cNvPr id="11" name="Picture 10">
-            <a:extLst>
-              <a:ext uri="{FF2B5EF4-FFF2-40B4-BE49-F238E27FC236}">
-                <a16:creationId xmlns:a16="http://schemas.microsoft.com/office/drawing/2014/main" id="{D64CF7B3-1F97-4E3C-8EA2-90C98F4537C9}"/>
-              </a:ext>
-            </a:extLst>
-          </p:cNvPr>
-          <p:cNvPicPr/>
+          <p:cNvPr id="18" name="Picture 17">
+            <a:extLst>
+              <a:ext uri="{FF2B5EF4-FFF2-40B4-BE49-F238E27FC236}">
+                <a16:creationId xmlns:a16="http://schemas.microsoft.com/office/drawing/2014/main" id="{19711356-0B82-4154-85A9-8007AFC17EA6}"/>
+              </a:ext>
+            </a:extLst>
+          </p:cNvPr>
+          <p:cNvPicPr>
+            <a:picLocks noChangeAspect="1"/>
+          </p:cNvPicPr>
           <p:nvPr/>
         </p:nvPicPr>
         <p:blipFill>
@@ -8331,8 +10875,208 @@
         </p:blipFill>
         <p:spPr>
           <a:xfrm>
-            <a:off x="4694406" y="961286"/>
-            <a:ext cx="7497594" cy="4759030"/>
+            <a:off x="4694408" y="193116"/>
+            <a:ext cx="2240968" cy="511971"/>
+          </a:xfrm>
+          <a:prstGeom prst="rect">
+            <a:avLst/>
+          </a:prstGeom>
+        </p:spPr>
+      </p:pic>
+      <p:sp>
+        <p:nvSpPr>
+          <p:cNvPr id="19" name="TextBox 18">
+            <a:extLst>
+              <a:ext uri="{FF2B5EF4-FFF2-40B4-BE49-F238E27FC236}">
+                <a16:creationId xmlns:a16="http://schemas.microsoft.com/office/drawing/2014/main" id="{11C680FD-5493-492B-837C-AADD72BDABB9}"/>
+              </a:ext>
+            </a:extLst>
+          </p:cNvPr>
+          <p:cNvSpPr txBox="1"/>
+          <p:nvPr/>
+        </p:nvSpPr>
+        <p:spPr>
+          <a:xfrm>
+            <a:off x="8835096" y="1103756"/>
+            <a:ext cx="3172920" cy="646331"/>
+          </a:xfrm>
+          <a:prstGeom prst="rect">
+            <a:avLst/>
+          </a:prstGeom>
+          <a:noFill/>
+        </p:spPr>
+        <p:txBody>
+          <a:bodyPr wrap="none" rtlCol="0">
+            <a:spAutoFit/>
+          </a:bodyPr>
+          <a:lstStyle/>
+          <a:p>
+            <a:r>
+              <a:rPr lang="en-US" dirty="0">
+                <a:solidFill>
+                  <a:schemeClr val="bg1"/>
+                </a:solidFill>
+              </a:rPr>
+              <a:t>Creates the MongoDB Database</a:t>
+            </a:r>
+          </a:p>
+          <a:p>
+            <a:r>
+              <a:rPr lang="en-US" b="1" dirty="0" err="1">
+                <a:solidFill>
+                  <a:schemeClr val="bg1"/>
+                </a:solidFill>
+              </a:rPr>
+              <a:t>Taxi_Database</a:t>
+            </a:r>
+            <a:endParaRPr lang="en-IN" b="1" dirty="0">
+              <a:solidFill>
+                <a:schemeClr val="bg1"/>
+              </a:solidFill>
+            </a:endParaRPr>
+          </a:p>
+        </p:txBody>
+      </p:sp>
+      <p:pic>
+        <p:nvPicPr>
+          <p:cNvPr id="20" name="Picture 19">
+            <a:extLst>
+              <a:ext uri="{FF2B5EF4-FFF2-40B4-BE49-F238E27FC236}">
+                <a16:creationId xmlns:a16="http://schemas.microsoft.com/office/drawing/2014/main" id="{BCB131F8-51FD-4CBE-8B33-EA5803A0931C}"/>
+              </a:ext>
+            </a:extLst>
+          </p:cNvPr>
+          <p:cNvPicPr/>
+          <p:nvPr/>
+        </p:nvPicPr>
+        <p:blipFill>
+          <a:blip r:embed="rId4"/>
+          <a:stretch>
+            <a:fillRect/>
+          </a:stretch>
+        </p:blipFill>
+        <p:spPr>
+          <a:xfrm>
+            <a:off x="4694406" y="2316951"/>
+            <a:ext cx="4140689" cy="977900"/>
+          </a:xfrm>
+          <a:prstGeom prst="rect">
+            <a:avLst/>
+          </a:prstGeom>
+        </p:spPr>
+      </p:pic>
+      <p:sp>
+        <p:nvSpPr>
+          <p:cNvPr id="21" name="TextBox 20">
+            <a:extLst>
+              <a:ext uri="{FF2B5EF4-FFF2-40B4-BE49-F238E27FC236}">
+                <a16:creationId xmlns:a16="http://schemas.microsoft.com/office/drawing/2014/main" id="{C6337C12-010A-4D73-A880-C289A61971F2}"/>
+              </a:ext>
+            </a:extLst>
+          </p:cNvPr>
+          <p:cNvSpPr txBox="1"/>
+          <p:nvPr/>
+        </p:nvSpPr>
+        <p:spPr>
+          <a:xfrm>
+            <a:off x="8875205" y="2482735"/>
+            <a:ext cx="2925866" cy="646331"/>
+          </a:xfrm>
+          <a:prstGeom prst="rect">
+            <a:avLst/>
+          </a:prstGeom>
+          <a:noFill/>
+        </p:spPr>
+        <p:txBody>
+          <a:bodyPr wrap="none" rtlCol="0">
+            <a:spAutoFit/>
+          </a:bodyPr>
+          <a:lstStyle/>
+          <a:p>
+            <a:r>
+              <a:rPr lang="en-US" dirty="0">
+                <a:solidFill>
+                  <a:schemeClr val="bg1"/>
+                </a:solidFill>
+              </a:rPr>
+              <a:t>Creates the collection named</a:t>
+            </a:r>
+          </a:p>
+          <a:p>
+            <a:r>
+              <a:rPr lang="en-US" b="1" dirty="0">
+                <a:solidFill>
+                  <a:schemeClr val="bg1"/>
+                </a:solidFill>
+              </a:rPr>
+              <a:t>green_2015_data</a:t>
+            </a:r>
+            <a:endParaRPr lang="en-IN" b="1" dirty="0">
+              <a:solidFill>
+                <a:schemeClr val="bg1"/>
+              </a:solidFill>
+            </a:endParaRPr>
+          </a:p>
+        </p:txBody>
+      </p:sp>
+      <p:pic>
+        <p:nvPicPr>
+          <p:cNvPr id="22" name="Picture 21">
+            <a:extLst>
+              <a:ext uri="{FF2B5EF4-FFF2-40B4-BE49-F238E27FC236}">
+                <a16:creationId xmlns:a16="http://schemas.microsoft.com/office/drawing/2014/main" id="{2F66EEBB-BED5-4636-A7C4-04E8C114B130}"/>
+              </a:ext>
+            </a:extLst>
+          </p:cNvPr>
+          <p:cNvPicPr/>
+          <p:nvPr/>
+        </p:nvPicPr>
+        <p:blipFill>
+          <a:blip r:embed="rId5"/>
+          <a:stretch>
+            <a:fillRect/>
+          </a:stretch>
+        </p:blipFill>
+        <p:spPr>
+          <a:xfrm>
+            <a:off x="4694406" y="4425467"/>
+            <a:ext cx="7313610" cy="1985966"/>
+          </a:xfrm>
+          <a:prstGeom prst="rect">
+            <a:avLst/>
+          </a:prstGeom>
+        </p:spPr>
+      </p:pic>
+      <p:pic>
+        <p:nvPicPr>
+          <p:cNvPr id="27" name="Picture 26" descr="A close up of a sign&#10;&#10;Description automatically generated">
+            <a:extLst>
+              <a:ext uri="{FF2B5EF4-FFF2-40B4-BE49-F238E27FC236}">
+                <a16:creationId xmlns:a16="http://schemas.microsoft.com/office/drawing/2014/main" id="{D87AE9AA-EF59-4E6C-9B46-48E1CFD6BA1F}"/>
+              </a:ext>
+            </a:extLst>
+          </p:cNvPr>
+          <p:cNvPicPr>
+            <a:picLocks noChangeAspect="1"/>
+          </p:cNvPicPr>
+          <p:nvPr/>
+        </p:nvPicPr>
+        <p:blipFill>
+          <a:blip r:embed="rId6">
+            <a:extLst>
+              <a:ext uri="{28A0092B-C50C-407E-A947-70E740481C1C}">
+                <a14:useLocalDpi xmlns:a14="http://schemas.microsoft.com/office/drawing/2010/main" val="0"/>
+              </a:ext>
+            </a:extLst>
+          </a:blip>
+          <a:stretch>
+            <a:fillRect/>
+          </a:stretch>
+        </p:blipFill>
+        <p:spPr>
+          <a:xfrm>
+            <a:off x="4694406" y="3615189"/>
+            <a:ext cx="2240969" cy="682682"/>
           </a:xfrm>
           <a:prstGeom prst="rect">
             <a:avLst/>
@@ -8342,20 +11086,20 @@
     </p:spTree>
     <p:extLst>
       <p:ext uri="{BB962C8B-B14F-4D97-AF65-F5344CB8AC3E}">
-        <p14:creationId xmlns:p14="http://schemas.microsoft.com/office/powerpoint/2010/main" val="787394916"/>
+        <p14:creationId xmlns:p14="http://schemas.microsoft.com/office/powerpoint/2010/main" val="1715981821"/>
       </p:ext>
     </p:extLst>
   </p:cSld>
   <p:clrMapOvr>
     <a:overrideClrMapping bg1="dk1" tx1="lt1" bg2="dk2" tx2="lt2" accent1="accent1" accent2="accent2" accent3="accent3" accent4="accent4" accent5="accent5" accent6="accent6" hlink="hlink" folHlink="folHlink"/>
   </p:clrMapOvr>
-  <mc:AlternateContent xmlns:mc="http://schemas.openxmlformats.org/markup-compatibility/2006">
-    <mc:Choice xmlns:p159="http://schemas.microsoft.com/office/powerpoint/2015/09/main" Requires="p159">
+  <mc:AlternateContent xmlns:mc="http://schemas.openxmlformats.org/markup-compatibility/2006" xmlns:p159="http://schemas.microsoft.com/office/powerpoint/2015/09/main">
+    <mc:Choice Requires="p159">
       <p:transition xmlns:p14="http://schemas.microsoft.com/office/powerpoint/2010/main" spd="slow" p14:dur="2000">
         <p159:morph option="byObject"/>
       </p:transition>
     </mc:Choice>
-    <mc:Fallback>
+    <mc:Fallback xmlns="">
       <p:transition spd="slow">
         <p:fade/>
       </p:transition>
@@ -8487,7 +11231,7 @@
             <a:pPr algn="ctr"/>
             <a:r>
               <a:rPr lang="en-US" sz="2800" dirty="0"/>
-              <a:t>Processing</a:t>
+              <a:t>Storage</a:t>
             </a:r>
             <a:endParaRPr lang="en-IN" sz="2800" dirty="0"/>
           </a:p>
@@ -8495,10 +11239,10 @@
       </p:sp>
       <p:pic>
         <p:nvPicPr>
-          <p:cNvPr id="24" name="Graphic 23" descr="Arrow Counterclockwise curve">
-            <a:extLst>
-              <a:ext uri="{FF2B5EF4-FFF2-40B4-BE49-F238E27FC236}">
-                <a16:creationId xmlns:a16="http://schemas.microsoft.com/office/drawing/2014/main" id="{E6CF1763-7E2C-4742-8535-D0FC5F70ECF4}"/>
+          <p:cNvPr id="27" name="Picture 26" descr="A close up of a sign&#10;&#10;Description automatically generated">
+            <a:extLst>
+              <a:ext uri="{FF2B5EF4-FFF2-40B4-BE49-F238E27FC236}">
+                <a16:creationId xmlns:a16="http://schemas.microsoft.com/office/drawing/2014/main" id="{D87AE9AA-EF59-4E6C-9B46-48E1CFD6BA1F}"/>
               </a:ext>
             </a:extLst>
           </p:cNvPr>
@@ -8513,9 +11257,6 @@
               <a:ext uri="{28A0092B-C50C-407E-A947-70E740481C1C}">
                 <a14:useLocalDpi xmlns:a14="http://schemas.microsoft.com/office/drawing/2010/main" val="0"/>
               </a:ext>
-              <a:ext uri="{96DAC541-7B7A-43D3-8B79-37D633B846F1}">
-                <asvg:svgBlip xmlns:asvg="http://schemas.microsoft.com/office/drawing/2016/SVG/main" r:embed="rId3"/>
-              </a:ext>
             </a:extLst>
           </a:blip>
           <a:stretch>
@@ -8523,9 +11264,9 @@
           </a:stretch>
         </p:blipFill>
         <p:spPr>
-          <a:xfrm rot="11834986">
-            <a:off x="4885647" y="1122299"/>
-            <a:ext cx="574598" cy="574598"/>
+          <a:xfrm>
+            <a:off x="4694406" y="0"/>
+            <a:ext cx="2240969" cy="682682"/>
           </a:xfrm>
           <a:prstGeom prst="rect">
             <a:avLst/>
@@ -8534,372 +11275,26 @@
       </p:pic>
       <p:pic>
         <p:nvPicPr>
-          <p:cNvPr id="25" name="Graphic 24" descr="Arrow Counterclockwise curve">
-            <a:extLst>
-              <a:ext uri="{FF2B5EF4-FFF2-40B4-BE49-F238E27FC236}">
-                <a16:creationId xmlns:a16="http://schemas.microsoft.com/office/drawing/2014/main" id="{9BE56702-D198-4718-8081-D238E442AD72}"/>
-              </a:ext>
-            </a:extLst>
-          </p:cNvPr>
-          <p:cNvPicPr>
-            <a:picLocks noChangeAspect="1"/>
-          </p:cNvPicPr>
+          <p:cNvPr id="11" name="Picture 10">
+            <a:extLst>
+              <a:ext uri="{FF2B5EF4-FFF2-40B4-BE49-F238E27FC236}">
+                <a16:creationId xmlns:a16="http://schemas.microsoft.com/office/drawing/2014/main" id="{D64CF7B3-1F97-4E3C-8EA2-90C98F4537C9}"/>
+              </a:ext>
+            </a:extLst>
+          </p:cNvPr>
+          <p:cNvPicPr/>
           <p:nvPr/>
         </p:nvPicPr>
         <p:blipFill>
-          <a:blip r:embed="rId2">
-            <a:extLst>
-              <a:ext uri="{28A0092B-C50C-407E-A947-70E740481C1C}">
-                <a14:useLocalDpi xmlns:a14="http://schemas.microsoft.com/office/drawing/2010/main" val="0"/>
-              </a:ext>
-              <a:ext uri="{96DAC541-7B7A-43D3-8B79-37D633B846F1}">
-                <asvg:svgBlip xmlns:asvg="http://schemas.microsoft.com/office/drawing/2016/SVG/main" r:embed="rId3"/>
-              </a:ext>
-            </a:extLst>
-          </a:blip>
+          <a:blip r:embed="rId3"/>
           <a:stretch>
             <a:fillRect/>
           </a:stretch>
         </p:blipFill>
         <p:spPr>
-          <a:xfrm rot="11834986">
-            <a:off x="4887251" y="2751780"/>
-            <a:ext cx="574598" cy="574598"/>
-          </a:xfrm>
-          <a:prstGeom prst="rect">
-            <a:avLst/>
-          </a:prstGeom>
-        </p:spPr>
-      </p:pic>
-      <p:pic>
-        <p:nvPicPr>
-          <p:cNvPr id="26" name="Graphic 25" descr="Arrow Counterclockwise curve">
-            <a:extLst>
-              <a:ext uri="{FF2B5EF4-FFF2-40B4-BE49-F238E27FC236}">
-                <a16:creationId xmlns:a16="http://schemas.microsoft.com/office/drawing/2014/main" id="{4D6A06B3-431E-448A-9AC4-C01165EE3C87}"/>
-              </a:ext>
-            </a:extLst>
-          </p:cNvPr>
-          <p:cNvPicPr>
-            <a:picLocks noChangeAspect="1"/>
-          </p:cNvPicPr>
-          <p:nvPr/>
-        </p:nvPicPr>
-        <p:blipFill>
-          <a:blip r:embed="rId2">
-            <a:extLst>
-              <a:ext uri="{28A0092B-C50C-407E-A947-70E740481C1C}">
-                <a14:useLocalDpi xmlns:a14="http://schemas.microsoft.com/office/drawing/2010/main" val="0"/>
-              </a:ext>
-              <a:ext uri="{96DAC541-7B7A-43D3-8B79-37D633B846F1}">
-                <asvg:svgBlip xmlns:asvg="http://schemas.microsoft.com/office/drawing/2016/SVG/main" r:embed="rId3"/>
-              </a:ext>
-            </a:extLst>
-          </a:blip>
-          <a:stretch>
-            <a:fillRect/>
-          </a:stretch>
-        </p:blipFill>
-        <p:spPr>
-          <a:xfrm rot="11834986">
-            <a:off x="4885648" y="4612299"/>
-            <a:ext cx="574598" cy="574598"/>
-          </a:xfrm>
-          <a:prstGeom prst="rect">
-            <a:avLst/>
-          </a:prstGeom>
-        </p:spPr>
-      </p:pic>
-      <p:sp>
-        <p:nvSpPr>
-          <p:cNvPr id="29" name="TextBox 28">
-            <a:extLst>
-              <a:ext uri="{FF2B5EF4-FFF2-40B4-BE49-F238E27FC236}">
-                <a16:creationId xmlns:a16="http://schemas.microsoft.com/office/drawing/2014/main" id="{5F916358-E07A-4C5B-B924-DBAE905AB881}"/>
-              </a:ext>
-            </a:extLst>
-          </p:cNvPr>
-          <p:cNvSpPr txBox="1"/>
-          <p:nvPr/>
-        </p:nvSpPr>
-        <p:spPr>
-          <a:xfrm>
-            <a:off x="8111195" y="527051"/>
-            <a:ext cx="3086935" cy="646331"/>
-          </a:xfrm>
-          <a:prstGeom prst="rect">
-            <a:avLst/>
-          </a:prstGeom>
-          <a:noFill/>
-        </p:spPr>
-        <p:txBody>
-          <a:bodyPr wrap="none" rtlCol="0">
-            <a:spAutoFit/>
-          </a:bodyPr>
-          <a:lstStyle/>
-          <a:p>
-            <a:r>
-              <a:rPr lang="en-US" dirty="0">
-                <a:solidFill>
-                  <a:schemeClr val="bg1"/>
-                </a:solidFill>
-              </a:rPr>
-              <a:t>Extracted data from MongoDB </a:t>
-            </a:r>
-          </a:p>
-          <a:p>
-            <a:r>
-              <a:rPr lang="en-US" dirty="0">
-                <a:solidFill>
-                  <a:schemeClr val="bg1"/>
-                </a:solidFill>
-              </a:rPr>
-              <a:t>using </a:t>
-            </a:r>
-            <a:r>
-              <a:rPr lang="en-US" dirty="0" err="1">
-                <a:solidFill>
-                  <a:schemeClr val="bg1"/>
-                </a:solidFill>
-              </a:rPr>
-              <a:t>Pymongo</a:t>
-            </a:r>
-            <a:r>
-              <a:rPr lang="en-US" dirty="0">
-                <a:solidFill>
-                  <a:schemeClr val="bg1"/>
-                </a:solidFill>
-              </a:rPr>
-              <a:t> queries</a:t>
-            </a:r>
-            <a:endParaRPr lang="en-IN" dirty="0">
-              <a:solidFill>
-                <a:schemeClr val="bg1"/>
-              </a:solidFill>
-            </a:endParaRPr>
-          </a:p>
-        </p:txBody>
-      </p:sp>
-      <p:sp>
-        <p:nvSpPr>
-          <p:cNvPr id="30" name="TextBox 29">
-            <a:extLst>
-              <a:ext uri="{FF2B5EF4-FFF2-40B4-BE49-F238E27FC236}">
-                <a16:creationId xmlns:a16="http://schemas.microsoft.com/office/drawing/2014/main" id="{6F821BFA-AD0E-436F-A13D-E85AECE3AC12}"/>
-              </a:ext>
-            </a:extLst>
-          </p:cNvPr>
-          <p:cNvSpPr txBox="1"/>
-          <p:nvPr/>
-        </p:nvSpPr>
-        <p:spPr>
-          <a:xfrm>
-            <a:off x="8111196" y="2060270"/>
-            <a:ext cx="3944991" cy="369332"/>
-          </a:xfrm>
-          <a:prstGeom prst="rect">
-            <a:avLst/>
-          </a:prstGeom>
-          <a:noFill/>
-        </p:spPr>
-        <p:txBody>
-          <a:bodyPr wrap="none" rtlCol="0">
-            <a:spAutoFit/>
-          </a:bodyPr>
-          <a:lstStyle/>
-          <a:p>
-            <a:r>
-              <a:rPr lang="en-US" dirty="0">
-                <a:solidFill>
-                  <a:schemeClr val="bg1"/>
-                </a:solidFill>
-              </a:rPr>
-              <a:t>Data is now available for further queries</a:t>
-            </a:r>
-            <a:endParaRPr lang="en-IN" dirty="0">
-              <a:solidFill>
-                <a:schemeClr val="bg1"/>
-              </a:solidFill>
-            </a:endParaRPr>
-          </a:p>
-        </p:txBody>
-      </p:sp>
-      <p:sp>
-        <p:nvSpPr>
-          <p:cNvPr id="31" name="TextBox 30">
-            <a:extLst>
-              <a:ext uri="{FF2B5EF4-FFF2-40B4-BE49-F238E27FC236}">
-                <a16:creationId xmlns:a16="http://schemas.microsoft.com/office/drawing/2014/main" id="{70C33C69-7788-4D7B-9BA9-9FD81EEE8C0A}"/>
-              </a:ext>
-            </a:extLst>
-          </p:cNvPr>
-          <p:cNvSpPr txBox="1"/>
-          <p:nvPr/>
-        </p:nvSpPr>
-        <p:spPr>
-          <a:xfrm>
-            <a:off x="8111196" y="3825313"/>
-            <a:ext cx="3633495" cy="646331"/>
-          </a:xfrm>
-          <a:prstGeom prst="rect">
-            <a:avLst/>
-          </a:prstGeom>
-          <a:noFill/>
-        </p:spPr>
-        <p:txBody>
-          <a:bodyPr wrap="none" rtlCol="0">
-            <a:spAutoFit/>
-          </a:bodyPr>
-          <a:lstStyle/>
-          <a:p>
-            <a:r>
-              <a:rPr lang="en-US" dirty="0">
-                <a:solidFill>
-                  <a:schemeClr val="bg1"/>
-                </a:solidFill>
-              </a:rPr>
-              <a:t>Data gets queried through </a:t>
-            </a:r>
-            <a:r>
-              <a:rPr lang="en-US" dirty="0" err="1">
-                <a:solidFill>
-                  <a:schemeClr val="bg1"/>
-                </a:solidFill>
-              </a:rPr>
-              <a:t>Pymongo</a:t>
-            </a:r>
-            <a:r>
-              <a:rPr lang="en-US" dirty="0">
-                <a:solidFill>
-                  <a:schemeClr val="bg1"/>
-                </a:solidFill>
-              </a:rPr>
-              <a:t> </a:t>
-            </a:r>
-          </a:p>
-          <a:p>
-            <a:r>
-              <a:rPr lang="en-US" dirty="0">
-                <a:solidFill>
-                  <a:schemeClr val="bg1"/>
-                </a:solidFill>
-              </a:rPr>
-              <a:t>module</a:t>
-            </a:r>
-            <a:endParaRPr lang="en-IN" dirty="0">
-              <a:solidFill>
-                <a:schemeClr val="bg1"/>
-              </a:solidFill>
-            </a:endParaRPr>
-          </a:p>
-        </p:txBody>
-      </p:sp>
-      <p:sp>
-        <p:nvSpPr>
-          <p:cNvPr id="32" name="TextBox 31">
-            <a:extLst>
-              <a:ext uri="{FF2B5EF4-FFF2-40B4-BE49-F238E27FC236}">
-                <a16:creationId xmlns:a16="http://schemas.microsoft.com/office/drawing/2014/main" id="{329AABD5-9479-43D1-B5BF-D6BC6B35BC9D}"/>
-              </a:ext>
-            </a:extLst>
-          </p:cNvPr>
-          <p:cNvSpPr txBox="1"/>
-          <p:nvPr/>
-        </p:nvSpPr>
-        <p:spPr>
-          <a:xfrm>
-            <a:off x="8111195" y="5564200"/>
-            <a:ext cx="2735301" cy="369332"/>
-          </a:xfrm>
-          <a:prstGeom prst="rect">
-            <a:avLst/>
-          </a:prstGeom>
-          <a:noFill/>
-        </p:spPr>
-        <p:txBody>
-          <a:bodyPr wrap="none" rtlCol="0">
-            <a:spAutoFit/>
-          </a:bodyPr>
-          <a:lstStyle/>
-          <a:p>
-            <a:r>
-              <a:rPr lang="en-US" dirty="0">
-                <a:solidFill>
-                  <a:schemeClr val="bg1"/>
-                </a:solidFill>
-              </a:rPr>
-              <a:t>Extracted into a </a:t>
-            </a:r>
-            <a:r>
-              <a:rPr lang="en-US" dirty="0" err="1">
-                <a:solidFill>
-                  <a:schemeClr val="bg1"/>
-                </a:solidFill>
-              </a:rPr>
-              <a:t>DataFrame</a:t>
-            </a:r>
-            <a:endParaRPr lang="en-IN" dirty="0">
-              <a:solidFill>
-                <a:schemeClr val="bg1"/>
-              </a:solidFill>
-            </a:endParaRPr>
-          </a:p>
-        </p:txBody>
-      </p:sp>
-      <p:pic>
-        <p:nvPicPr>
-          <p:cNvPr id="15" name="Picture 14">
-            <a:extLst>
-              <a:ext uri="{FF2B5EF4-FFF2-40B4-BE49-F238E27FC236}">
-                <a16:creationId xmlns:a16="http://schemas.microsoft.com/office/drawing/2014/main" id="{03FF586D-CE85-4F89-8B59-8B572FFEFD65}"/>
-              </a:ext>
-            </a:extLst>
-          </p:cNvPr>
-          <p:cNvPicPr>
-            <a:picLocks noChangeAspect="1"/>
-          </p:cNvPicPr>
-          <p:nvPr/>
-        </p:nvPicPr>
-        <p:blipFill>
-          <a:blip r:embed="rId4"/>
-          <a:stretch>
-            <a:fillRect/>
-          </a:stretch>
-        </p:blipFill>
-        <p:spPr>
-          <a:xfrm>
-            <a:off x="5172946" y="3753993"/>
-            <a:ext cx="2240968" cy="511971"/>
-          </a:xfrm>
-          <a:prstGeom prst="rect">
-            <a:avLst/>
-          </a:prstGeom>
-        </p:spPr>
-      </p:pic>
-      <p:pic>
-        <p:nvPicPr>
-          <p:cNvPr id="17" name="Picture 16">
-            <a:extLst>
-              <a:ext uri="{FF2B5EF4-FFF2-40B4-BE49-F238E27FC236}">
-                <a16:creationId xmlns:a16="http://schemas.microsoft.com/office/drawing/2014/main" id="{7E070335-54B6-46D1-BAF9-B009E3D459D6}"/>
-              </a:ext>
-            </a:extLst>
-          </p:cNvPr>
-          <p:cNvPicPr>
-            <a:picLocks noChangeAspect="1"/>
-          </p:cNvPicPr>
-          <p:nvPr/>
-        </p:nvPicPr>
-        <p:blipFill>
-          <a:blip r:embed="rId4"/>
-          <a:stretch>
-            <a:fillRect/>
-          </a:stretch>
-        </p:blipFill>
-        <p:spPr>
-          <a:xfrm>
-            <a:off x="5172946" y="604083"/>
-            <a:ext cx="2240968" cy="511971"/>
+          <a:xfrm>
+            <a:off x="4694406" y="961286"/>
+            <a:ext cx="7497594" cy="4759030"/>
           </a:xfrm>
           <a:prstGeom prst="rect">
             <a:avLst/>
@@ -8909,20 +11304,20 @@
     </p:spTree>
     <p:extLst>
       <p:ext uri="{BB962C8B-B14F-4D97-AF65-F5344CB8AC3E}">
-        <p14:creationId xmlns:p14="http://schemas.microsoft.com/office/powerpoint/2010/main" val="3375632743"/>
+        <p14:creationId xmlns:p14="http://schemas.microsoft.com/office/powerpoint/2010/main" val="787394916"/>
       </p:ext>
     </p:extLst>
   </p:cSld>
   <p:clrMapOvr>
     <a:overrideClrMapping bg1="dk1" tx1="lt1" bg2="dk2" tx2="lt2" accent1="accent1" accent2="accent2" accent3="accent3" accent4="accent4" accent5="accent5" accent6="accent6" hlink="hlink" folHlink="folHlink"/>
   </p:clrMapOvr>
-  <mc:AlternateContent xmlns:mc="http://schemas.openxmlformats.org/markup-compatibility/2006">
-    <mc:Choice xmlns:p159="http://schemas.microsoft.com/office/powerpoint/2015/09/main" Requires="p159">
+  <mc:AlternateContent xmlns:mc="http://schemas.openxmlformats.org/markup-compatibility/2006" xmlns:p159="http://schemas.microsoft.com/office/powerpoint/2015/09/main">
+    <mc:Choice Requires="p159">
       <p:transition xmlns:p14="http://schemas.microsoft.com/office/powerpoint/2010/main" spd="slow" p14:dur="2000">
         <p159:morph option="byObject"/>
       </p:transition>
     </mc:Choice>
-    <mc:Fallback>
+    <mc:Fallback xmlns="">
       <p:transition spd="slow">
         <p:fade/>
       </p:transition>
@@ -9224,4 +11619,299 @@
     </a:ext>
   </a:extLst>
 </a:theme>
+</file>
+
+<file path=ppt/theme/theme2.xml><?xml version="1.0" encoding="utf-8"?>
+<a:theme xmlns:a="http://schemas.openxmlformats.org/drawingml/2006/main" name="Office Theme">
+  <a:themeElements>
+    <a:clrScheme name="Office">
+      <a:dk1>
+        <a:sysClr val="windowText" lastClr="000000"/>
+      </a:dk1>
+      <a:lt1>
+        <a:sysClr val="window" lastClr="FFFFFF"/>
+      </a:lt1>
+      <a:dk2>
+        <a:srgbClr val="44546A"/>
+      </a:dk2>
+      <a:lt2>
+        <a:srgbClr val="E7E6E6"/>
+      </a:lt2>
+      <a:accent1>
+        <a:srgbClr val="4472C4"/>
+      </a:accent1>
+      <a:accent2>
+        <a:srgbClr val="ED7D31"/>
+      </a:accent2>
+      <a:accent3>
+        <a:srgbClr val="A5A5A5"/>
+      </a:accent3>
+      <a:accent4>
+        <a:srgbClr val="FFC000"/>
+      </a:accent4>
+      <a:accent5>
+        <a:srgbClr val="5B9BD5"/>
+      </a:accent5>
+      <a:accent6>
+        <a:srgbClr val="70AD47"/>
+      </a:accent6>
+      <a:hlink>
+        <a:srgbClr val="0563C1"/>
+      </a:hlink>
+      <a:folHlink>
+        <a:srgbClr val="954F72"/>
+      </a:folHlink>
+    </a:clrScheme>
+    <a:fontScheme name="Office">
+      <a:majorFont>
+        <a:latin typeface="Calibri Light" panose="020F0302020204030204"/>
+        <a:ea typeface=""/>
+        <a:cs typeface=""/>
+        <a:font script="Jpan" typeface="游ゴシック Light"/>
+        <a:font script="Hang" typeface="맑은 고딕"/>
+        <a:font script="Hans" typeface="等线 Light"/>
+        <a:font script="Hant" typeface="新細明體"/>
+        <a:font script="Arab" typeface="Times New Roman"/>
+        <a:font script="Hebr" typeface="Times New Roman"/>
+        <a:font script="Thai" typeface="Angsana New"/>
+        <a:font script="Ethi" typeface="Nyala"/>
+        <a:font script="Beng" typeface="Vrinda"/>
+        <a:font script="Gujr" typeface="Shruti"/>
+        <a:font script="Khmr" typeface="MoolBoran"/>
+        <a:font script="Knda" typeface="Tunga"/>
+        <a:font script="Guru" typeface="Raavi"/>
+        <a:font script="Cans" typeface="Euphemia"/>
+        <a:font script="Cher" typeface="Plantagenet Cherokee"/>
+        <a:font script="Yiii" typeface="Microsoft Yi Baiti"/>
+        <a:font script="Tibt" typeface="Microsoft Himalaya"/>
+        <a:font script="Thaa" typeface="MV Boli"/>
+        <a:font script="Deva" typeface="Mangal"/>
+        <a:font script="Telu" typeface="Gautami"/>
+        <a:font script="Taml" typeface="Latha"/>
+        <a:font script="Syrc" typeface="Estrangelo Edessa"/>
+        <a:font script="Orya" typeface="Kalinga"/>
+        <a:font script="Mlym" typeface="Kartika"/>
+        <a:font script="Laoo" typeface="DokChampa"/>
+        <a:font script="Sinh" typeface="Iskoola Pota"/>
+        <a:font script="Mong" typeface="Mongolian Baiti"/>
+        <a:font script="Viet" typeface="Times New Roman"/>
+        <a:font script="Uigh" typeface="Microsoft Uighur"/>
+        <a:font script="Geor" typeface="Sylfaen"/>
+        <a:font script="Armn" typeface="Arial"/>
+        <a:font script="Bugi" typeface="Leelawadee UI"/>
+        <a:font script="Bopo" typeface="Microsoft JhengHei"/>
+        <a:font script="Java" typeface="Javanese Text"/>
+        <a:font script="Lisu" typeface="Segoe UI"/>
+        <a:font script="Mymr" typeface="Myanmar Text"/>
+        <a:font script="Nkoo" typeface="Ebrima"/>
+        <a:font script="Olck" typeface="Nirmala UI"/>
+        <a:font script="Osma" typeface="Ebrima"/>
+        <a:font script="Phag" typeface="Phagspa"/>
+        <a:font script="Syrn" typeface="Estrangelo Edessa"/>
+        <a:font script="Syrj" typeface="Estrangelo Edessa"/>
+        <a:font script="Syre" typeface="Estrangelo Edessa"/>
+        <a:font script="Sora" typeface="Nirmala UI"/>
+        <a:font script="Tale" typeface="Microsoft Tai Le"/>
+        <a:font script="Talu" typeface="Microsoft New Tai Lue"/>
+        <a:font script="Tfng" typeface="Ebrima"/>
+      </a:majorFont>
+      <a:minorFont>
+        <a:latin typeface="Calibri" panose="020F0502020204030204"/>
+        <a:ea typeface=""/>
+        <a:cs typeface=""/>
+        <a:font script="Jpan" typeface="游ゴシック"/>
+        <a:font script="Hang" typeface="맑은 고딕"/>
+        <a:font script="Hans" typeface="等线"/>
+        <a:font script="Hant" typeface="新細明體"/>
+        <a:font script="Arab" typeface="Arial"/>
+        <a:font script="Hebr" typeface="Arial"/>
+        <a:font script="Thai" typeface="Cordia New"/>
+        <a:font script="Ethi" typeface="Nyala"/>
+        <a:font script="Beng" typeface="Vrinda"/>
+        <a:font script="Gujr" typeface="Shruti"/>
+        <a:font script="Khmr" typeface="DaunPenh"/>
+        <a:font script="Knda" typeface="Tunga"/>
+        <a:font script="Guru" typeface="Raavi"/>
+        <a:font script="Cans" typeface="Euphemia"/>
+        <a:font script="Cher" typeface="Plantagenet Cherokee"/>
+        <a:font script="Yiii" typeface="Microsoft Yi Baiti"/>
+        <a:font script="Tibt" typeface="Microsoft Himalaya"/>
+        <a:font script="Thaa" typeface="MV Boli"/>
+        <a:font script="Deva" typeface="Mangal"/>
+        <a:font script="Telu" typeface="Gautami"/>
+        <a:font script="Taml" typeface="Latha"/>
+        <a:font script="Syrc" typeface="Estrangelo Edessa"/>
+        <a:font script="Orya" typeface="Kalinga"/>
+        <a:font script="Mlym" typeface="Kartika"/>
+        <a:font script="Laoo" typeface="DokChampa"/>
+        <a:font script="Sinh" typeface="Iskoola Pota"/>
+        <a:font script="Mong" typeface="Mongolian Baiti"/>
+        <a:font script="Viet" typeface="Arial"/>
+        <a:font script="Uigh" typeface="Microsoft Uighur"/>
+        <a:font script="Geor" typeface="Sylfaen"/>
+        <a:font script="Armn" typeface="Arial"/>
+        <a:font script="Bugi" typeface="Leelawadee UI"/>
+        <a:font script="Bopo" typeface="Microsoft JhengHei"/>
+        <a:font script="Java" typeface="Javanese Text"/>
+        <a:font script="Lisu" typeface="Segoe UI"/>
+        <a:font script="Mymr" typeface="Myanmar Text"/>
+        <a:font script="Nkoo" typeface="Ebrima"/>
+        <a:font script="Olck" typeface="Nirmala UI"/>
+        <a:font script="Osma" typeface="Ebrima"/>
+        <a:font script="Phag" typeface="Phagspa"/>
+        <a:font script="Syrn" typeface="Estrangelo Edessa"/>
+        <a:font script="Syrj" typeface="Estrangelo Edessa"/>
+        <a:font script="Syre" typeface="Estrangelo Edessa"/>
+        <a:font script="Sora" typeface="Nirmala UI"/>
+        <a:font script="Tale" typeface="Microsoft Tai Le"/>
+        <a:font script="Talu" typeface="Microsoft New Tai Lue"/>
+        <a:font script="Tfng" typeface="Ebrima"/>
+      </a:minorFont>
+    </a:fontScheme>
+    <a:fmtScheme name="Office">
+      <a:fillStyleLst>
+        <a:solidFill>
+          <a:schemeClr val="phClr"/>
+        </a:solidFill>
+        <a:gradFill rotWithShape="1">
+          <a:gsLst>
+            <a:gs pos="0">
+              <a:schemeClr val="phClr">
+                <a:lumMod val="110000"/>
+                <a:satMod val="105000"/>
+                <a:tint val="67000"/>
+              </a:schemeClr>
+            </a:gs>
+            <a:gs pos="50000">
+              <a:schemeClr val="phClr">
+                <a:lumMod val="105000"/>
+                <a:satMod val="103000"/>
+                <a:tint val="73000"/>
+              </a:schemeClr>
+            </a:gs>
+            <a:gs pos="100000">
+              <a:schemeClr val="phClr">
+                <a:lumMod val="105000"/>
+                <a:satMod val="109000"/>
+                <a:tint val="81000"/>
+              </a:schemeClr>
+            </a:gs>
+          </a:gsLst>
+          <a:lin ang="5400000" scaled="0"/>
+        </a:gradFill>
+        <a:gradFill rotWithShape="1">
+          <a:gsLst>
+            <a:gs pos="0">
+              <a:schemeClr val="phClr">
+                <a:satMod val="103000"/>
+                <a:lumMod val="102000"/>
+                <a:tint val="94000"/>
+              </a:schemeClr>
+            </a:gs>
+            <a:gs pos="50000">
+              <a:schemeClr val="phClr">
+                <a:satMod val="110000"/>
+                <a:lumMod val="100000"/>
+                <a:shade val="100000"/>
+              </a:schemeClr>
+            </a:gs>
+            <a:gs pos="100000">
+              <a:schemeClr val="phClr">
+                <a:lumMod val="99000"/>
+                <a:satMod val="120000"/>
+                <a:shade val="78000"/>
+              </a:schemeClr>
+            </a:gs>
+          </a:gsLst>
+          <a:lin ang="5400000" scaled="0"/>
+        </a:gradFill>
+      </a:fillStyleLst>
+      <a:lnStyleLst>
+        <a:ln w="6350" cap="flat" cmpd="sng" algn="ctr">
+          <a:solidFill>
+            <a:schemeClr val="phClr"/>
+          </a:solidFill>
+          <a:prstDash val="solid"/>
+          <a:miter lim="800000"/>
+        </a:ln>
+        <a:ln w="12700" cap="flat" cmpd="sng" algn="ctr">
+          <a:solidFill>
+            <a:schemeClr val="phClr"/>
+          </a:solidFill>
+          <a:prstDash val="solid"/>
+          <a:miter lim="800000"/>
+        </a:ln>
+        <a:ln w="19050" cap="flat" cmpd="sng" algn="ctr">
+          <a:solidFill>
+            <a:schemeClr val="phClr"/>
+          </a:solidFill>
+          <a:prstDash val="solid"/>
+          <a:miter lim="800000"/>
+        </a:ln>
+      </a:lnStyleLst>
+      <a:effectStyleLst>
+        <a:effectStyle>
+          <a:effectLst/>
+        </a:effectStyle>
+        <a:effectStyle>
+          <a:effectLst/>
+        </a:effectStyle>
+        <a:effectStyle>
+          <a:effectLst>
+            <a:outerShdw blurRad="57150" dist="19050" dir="5400000" algn="ctr" rotWithShape="0">
+              <a:srgbClr val="000000">
+                <a:alpha val="63000"/>
+              </a:srgbClr>
+            </a:outerShdw>
+          </a:effectLst>
+        </a:effectStyle>
+      </a:effectStyleLst>
+      <a:bgFillStyleLst>
+        <a:solidFill>
+          <a:schemeClr val="phClr"/>
+        </a:solidFill>
+        <a:solidFill>
+          <a:schemeClr val="phClr">
+            <a:tint val="95000"/>
+            <a:satMod val="170000"/>
+          </a:schemeClr>
+        </a:solidFill>
+        <a:gradFill rotWithShape="1">
+          <a:gsLst>
+            <a:gs pos="0">
+              <a:schemeClr val="phClr">
+                <a:tint val="93000"/>
+                <a:satMod val="150000"/>
+                <a:shade val="98000"/>
+                <a:lumMod val="102000"/>
+              </a:schemeClr>
+            </a:gs>
+            <a:gs pos="50000">
+              <a:schemeClr val="phClr">
+                <a:tint val="98000"/>
+                <a:satMod val="130000"/>
+                <a:shade val="90000"/>
+                <a:lumMod val="103000"/>
+              </a:schemeClr>
+            </a:gs>
+            <a:gs pos="100000">
+              <a:schemeClr val="phClr">
+                <a:shade val="63000"/>
+                <a:satMod val="120000"/>
+              </a:schemeClr>
+            </a:gs>
+          </a:gsLst>
+          <a:lin ang="5400000" scaled="0"/>
+        </a:gradFill>
+      </a:bgFillStyleLst>
+    </a:fmtScheme>
+  </a:themeElements>
+  <a:objectDefaults/>
+  <a:extraClrSchemeLst/>
+  <a:extLst>
+    <a:ext uri="{05A4C25C-085E-4340-85A3-A5531E510DB2}">
+      <thm15:themeFamily xmlns:thm15="http://schemas.microsoft.com/office/thememl/2012/main" name="Office Theme" id="{62F939B6-93AF-4DB8-9C6B-D6C7DFDC589F}" vid="{4A3C46E8-61CC-4603-A589-7422A47A8E4A}"/>
+    </a:ext>
+  </a:extLst>
+</a:theme>
 </file>
--- a/Presentation.pptx
+++ b/Presentation.pptx
@@ -20,11 +20,11 @@
     <p:sldId id="261" r:id="rId11"/>
     <p:sldId id="267" r:id="rId12"/>
     <p:sldId id="268" r:id="rId13"/>
-    <p:sldId id="262" r:id="rId14"/>
-    <p:sldId id="269" r:id="rId15"/>
-    <p:sldId id="270" r:id="rId16"/>
-    <p:sldId id="271" r:id="rId17"/>
-    <p:sldId id="272" r:id="rId18"/>
+    <p:sldId id="270" r:id="rId14"/>
+    <p:sldId id="276" r:id="rId15"/>
+    <p:sldId id="275" r:id="rId16"/>
+    <p:sldId id="277" r:id="rId17"/>
+    <p:sldId id="278" r:id="rId18"/>
     <p:sldId id="274" r:id="rId19"/>
   </p:sldIdLst>
   <p:sldSz cx="12192000" cy="6858000"/>
@@ -5938,44 +5938,276 @@
           </a:prstGeom>
         </p:spPr>
       </p:pic>
-      <p:pic>
-        <p:nvPicPr>
-          <p:cNvPr id="12" name="Picture 11" descr="A picture containing text, map&#10;&#10;Description automatically generated">
-            <a:extLst>
-              <a:ext uri="{FF2B5EF4-FFF2-40B4-BE49-F238E27FC236}">
-                <a16:creationId xmlns:a16="http://schemas.microsoft.com/office/drawing/2014/main" id="{675BA4B2-462B-40CE-A829-73DC2F5F2AE1}"/>
-              </a:ext>
-            </a:extLst>
-          </p:cNvPr>
-          <p:cNvPicPr/>
+      <p:sp>
+        <p:nvSpPr>
+          <p:cNvPr id="9" name="Content Placeholder 7">
+            <a:extLst>
+              <a:ext uri="{FF2B5EF4-FFF2-40B4-BE49-F238E27FC236}">
+                <a16:creationId xmlns:a16="http://schemas.microsoft.com/office/drawing/2014/main" id="{A82D134C-FF99-496B-8FBE-FEE4D7615BBF}"/>
+              </a:ext>
+            </a:extLst>
+          </p:cNvPr>
+          <p:cNvSpPr>
+            <a:spLocks noGrp="1"/>
+          </p:cNvSpPr>
+          <p:nvPr>
+            <p:ph idx="1"/>
+          </p:nvPr>
+        </p:nvSpPr>
+        <p:spPr>
+          <a:xfrm>
+            <a:off x="643468" y="2638043"/>
+            <a:ext cx="3363974" cy="3415623"/>
+          </a:xfrm>
+        </p:spPr>
+        <p:txBody>
+          <a:bodyPr>
+            <a:normAutofit/>
+          </a:bodyPr>
+          <a:lstStyle/>
+          <a:p>
+            <a:pPr marL="0" indent="0">
+              <a:buNone/>
+            </a:pPr>
+            <a:r>
+              <a:rPr lang="en-US" sz="2000" dirty="0"/>
+              <a:t>Inference:</a:t>
+            </a:r>
+          </a:p>
+          <a:p>
+            <a:pPr marL="0" indent="0">
+              <a:buNone/>
+            </a:pPr>
+            <a:endParaRPr lang="en-US" sz="2000" dirty="0"/>
+          </a:p>
+          <a:p>
+            <a:pPr marL="0" indent="0">
+              <a:buNone/>
+            </a:pPr>
+            <a:r>
+              <a:rPr lang="en-US" sz="2000" dirty="0"/>
+              <a:t>The majority of taxi action happens on the island of Manhattan. And La Guardia Airport and JFK airports are popular pickup spots. Hence, that is the reason which Pick-up and Drop-offs are more concentrated in these zones.</a:t>
+            </a:r>
+            <a:endParaRPr lang="en-US" sz="2400" dirty="0"/>
+          </a:p>
+        </p:txBody>
+      </p:sp>
+      <p:sp>
+        <p:nvSpPr>
+          <p:cNvPr id="10" name="Content Placeholder 7">
+            <a:extLst>
+              <a:ext uri="{FF2B5EF4-FFF2-40B4-BE49-F238E27FC236}">
+                <a16:creationId xmlns:a16="http://schemas.microsoft.com/office/drawing/2014/main" id="{8152CF3F-8113-4031-B0A2-8035327AA020}"/>
+              </a:ext>
+            </a:extLst>
+          </p:cNvPr>
+          <p:cNvSpPr txBox="1">
+            <a:spLocks/>
+          </p:cNvSpPr>
           <p:nvPr/>
-        </p:nvPicPr>
-        <p:blipFill>
-          <a:blip r:embed="rId3">
-            <a:extLst>
-              <a:ext uri="{28A0092B-C50C-407E-A947-70E740481C1C}">
-                <a14:useLocalDpi xmlns:a14="http://schemas.microsoft.com/office/drawing/2010/main" val="0"/>
-              </a:ext>
-            </a:extLst>
-          </a:blip>
-          <a:stretch>
-            <a:fillRect/>
-          </a:stretch>
-        </p:blipFill>
-        <p:spPr>
-          <a:xfrm>
-            <a:off x="4831080" y="721360"/>
-            <a:ext cx="7360920" cy="6136640"/>
+        </p:nvSpPr>
+        <p:spPr>
+          <a:xfrm>
+            <a:off x="4908296" y="3091941"/>
+            <a:ext cx="6640236" cy="2445259"/>
           </a:xfrm>
           <a:prstGeom prst="rect">
             <a:avLst/>
           </a:prstGeom>
         </p:spPr>
-      </p:pic>
+        <p:txBody>
+          <a:bodyPr vert="horz" lIns="91440" tIns="45720" rIns="91440" bIns="45720" rtlCol="0">
+            <a:normAutofit/>
+          </a:bodyPr>
+          <a:lstStyle>
+            <a:lvl1pPr marL="228600" indent="-228600" algn="l" defTabSz="914400" rtl="0" eaLnBrk="1" latinLnBrk="0" hangingPunct="1">
+              <a:lnSpc>
+                <a:spcPct val="90000"/>
+              </a:lnSpc>
+              <a:spcBef>
+                <a:spcPts val="1000"/>
+              </a:spcBef>
+              <a:buFont typeface="Arial" panose="020B0604020202020204" pitchFamily="34" charset="0"/>
+              <a:buChar char="•"/>
+              <a:defRPr sz="2800" kern="1200">
+                <a:solidFill>
+                  <a:schemeClr val="tx1"/>
+                </a:solidFill>
+                <a:latin typeface="+mn-lt"/>
+                <a:ea typeface="+mn-ea"/>
+                <a:cs typeface="+mn-cs"/>
+              </a:defRPr>
+            </a:lvl1pPr>
+            <a:lvl2pPr marL="685800" indent="-228600" algn="l" defTabSz="914400" rtl="0" eaLnBrk="1" latinLnBrk="0" hangingPunct="1">
+              <a:lnSpc>
+                <a:spcPct val="90000"/>
+              </a:lnSpc>
+              <a:spcBef>
+                <a:spcPts val="500"/>
+              </a:spcBef>
+              <a:buFont typeface="Arial" panose="020B0604020202020204" pitchFamily="34" charset="0"/>
+              <a:buChar char="•"/>
+              <a:defRPr sz="2400" kern="1200">
+                <a:solidFill>
+                  <a:schemeClr val="tx1"/>
+                </a:solidFill>
+                <a:latin typeface="+mn-lt"/>
+                <a:ea typeface="+mn-ea"/>
+                <a:cs typeface="+mn-cs"/>
+              </a:defRPr>
+            </a:lvl2pPr>
+            <a:lvl3pPr marL="1143000" indent="-228600" algn="l" defTabSz="914400" rtl="0" eaLnBrk="1" latinLnBrk="0" hangingPunct="1">
+              <a:lnSpc>
+                <a:spcPct val="90000"/>
+              </a:lnSpc>
+              <a:spcBef>
+                <a:spcPts val="500"/>
+              </a:spcBef>
+              <a:buFont typeface="Arial" panose="020B0604020202020204" pitchFamily="34" charset="0"/>
+              <a:buChar char="•"/>
+              <a:defRPr sz="2000" kern="1200">
+                <a:solidFill>
+                  <a:schemeClr val="tx1"/>
+                </a:solidFill>
+                <a:latin typeface="+mn-lt"/>
+                <a:ea typeface="+mn-ea"/>
+                <a:cs typeface="+mn-cs"/>
+              </a:defRPr>
+            </a:lvl3pPr>
+            <a:lvl4pPr marL="1600200" indent="-228600" algn="l" defTabSz="914400" rtl="0" eaLnBrk="1" latinLnBrk="0" hangingPunct="1">
+              <a:lnSpc>
+                <a:spcPct val="90000"/>
+              </a:lnSpc>
+              <a:spcBef>
+                <a:spcPts val="500"/>
+              </a:spcBef>
+              <a:buFont typeface="Arial" panose="020B0604020202020204" pitchFamily="34" charset="0"/>
+              <a:buChar char="•"/>
+              <a:defRPr sz="1800" kern="1200">
+                <a:solidFill>
+                  <a:schemeClr val="tx1"/>
+                </a:solidFill>
+                <a:latin typeface="+mn-lt"/>
+                <a:ea typeface="+mn-ea"/>
+                <a:cs typeface="+mn-cs"/>
+              </a:defRPr>
+            </a:lvl4pPr>
+            <a:lvl5pPr marL="2057400" indent="-228600" algn="l" defTabSz="914400" rtl="0" eaLnBrk="1" latinLnBrk="0" hangingPunct="1">
+              <a:lnSpc>
+                <a:spcPct val="90000"/>
+              </a:lnSpc>
+              <a:spcBef>
+                <a:spcPts val="500"/>
+              </a:spcBef>
+              <a:buFont typeface="Arial" panose="020B0604020202020204" pitchFamily="34" charset="0"/>
+              <a:buChar char="•"/>
+              <a:defRPr sz="1800" kern="1200">
+                <a:solidFill>
+                  <a:schemeClr val="tx1"/>
+                </a:solidFill>
+                <a:latin typeface="+mn-lt"/>
+                <a:ea typeface="+mn-ea"/>
+                <a:cs typeface="+mn-cs"/>
+              </a:defRPr>
+            </a:lvl5pPr>
+            <a:lvl6pPr marL="2514600" indent="-228600" algn="l" defTabSz="914400" rtl="0" eaLnBrk="1" latinLnBrk="0" hangingPunct="1">
+              <a:lnSpc>
+                <a:spcPct val="90000"/>
+              </a:lnSpc>
+              <a:spcBef>
+                <a:spcPts val="500"/>
+              </a:spcBef>
+              <a:buFont typeface="Arial" panose="020B0604020202020204" pitchFamily="34" charset="0"/>
+              <a:buChar char="•"/>
+              <a:defRPr sz="1800" kern="1200">
+                <a:solidFill>
+                  <a:schemeClr val="tx1"/>
+                </a:solidFill>
+                <a:latin typeface="+mn-lt"/>
+                <a:ea typeface="+mn-ea"/>
+                <a:cs typeface="+mn-cs"/>
+              </a:defRPr>
+            </a:lvl6pPr>
+            <a:lvl7pPr marL="2971800" indent="-228600" algn="l" defTabSz="914400" rtl="0" eaLnBrk="1" latinLnBrk="0" hangingPunct="1">
+              <a:lnSpc>
+                <a:spcPct val="90000"/>
+              </a:lnSpc>
+              <a:spcBef>
+                <a:spcPts val="500"/>
+              </a:spcBef>
+              <a:buFont typeface="Arial" panose="020B0604020202020204" pitchFamily="34" charset="0"/>
+              <a:buChar char="•"/>
+              <a:defRPr sz="1800" kern="1200">
+                <a:solidFill>
+                  <a:schemeClr val="tx1"/>
+                </a:solidFill>
+                <a:latin typeface="+mn-lt"/>
+                <a:ea typeface="+mn-ea"/>
+                <a:cs typeface="+mn-cs"/>
+              </a:defRPr>
+            </a:lvl7pPr>
+            <a:lvl8pPr marL="3429000" indent="-228600" algn="l" defTabSz="914400" rtl="0" eaLnBrk="1" latinLnBrk="0" hangingPunct="1">
+              <a:lnSpc>
+                <a:spcPct val="90000"/>
+              </a:lnSpc>
+              <a:spcBef>
+                <a:spcPts val="500"/>
+              </a:spcBef>
+              <a:buFont typeface="Arial" panose="020B0604020202020204" pitchFamily="34" charset="0"/>
+              <a:buChar char="•"/>
+              <a:defRPr sz="1800" kern="1200">
+                <a:solidFill>
+                  <a:schemeClr val="tx1"/>
+                </a:solidFill>
+                <a:latin typeface="+mn-lt"/>
+                <a:ea typeface="+mn-ea"/>
+                <a:cs typeface="+mn-cs"/>
+              </a:defRPr>
+            </a:lvl8pPr>
+            <a:lvl9pPr marL="3886200" indent="-228600" algn="l" defTabSz="914400" rtl="0" eaLnBrk="1" latinLnBrk="0" hangingPunct="1">
+              <a:lnSpc>
+                <a:spcPct val="90000"/>
+              </a:lnSpc>
+              <a:spcBef>
+                <a:spcPts val="500"/>
+              </a:spcBef>
+              <a:buFont typeface="Arial" panose="020B0604020202020204" pitchFamily="34" charset="0"/>
+              <a:buChar char="•"/>
+              <a:defRPr sz="1800" kern="1200">
+                <a:solidFill>
+                  <a:schemeClr val="tx1"/>
+                </a:solidFill>
+                <a:latin typeface="+mn-lt"/>
+                <a:ea typeface="+mn-ea"/>
+                <a:cs typeface="+mn-cs"/>
+              </a:defRPr>
+            </a:lvl9pPr>
+          </a:lstStyle>
+          <a:p>
+            <a:pPr marL="0" indent="0">
+              <a:buFont typeface="Arial" panose="020B0604020202020204" pitchFamily="34" charset="0"/>
+              <a:buNone/>
+            </a:pPr>
+            <a:r>
+              <a:rPr lang="en-US" sz="4000" dirty="0">
+                <a:solidFill>
+                  <a:schemeClr val="bg1"/>
+                </a:solidFill>
+              </a:rPr>
+              <a:t>The visualization of Google Maps is on the demo code.</a:t>
+            </a:r>
+            <a:endParaRPr lang="en-US" sz="4400" dirty="0">
+              <a:solidFill>
+                <a:schemeClr val="bg1"/>
+              </a:solidFill>
+            </a:endParaRPr>
+          </a:p>
+        </p:txBody>
+      </p:sp>
     </p:spTree>
     <p:extLst>
       <p:ext uri="{BB962C8B-B14F-4D97-AF65-F5344CB8AC3E}">
-        <p14:creationId xmlns:p14="http://schemas.microsoft.com/office/powerpoint/2010/main" val="1991214165"/>
+        <p14:creationId xmlns:p14="http://schemas.microsoft.com/office/powerpoint/2010/main" val="119063429"/>
       </p:ext>
     </p:extLst>
   </p:cSld>
@@ -6128,57 +6360,209 @@
       </p:sp>
       <p:sp>
         <p:nvSpPr>
-          <p:cNvPr id="29" name="TextBox 28">
-            <a:extLst>
-              <a:ext uri="{FF2B5EF4-FFF2-40B4-BE49-F238E27FC236}">
-                <a16:creationId xmlns:a16="http://schemas.microsoft.com/office/drawing/2014/main" id="{5F916358-E07A-4C5B-B924-DBAE905AB881}"/>
-              </a:ext>
-            </a:extLst>
-          </p:cNvPr>
-          <p:cNvSpPr txBox="1"/>
+          <p:cNvPr id="10" name="Content Placeholder 7">
+            <a:extLst>
+              <a:ext uri="{FF2B5EF4-FFF2-40B4-BE49-F238E27FC236}">
+                <a16:creationId xmlns:a16="http://schemas.microsoft.com/office/drawing/2014/main" id="{8152CF3F-8113-4031-B0A2-8035327AA020}"/>
+              </a:ext>
+            </a:extLst>
+          </p:cNvPr>
+          <p:cNvSpPr txBox="1">
+            <a:spLocks/>
+          </p:cNvSpPr>
           <p:nvPr/>
         </p:nvSpPr>
         <p:spPr>
           <a:xfrm>
-            <a:off x="5926795" y="226607"/>
-            <a:ext cx="1804276" cy="369332"/>
+            <a:off x="4928616" y="2949701"/>
+            <a:ext cx="6640236" cy="2140459"/>
           </a:xfrm>
           <a:prstGeom prst="rect">
             <a:avLst/>
           </a:prstGeom>
-          <a:noFill/>
-        </p:spPr>
-        <p:txBody>
-          <a:bodyPr wrap="none" rtlCol="0">
-            <a:spAutoFit/>
+        </p:spPr>
+        <p:txBody>
+          <a:bodyPr vert="horz" lIns="91440" tIns="45720" rIns="91440" bIns="45720" rtlCol="0">
+            <a:normAutofit/>
           </a:bodyPr>
-          <a:lstStyle/>
-          <a:p>
-            <a:r>
-              <a:rPr lang="en-US" dirty="0">
+          <a:lstStyle>
+            <a:lvl1pPr marL="228600" indent="-228600" algn="l" defTabSz="914400" rtl="0" eaLnBrk="1" latinLnBrk="0" hangingPunct="1">
+              <a:lnSpc>
+                <a:spcPct val="90000"/>
+              </a:lnSpc>
+              <a:spcBef>
+                <a:spcPts val="1000"/>
+              </a:spcBef>
+              <a:buFont typeface="Arial" panose="020B0604020202020204" pitchFamily="34" charset="0"/>
+              <a:buChar char="•"/>
+              <a:defRPr sz="2800" kern="1200">
+                <a:solidFill>
+                  <a:schemeClr val="tx1"/>
+                </a:solidFill>
+                <a:latin typeface="+mn-lt"/>
+                <a:ea typeface="+mn-ea"/>
+                <a:cs typeface="+mn-cs"/>
+              </a:defRPr>
+            </a:lvl1pPr>
+            <a:lvl2pPr marL="685800" indent="-228600" algn="l" defTabSz="914400" rtl="0" eaLnBrk="1" latinLnBrk="0" hangingPunct="1">
+              <a:lnSpc>
+                <a:spcPct val="90000"/>
+              </a:lnSpc>
+              <a:spcBef>
+                <a:spcPts val="500"/>
+              </a:spcBef>
+              <a:buFont typeface="Arial" panose="020B0604020202020204" pitchFamily="34" charset="0"/>
+              <a:buChar char="•"/>
+              <a:defRPr sz="2400" kern="1200">
+                <a:solidFill>
+                  <a:schemeClr val="tx1"/>
+                </a:solidFill>
+                <a:latin typeface="+mn-lt"/>
+                <a:ea typeface="+mn-ea"/>
+                <a:cs typeface="+mn-cs"/>
+              </a:defRPr>
+            </a:lvl2pPr>
+            <a:lvl3pPr marL="1143000" indent="-228600" algn="l" defTabSz="914400" rtl="0" eaLnBrk="1" latinLnBrk="0" hangingPunct="1">
+              <a:lnSpc>
+                <a:spcPct val="90000"/>
+              </a:lnSpc>
+              <a:spcBef>
+                <a:spcPts val="500"/>
+              </a:spcBef>
+              <a:buFont typeface="Arial" panose="020B0604020202020204" pitchFamily="34" charset="0"/>
+              <a:buChar char="•"/>
+              <a:defRPr sz="2000" kern="1200">
+                <a:solidFill>
+                  <a:schemeClr val="tx1"/>
+                </a:solidFill>
+                <a:latin typeface="+mn-lt"/>
+                <a:ea typeface="+mn-ea"/>
+                <a:cs typeface="+mn-cs"/>
+              </a:defRPr>
+            </a:lvl3pPr>
+            <a:lvl4pPr marL="1600200" indent="-228600" algn="l" defTabSz="914400" rtl="0" eaLnBrk="1" latinLnBrk="0" hangingPunct="1">
+              <a:lnSpc>
+                <a:spcPct val="90000"/>
+              </a:lnSpc>
+              <a:spcBef>
+                <a:spcPts val="500"/>
+              </a:spcBef>
+              <a:buFont typeface="Arial" panose="020B0604020202020204" pitchFamily="34" charset="0"/>
+              <a:buChar char="•"/>
+              <a:defRPr sz="1800" kern="1200">
+                <a:solidFill>
+                  <a:schemeClr val="tx1"/>
+                </a:solidFill>
+                <a:latin typeface="+mn-lt"/>
+                <a:ea typeface="+mn-ea"/>
+                <a:cs typeface="+mn-cs"/>
+              </a:defRPr>
+            </a:lvl4pPr>
+            <a:lvl5pPr marL="2057400" indent="-228600" algn="l" defTabSz="914400" rtl="0" eaLnBrk="1" latinLnBrk="0" hangingPunct="1">
+              <a:lnSpc>
+                <a:spcPct val="90000"/>
+              </a:lnSpc>
+              <a:spcBef>
+                <a:spcPts val="500"/>
+              </a:spcBef>
+              <a:buFont typeface="Arial" panose="020B0604020202020204" pitchFamily="34" charset="0"/>
+              <a:buChar char="•"/>
+              <a:defRPr sz="1800" kern="1200">
+                <a:solidFill>
+                  <a:schemeClr val="tx1"/>
+                </a:solidFill>
+                <a:latin typeface="+mn-lt"/>
+                <a:ea typeface="+mn-ea"/>
+                <a:cs typeface="+mn-cs"/>
+              </a:defRPr>
+            </a:lvl5pPr>
+            <a:lvl6pPr marL="2514600" indent="-228600" algn="l" defTabSz="914400" rtl="0" eaLnBrk="1" latinLnBrk="0" hangingPunct="1">
+              <a:lnSpc>
+                <a:spcPct val="90000"/>
+              </a:lnSpc>
+              <a:spcBef>
+                <a:spcPts val="500"/>
+              </a:spcBef>
+              <a:buFont typeface="Arial" panose="020B0604020202020204" pitchFamily="34" charset="0"/>
+              <a:buChar char="•"/>
+              <a:defRPr sz="1800" kern="1200">
+                <a:solidFill>
+                  <a:schemeClr val="tx1"/>
+                </a:solidFill>
+                <a:latin typeface="+mn-lt"/>
+                <a:ea typeface="+mn-ea"/>
+                <a:cs typeface="+mn-cs"/>
+              </a:defRPr>
+            </a:lvl6pPr>
+            <a:lvl7pPr marL="2971800" indent="-228600" algn="l" defTabSz="914400" rtl="0" eaLnBrk="1" latinLnBrk="0" hangingPunct="1">
+              <a:lnSpc>
+                <a:spcPct val="90000"/>
+              </a:lnSpc>
+              <a:spcBef>
+                <a:spcPts val="500"/>
+              </a:spcBef>
+              <a:buFont typeface="Arial" panose="020B0604020202020204" pitchFamily="34" charset="0"/>
+              <a:buChar char="•"/>
+              <a:defRPr sz="1800" kern="1200">
+                <a:solidFill>
+                  <a:schemeClr val="tx1"/>
+                </a:solidFill>
+                <a:latin typeface="+mn-lt"/>
+                <a:ea typeface="+mn-ea"/>
+                <a:cs typeface="+mn-cs"/>
+              </a:defRPr>
+            </a:lvl7pPr>
+            <a:lvl8pPr marL="3429000" indent="-228600" algn="l" defTabSz="914400" rtl="0" eaLnBrk="1" latinLnBrk="0" hangingPunct="1">
+              <a:lnSpc>
+                <a:spcPct val="90000"/>
+              </a:lnSpc>
+              <a:spcBef>
+                <a:spcPts val="500"/>
+              </a:spcBef>
+              <a:buFont typeface="Arial" panose="020B0604020202020204" pitchFamily="34" charset="0"/>
+              <a:buChar char="•"/>
+              <a:defRPr sz="1800" kern="1200">
+                <a:solidFill>
+                  <a:schemeClr val="tx1"/>
+                </a:solidFill>
+                <a:latin typeface="+mn-lt"/>
+                <a:ea typeface="+mn-ea"/>
+                <a:cs typeface="+mn-cs"/>
+              </a:defRPr>
+            </a:lvl8pPr>
+            <a:lvl9pPr marL="3886200" indent="-228600" algn="l" defTabSz="914400" rtl="0" eaLnBrk="1" latinLnBrk="0" hangingPunct="1">
+              <a:lnSpc>
+                <a:spcPct val="90000"/>
+              </a:lnSpc>
+              <a:spcBef>
+                <a:spcPts val="500"/>
+              </a:spcBef>
+              <a:buFont typeface="Arial" panose="020B0604020202020204" pitchFamily="34" charset="0"/>
+              <a:buChar char="•"/>
+              <a:defRPr sz="1800" kern="1200">
+                <a:solidFill>
+                  <a:schemeClr val="tx1"/>
+                </a:solidFill>
+                <a:latin typeface="+mn-lt"/>
+                <a:ea typeface="+mn-ea"/>
+                <a:cs typeface="+mn-cs"/>
+              </a:defRPr>
+            </a:lvl9pPr>
+          </a:lstStyle>
+          <a:p>
+            <a:pPr marL="0" indent="0" algn="ctr">
+              <a:buFont typeface="Arial" panose="020B0604020202020204" pitchFamily="34" charset="0"/>
+              <a:buNone/>
+            </a:pPr>
+            <a:r>
+              <a:rPr lang="en-US" sz="4000" b="1" dirty="0">
                 <a:solidFill>
                   <a:schemeClr val="bg1"/>
                 </a:solidFill>
               </a:rPr>
-              <a:t>Bokeh </a:t>
-            </a:r>
-            <a:r>
-              <a:rPr lang="en-US" dirty="0" err="1">
-                <a:solidFill>
-                  <a:schemeClr val="bg1"/>
-                </a:solidFill>
-              </a:rPr>
-              <a:t>Gmap</a:t>
-            </a:r>
-            <a:r>
-              <a:rPr lang="en-US" dirty="0">
-                <a:solidFill>
-                  <a:schemeClr val="bg1"/>
-                </a:solidFill>
-              </a:rPr>
-              <a:t> Plot</a:t>
-            </a:r>
-            <a:endParaRPr lang="en-IN" dirty="0">
+              <a:t>All Pick-ups on New York City map and pick-up locations.</a:t>
+            </a:r>
+            <a:endParaRPr lang="en-US" sz="4400" b="1" dirty="0">
               <a:solidFill>
                 <a:schemeClr val="bg1"/>
               </a:solidFill>
@@ -6188,10 +6572,10 @@
       </p:sp>
       <p:pic>
         <p:nvPicPr>
-          <p:cNvPr id="4" name="Picture 3" descr="A picture containing outdoor object&#10;&#10;Description automatically generated">
-            <a:extLst>
-              <a:ext uri="{FF2B5EF4-FFF2-40B4-BE49-F238E27FC236}">
-                <a16:creationId xmlns:a16="http://schemas.microsoft.com/office/drawing/2014/main" id="{3C215066-236F-45EE-BAEF-3F276734C90E}"/>
+          <p:cNvPr id="11" name="Picture 10" descr="A close up of a logo&#10;&#10;Description automatically generated">
+            <a:extLst>
+              <a:ext uri="{FF2B5EF4-FFF2-40B4-BE49-F238E27FC236}">
+                <a16:creationId xmlns:a16="http://schemas.microsoft.com/office/drawing/2014/main" id="{FE401493-306A-4690-933A-7A25D41311AD}"/>
               </a:ext>
             </a:extLst>
           </p:cNvPr>
@@ -6214,42 +6598,8 @@
         </p:blipFill>
         <p:spPr>
           <a:xfrm>
-            <a:off x="4698451" y="-57272"/>
-            <a:ext cx="937090" cy="937090"/>
-          </a:xfrm>
-          <a:prstGeom prst="rect">
-            <a:avLst/>
-          </a:prstGeom>
-        </p:spPr>
-      </p:pic>
-      <p:pic>
-        <p:nvPicPr>
-          <p:cNvPr id="7" name="Picture 6" descr="A close up of a map&#10;&#10;Description automatically generated">
-            <a:extLst>
-              <a:ext uri="{FF2B5EF4-FFF2-40B4-BE49-F238E27FC236}">
-                <a16:creationId xmlns:a16="http://schemas.microsoft.com/office/drawing/2014/main" id="{5DFD8A1E-F722-4AD1-9C31-D7C27363ECAE}"/>
-              </a:ext>
-            </a:extLst>
-          </p:cNvPr>
-          <p:cNvPicPr/>
-          <p:nvPr/>
-        </p:nvPicPr>
-        <p:blipFill>
-          <a:blip r:embed="rId3">
-            <a:extLst>
-              <a:ext uri="{28A0092B-C50C-407E-A947-70E740481C1C}">
-                <a14:useLocalDpi xmlns:a14="http://schemas.microsoft.com/office/drawing/2010/main" val="0"/>
-              </a:ext>
-            </a:extLst>
-          </a:blip>
-          <a:stretch>
-            <a:fillRect/>
-          </a:stretch>
-        </p:blipFill>
-        <p:spPr>
-          <a:xfrm>
-            <a:off x="4843090" y="690880"/>
-            <a:ext cx="7176189" cy="6167120"/>
+            <a:off x="4650910" y="0"/>
+            <a:ext cx="1445090" cy="879818"/>
           </a:xfrm>
           <a:prstGeom prst="rect">
             <a:avLst/>
@@ -6259,7 +6609,7 @@
     </p:spTree>
     <p:extLst>
       <p:ext uri="{BB962C8B-B14F-4D97-AF65-F5344CB8AC3E}">
-        <p14:creationId xmlns:p14="http://schemas.microsoft.com/office/powerpoint/2010/main" val="1798814458"/>
+        <p14:creationId xmlns:p14="http://schemas.microsoft.com/office/powerpoint/2010/main" val="203330376"/>
       </p:ext>
     </p:extLst>
   </p:cSld>
@@ -6287,7 +6637,7 @@
     <p:bg>
       <p:bgPr>
         <a:solidFill>
-          <a:schemeClr val="tx1"/>
+          <a:schemeClr val="bg1"/>
         </a:solidFill>
         <a:effectLst/>
       </p:bgPr>
@@ -6306,176 +6656,12 @@
           <a:chExt cx="0" cy="0"/>
         </a:xfrm>
       </p:grpSpPr>
-      <p:sp>
-        <p:nvSpPr>
-          <p:cNvPr id="13" name="Rectangle 12">
-            <a:extLst>
-              <a:ext uri="{FF2B5EF4-FFF2-40B4-BE49-F238E27FC236}">
-                <a16:creationId xmlns:a16="http://schemas.microsoft.com/office/drawing/2014/main" id="{867D4867-5BA7-4462-B2F6-A23F4A622AA7}"/>
-              </a:ext>
-              <a:ext uri="{C183D7F6-B498-43B3-948B-1728B52AA6E4}">
-                <adec:decorative xmlns:adec="http://schemas.microsoft.com/office/drawing/2017/decorative" val="1"/>
-              </a:ext>
-            </a:extLst>
-          </p:cNvPr>
-          <p:cNvSpPr>
-            <a:spLocks noGrp="1" noRot="1" noChangeAspect="1" noMove="1" noResize="1" noEditPoints="1" noAdjustHandles="1" noChangeArrowheads="1" noChangeShapeType="1" noTextEdit="1"/>
-          </p:cNvSpPr>
-          <p:nvPr>
-            <p:extLst>
-              <p:ext uri="{386F3935-93C4-4BCD-93E2-E3B085C9AB24}">
-                <p16:designElem xmlns:p16="http://schemas.microsoft.com/office/powerpoint/2015/main" val="1"/>
-              </p:ext>
-            </p:extLst>
-          </p:nvPr>
-        </p:nvSpPr>
-        <p:spPr>
-          <a:xfrm>
-            <a:off x="0" y="0"/>
-            <a:ext cx="4654296" cy="6858000"/>
-          </a:xfrm>
-          <a:prstGeom prst="rect">
-            <a:avLst/>
-          </a:prstGeom>
-          <a:solidFill>
-            <a:srgbClr val="3F3F3F"/>
-          </a:solidFill>
-          <a:ln>
-            <a:noFill/>
-          </a:ln>
-        </p:spPr>
-        <p:style>
-          <a:lnRef idx="0">
-            <a:scrgbClr r="0" g="0" b="0"/>
-          </a:lnRef>
-          <a:fillRef idx="0">
-            <a:scrgbClr r="0" g="0" b="0"/>
-          </a:fillRef>
-          <a:effectRef idx="0">
-            <a:scrgbClr r="0" g="0" b="0"/>
-          </a:effectRef>
-          <a:fontRef idx="minor">
-            <a:schemeClr val="lt1"/>
-          </a:fontRef>
-        </p:style>
-        <p:txBody>
-          <a:bodyPr rtlCol="0" anchor="ctr"/>
-          <a:lstStyle/>
-          <a:p>
-            <a:pPr algn="ctr"/>
-            <a:endParaRPr lang="en-US" dirty="0"/>
-          </a:p>
-        </p:txBody>
-      </p:sp>
-      <p:sp>
-        <p:nvSpPr>
-          <p:cNvPr id="2" name="Title 1">
-            <a:extLst>
-              <a:ext uri="{FF2B5EF4-FFF2-40B4-BE49-F238E27FC236}">
-                <a16:creationId xmlns:a16="http://schemas.microsoft.com/office/drawing/2014/main" id="{38AC3C0E-E19C-4B33-8BA0-B218CBFEAB92}"/>
-              </a:ext>
-            </a:extLst>
-          </p:cNvPr>
-          <p:cNvSpPr>
-            <a:spLocks noGrp="1"/>
-          </p:cNvSpPr>
-          <p:nvPr>
-            <p:ph type="title"/>
-          </p:nvPr>
-        </p:nvSpPr>
-        <p:spPr>
-          <a:xfrm>
-            <a:off x="643468" y="623392"/>
-            <a:ext cx="3363974" cy="1607060"/>
-          </a:xfrm>
-          <a:noFill/>
-          <a:ln w="19050">
-            <a:solidFill>
-              <a:schemeClr val="tx1"/>
-            </a:solidFill>
-          </a:ln>
-        </p:spPr>
-        <p:txBody>
-          <a:bodyPr wrap="square" anchor="ctr">
-            <a:normAutofit/>
-          </a:bodyPr>
-          <a:lstStyle/>
-          <a:p>
-            <a:pPr algn="ctr"/>
-            <a:r>
-              <a:rPr lang="en-US" sz="2800" dirty="0"/>
-              <a:t>Visualization</a:t>
-            </a:r>
-            <a:endParaRPr lang="en-IN" sz="2800" dirty="0"/>
-          </a:p>
-        </p:txBody>
-      </p:sp>
-      <p:sp>
-        <p:nvSpPr>
-          <p:cNvPr id="29" name="TextBox 28">
-            <a:extLst>
-              <a:ext uri="{FF2B5EF4-FFF2-40B4-BE49-F238E27FC236}">
-                <a16:creationId xmlns:a16="http://schemas.microsoft.com/office/drawing/2014/main" id="{5F916358-E07A-4C5B-B924-DBAE905AB881}"/>
-              </a:ext>
-            </a:extLst>
-          </p:cNvPr>
-          <p:cNvSpPr txBox="1"/>
-          <p:nvPr/>
-        </p:nvSpPr>
-        <p:spPr>
-          <a:xfrm>
-            <a:off x="5926795" y="226607"/>
-            <a:ext cx="1804276" cy="369332"/>
-          </a:xfrm>
-          <a:prstGeom prst="rect">
-            <a:avLst/>
-          </a:prstGeom>
-          <a:noFill/>
-        </p:spPr>
-        <p:txBody>
-          <a:bodyPr wrap="none" rtlCol="0">
-            <a:spAutoFit/>
-          </a:bodyPr>
-          <a:lstStyle/>
-          <a:p>
-            <a:r>
-              <a:rPr lang="en-US" dirty="0">
-                <a:solidFill>
-                  <a:schemeClr val="bg1"/>
-                </a:solidFill>
-              </a:rPr>
-              <a:t>Bokeh </a:t>
-            </a:r>
-            <a:r>
-              <a:rPr lang="en-US" dirty="0" err="1">
-                <a:solidFill>
-                  <a:schemeClr val="bg1"/>
-                </a:solidFill>
-              </a:rPr>
-              <a:t>Gmap</a:t>
-            </a:r>
-            <a:r>
-              <a:rPr lang="en-US" dirty="0">
-                <a:solidFill>
-                  <a:schemeClr val="bg1"/>
-                </a:solidFill>
-              </a:rPr>
-              <a:t> Plot</a:t>
-            </a:r>
-            <a:endParaRPr lang="en-IN" dirty="0">
-              <a:solidFill>
-                <a:schemeClr val="bg1"/>
-              </a:solidFill>
-            </a:endParaRPr>
-          </a:p>
-        </p:txBody>
-      </p:sp>
       <p:pic>
         <p:nvPicPr>
-          <p:cNvPr id="4" name="Picture 3" descr="A picture containing outdoor object&#10;&#10;Description automatically generated">
-            <a:extLst>
-              <a:ext uri="{FF2B5EF4-FFF2-40B4-BE49-F238E27FC236}">
-                <a16:creationId xmlns:a16="http://schemas.microsoft.com/office/drawing/2014/main" id="{3C215066-236F-45EE-BAEF-3F276734C90E}"/>
+          <p:cNvPr id="8" name="Picture 7">
+            <a:extLst>
+              <a:ext uri="{FF2B5EF4-FFF2-40B4-BE49-F238E27FC236}">
+                <a16:creationId xmlns:a16="http://schemas.microsoft.com/office/drawing/2014/main" id="{3243A130-D886-48AB-AC44-8CB70203B42B}"/>
               </a:ext>
             </a:extLst>
           </p:cNvPr>
@@ -6485,137 +6671,31 @@
           <p:nvPr/>
         </p:nvPicPr>
         <p:blipFill>
-          <a:blip r:embed="rId2">
-            <a:extLst>
-              <a:ext uri="{28A0092B-C50C-407E-A947-70E740481C1C}">
-                <a14:useLocalDpi xmlns:a14="http://schemas.microsoft.com/office/drawing/2010/main" val="0"/>
-              </a:ext>
-            </a:extLst>
-          </a:blip>
+          <a:blip r:embed="rId2"/>
           <a:stretch>
             <a:fillRect/>
           </a:stretch>
         </p:blipFill>
         <p:spPr>
           <a:xfrm>
-            <a:off x="4698451" y="-57272"/>
-            <a:ext cx="937090" cy="937090"/>
+            <a:off x="0" y="0"/>
+            <a:ext cx="12191999" cy="6858000"/>
           </a:xfrm>
           <a:prstGeom prst="rect">
             <a:avLst/>
           </a:prstGeom>
         </p:spPr>
       </p:pic>
-      <p:pic>
-        <p:nvPicPr>
-          <p:cNvPr id="8" name="Picture 7" descr="A close up of a map&#10;&#10;Description automatically generated">
-            <a:extLst>
-              <a:ext uri="{FF2B5EF4-FFF2-40B4-BE49-F238E27FC236}">
-                <a16:creationId xmlns:a16="http://schemas.microsoft.com/office/drawing/2014/main" id="{566FB214-417F-4E43-A6CF-762EAD5EF447}"/>
-              </a:ext>
-            </a:extLst>
-          </p:cNvPr>
-          <p:cNvPicPr/>
-          <p:nvPr/>
-        </p:nvPicPr>
-        <p:blipFill>
-          <a:blip r:embed="rId3">
-            <a:extLst>
-              <a:ext uri="{28A0092B-C50C-407E-A947-70E740481C1C}">
-                <a14:useLocalDpi xmlns:a14="http://schemas.microsoft.com/office/drawing/2010/main" val="0"/>
-              </a:ext>
-            </a:extLst>
-          </a:blip>
-          <a:stretch>
-            <a:fillRect/>
-          </a:stretch>
-        </p:blipFill>
-        <p:spPr>
-          <a:xfrm>
-            <a:off x="4698450" y="721360"/>
-            <a:ext cx="7493549" cy="6238240"/>
-          </a:xfrm>
-          <a:prstGeom prst="rect">
-            <a:avLst/>
-          </a:prstGeom>
-        </p:spPr>
-      </p:pic>
-      <p:sp>
-        <p:nvSpPr>
-          <p:cNvPr id="9" name="Content Placeholder 7">
-            <a:extLst>
-              <a:ext uri="{FF2B5EF4-FFF2-40B4-BE49-F238E27FC236}">
-                <a16:creationId xmlns:a16="http://schemas.microsoft.com/office/drawing/2014/main" id="{A82D134C-FF99-496B-8FBE-FEE4D7615BBF}"/>
-              </a:ext>
-            </a:extLst>
-          </p:cNvPr>
-          <p:cNvSpPr>
-            <a:spLocks noGrp="1"/>
-          </p:cNvSpPr>
-          <p:nvPr>
-            <p:ph idx="1"/>
-          </p:nvPr>
-        </p:nvSpPr>
-        <p:spPr>
-          <a:xfrm>
-            <a:off x="643468" y="2638043"/>
-            <a:ext cx="3363974" cy="3415623"/>
-          </a:xfrm>
-        </p:spPr>
-        <p:txBody>
-          <a:bodyPr>
-            <a:normAutofit/>
-          </a:bodyPr>
-          <a:lstStyle/>
-          <a:p>
-            <a:pPr marL="0" indent="0">
-              <a:buNone/>
-            </a:pPr>
-            <a:r>
-              <a:rPr lang="en-US" sz="2000" dirty="0"/>
-              <a:t>Inference:</a:t>
-            </a:r>
-          </a:p>
-          <a:p>
-            <a:pPr marL="0" indent="0">
-              <a:buNone/>
-            </a:pPr>
-            <a:endParaRPr lang="en-US" sz="2000" dirty="0"/>
-          </a:p>
-          <a:p>
-            <a:pPr marL="0" indent="0">
-              <a:buNone/>
-            </a:pPr>
-            <a:r>
-              <a:rPr lang="en-US" sz="2000" dirty="0"/>
-              <a:t>The majority of taxi action happens on the island of Manhattan. And La Guardia Airport and JFK airports are popular pickup spots. Hence, that is the reason which Pick-up and Drop-offs are more concentrated in these zones.</a:t>
-            </a:r>
-            <a:endParaRPr lang="en-US" sz="2400" dirty="0"/>
-          </a:p>
-        </p:txBody>
-      </p:sp>
     </p:spTree>
     <p:extLst>
       <p:ext uri="{BB962C8B-B14F-4D97-AF65-F5344CB8AC3E}">
-        <p14:creationId xmlns:p14="http://schemas.microsoft.com/office/powerpoint/2010/main" val="119063429"/>
+        <p14:creationId xmlns:p14="http://schemas.microsoft.com/office/powerpoint/2010/main" val="1690311345"/>
       </p:ext>
     </p:extLst>
   </p:cSld>
   <p:clrMapOvr>
-    <a:overrideClrMapping bg1="dk1" tx1="lt1" bg2="dk2" tx2="lt2" accent1="accent1" accent2="accent2" accent3="accent3" accent4="accent4" accent5="accent5" accent6="accent6" hlink="hlink" folHlink="folHlink"/>
+    <a:masterClrMapping/>
   </p:clrMapOvr>
-  <mc:AlternateContent xmlns:mc="http://schemas.openxmlformats.org/markup-compatibility/2006" xmlns:p159="http://schemas.microsoft.com/office/powerpoint/2015/09/main">
-    <mc:Choice Requires="p159">
-      <p:transition xmlns:p14="http://schemas.microsoft.com/office/powerpoint/2010/main" spd="slow" p14:dur="2000">
-        <p159:morph option="byObject"/>
-      </p:transition>
-    </mc:Choice>
-    <mc:Fallback xmlns="">
-      <p:transition spd="slow">
-        <p:fade/>
-      </p:transition>
-    </mc:Fallback>
-  </mc:AlternateContent>
 </p:sld>
 </file>
 
@@ -6750,41 +6830,209 @@
       </p:sp>
       <p:sp>
         <p:nvSpPr>
-          <p:cNvPr id="29" name="TextBox 28">
-            <a:extLst>
-              <a:ext uri="{FF2B5EF4-FFF2-40B4-BE49-F238E27FC236}">
-                <a16:creationId xmlns:a16="http://schemas.microsoft.com/office/drawing/2014/main" id="{5F916358-E07A-4C5B-B924-DBAE905AB881}"/>
-              </a:ext>
-            </a:extLst>
-          </p:cNvPr>
-          <p:cNvSpPr txBox="1"/>
+          <p:cNvPr id="10" name="Content Placeholder 7">
+            <a:extLst>
+              <a:ext uri="{FF2B5EF4-FFF2-40B4-BE49-F238E27FC236}">
+                <a16:creationId xmlns:a16="http://schemas.microsoft.com/office/drawing/2014/main" id="{8152CF3F-8113-4031-B0A2-8035327AA020}"/>
+              </a:ext>
+            </a:extLst>
+          </p:cNvPr>
+          <p:cNvSpPr txBox="1">
+            <a:spLocks/>
+          </p:cNvSpPr>
           <p:nvPr/>
         </p:nvSpPr>
         <p:spPr>
           <a:xfrm>
-            <a:off x="6272235" y="254060"/>
-            <a:ext cx="1587101" cy="369332"/>
+            <a:off x="4948936" y="2773681"/>
+            <a:ext cx="6640236" cy="2028698"/>
           </a:xfrm>
           <a:prstGeom prst="rect">
             <a:avLst/>
           </a:prstGeom>
-          <a:noFill/>
-        </p:spPr>
-        <p:txBody>
-          <a:bodyPr wrap="none" rtlCol="0">
-            <a:spAutoFit/>
+        </p:spPr>
+        <p:txBody>
+          <a:bodyPr vert="horz" lIns="91440" tIns="45720" rIns="91440" bIns="45720" rtlCol="0">
+            <a:normAutofit/>
           </a:bodyPr>
-          <a:lstStyle/>
-          <a:p>
-            <a:r>
-              <a:rPr lang="en-US" dirty="0">
+          <a:lstStyle>
+            <a:lvl1pPr marL="228600" indent="-228600" algn="l" defTabSz="914400" rtl="0" eaLnBrk="1" latinLnBrk="0" hangingPunct="1">
+              <a:lnSpc>
+                <a:spcPct val="90000"/>
+              </a:lnSpc>
+              <a:spcBef>
+                <a:spcPts val="1000"/>
+              </a:spcBef>
+              <a:buFont typeface="Arial" panose="020B0604020202020204" pitchFamily="34" charset="0"/>
+              <a:buChar char="•"/>
+              <a:defRPr sz="2800" kern="1200">
+                <a:solidFill>
+                  <a:schemeClr val="tx1"/>
+                </a:solidFill>
+                <a:latin typeface="+mn-lt"/>
+                <a:ea typeface="+mn-ea"/>
+                <a:cs typeface="+mn-cs"/>
+              </a:defRPr>
+            </a:lvl1pPr>
+            <a:lvl2pPr marL="685800" indent="-228600" algn="l" defTabSz="914400" rtl="0" eaLnBrk="1" latinLnBrk="0" hangingPunct="1">
+              <a:lnSpc>
+                <a:spcPct val="90000"/>
+              </a:lnSpc>
+              <a:spcBef>
+                <a:spcPts val="500"/>
+              </a:spcBef>
+              <a:buFont typeface="Arial" panose="020B0604020202020204" pitchFamily="34" charset="0"/>
+              <a:buChar char="•"/>
+              <a:defRPr sz="2400" kern="1200">
+                <a:solidFill>
+                  <a:schemeClr val="tx1"/>
+                </a:solidFill>
+                <a:latin typeface="+mn-lt"/>
+                <a:ea typeface="+mn-ea"/>
+                <a:cs typeface="+mn-cs"/>
+              </a:defRPr>
+            </a:lvl2pPr>
+            <a:lvl3pPr marL="1143000" indent="-228600" algn="l" defTabSz="914400" rtl="0" eaLnBrk="1" latinLnBrk="0" hangingPunct="1">
+              <a:lnSpc>
+                <a:spcPct val="90000"/>
+              </a:lnSpc>
+              <a:spcBef>
+                <a:spcPts val="500"/>
+              </a:spcBef>
+              <a:buFont typeface="Arial" panose="020B0604020202020204" pitchFamily="34" charset="0"/>
+              <a:buChar char="•"/>
+              <a:defRPr sz="2000" kern="1200">
+                <a:solidFill>
+                  <a:schemeClr val="tx1"/>
+                </a:solidFill>
+                <a:latin typeface="+mn-lt"/>
+                <a:ea typeface="+mn-ea"/>
+                <a:cs typeface="+mn-cs"/>
+              </a:defRPr>
+            </a:lvl3pPr>
+            <a:lvl4pPr marL="1600200" indent="-228600" algn="l" defTabSz="914400" rtl="0" eaLnBrk="1" latinLnBrk="0" hangingPunct="1">
+              <a:lnSpc>
+                <a:spcPct val="90000"/>
+              </a:lnSpc>
+              <a:spcBef>
+                <a:spcPts val="500"/>
+              </a:spcBef>
+              <a:buFont typeface="Arial" panose="020B0604020202020204" pitchFamily="34" charset="0"/>
+              <a:buChar char="•"/>
+              <a:defRPr sz="1800" kern="1200">
+                <a:solidFill>
+                  <a:schemeClr val="tx1"/>
+                </a:solidFill>
+                <a:latin typeface="+mn-lt"/>
+                <a:ea typeface="+mn-ea"/>
+                <a:cs typeface="+mn-cs"/>
+              </a:defRPr>
+            </a:lvl4pPr>
+            <a:lvl5pPr marL="2057400" indent="-228600" algn="l" defTabSz="914400" rtl="0" eaLnBrk="1" latinLnBrk="0" hangingPunct="1">
+              <a:lnSpc>
+                <a:spcPct val="90000"/>
+              </a:lnSpc>
+              <a:spcBef>
+                <a:spcPts val="500"/>
+              </a:spcBef>
+              <a:buFont typeface="Arial" panose="020B0604020202020204" pitchFamily="34" charset="0"/>
+              <a:buChar char="•"/>
+              <a:defRPr sz="1800" kern="1200">
+                <a:solidFill>
+                  <a:schemeClr val="tx1"/>
+                </a:solidFill>
+                <a:latin typeface="+mn-lt"/>
+                <a:ea typeface="+mn-ea"/>
+                <a:cs typeface="+mn-cs"/>
+              </a:defRPr>
+            </a:lvl5pPr>
+            <a:lvl6pPr marL="2514600" indent="-228600" algn="l" defTabSz="914400" rtl="0" eaLnBrk="1" latinLnBrk="0" hangingPunct="1">
+              <a:lnSpc>
+                <a:spcPct val="90000"/>
+              </a:lnSpc>
+              <a:spcBef>
+                <a:spcPts val="500"/>
+              </a:spcBef>
+              <a:buFont typeface="Arial" panose="020B0604020202020204" pitchFamily="34" charset="0"/>
+              <a:buChar char="•"/>
+              <a:defRPr sz="1800" kern="1200">
+                <a:solidFill>
+                  <a:schemeClr val="tx1"/>
+                </a:solidFill>
+                <a:latin typeface="+mn-lt"/>
+                <a:ea typeface="+mn-ea"/>
+                <a:cs typeface="+mn-cs"/>
+              </a:defRPr>
+            </a:lvl6pPr>
+            <a:lvl7pPr marL="2971800" indent="-228600" algn="l" defTabSz="914400" rtl="0" eaLnBrk="1" latinLnBrk="0" hangingPunct="1">
+              <a:lnSpc>
+                <a:spcPct val="90000"/>
+              </a:lnSpc>
+              <a:spcBef>
+                <a:spcPts val="500"/>
+              </a:spcBef>
+              <a:buFont typeface="Arial" panose="020B0604020202020204" pitchFamily="34" charset="0"/>
+              <a:buChar char="•"/>
+              <a:defRPr sz="1800" kern="1200">
+                <a:solidFill>
+                  <a:schemeClr val="tx1"/>
+                </a:solidFill>
+                <a:latin typeface="+mn-lt"/>
+                <a:ea typeface="+mn-ea"/>
+                <a:cs typeface="+mn-cs"/>
+              </a:defRPr>
+            </a:lvl7pPr>
+            <a:lvl8pPr marL="3429000" indent="-228600" algn="l" defTabSz="914400" rtl="0" eaLnBrk="1" latinLnBrk="0" hangingPunct="1">
+              <a:lnSpc>
+                <a:spcPct val="90000"/>
+              </a:lnSpc>
+              <a:spcBef>
+                <a:spcPts val="500"/>
+              </a:spcBef>
+              <a:buFont typeface="Arial" panose="020B0604020202020204" pitchFamily="34" charset="0"/>
+              <a:buChar char="•"/>
+              <a:defRPr sz="1800" kern="1200">
+                <a:solidFill>
+                  <a:schemeClr val="tx1"/>
+                </a:solidFill>
+                <a:latin typeface="+mn-lt"/>
+                <a:ea typeface="+mn-ea"/>
+                <a:cs typeface="+mn-cs"/>
+              </a:defRPr>
+            </a:lvl8pPr>
+            <a:lvl9pPr marL="3886200" indent="-228600" algn="l" defTabSz="914400" rtl="0" eaLnBrk="1" latinLnBrk="0" hangingPunct="1">
+              <a:lnSpc>
+                <a:spcPct val="90000"/>
+              </a:lnSpc>
+              <a:spcBef>
+                <a:spcPts val="500"/>
+              </a:spcBef>
+              <a:buFont typeface="Arial" panose="020B0604020202020204" pitchFamily="34" charset="0"/>
+              <a:buChar char="•"/>
+              <a:defRPr sz="1800" kern="1200">
+                <a:solidFill>
+                  <a:schemeClr val="tx1"/>
+                </a:solidFill>
+                <a:latin typeface="+mn-lt"/>
+                <a:ea typeface="+mn-ea"/>
+                <a:cs typeface="+mn-cs"/>
+              </a:defRPr>
+            </a:lvl9pPr>
+          </a:lstStyle>
+          <a:p>
+            <a:pPr marL="0" indent="0" algn="ctr">
+              <a:buFont typeface="Arial" panose="020B0604020202020204" pitchFamily="34" charset="0"/>
+              <a:buNone/>
+            </a:pPr>
+            <a:r>
+              <a:rPr lang="en-US" sz="4000" b="1" dirty="0">
                 <a:solidFill>
                   <a:schemeClr val="bg1"/>
                 </a:solidFill>
               </a:rPr>
-              <a:t>All Taxi Pickups</a:t>
-            </a:r>
-            <a:endParaRPr lang="en-IN" dirty="0">
+              <a:t>All Drop-offs on New York City map and drop-off locations.</a:t>
+            </a:r>
+            <a:endParaRPr lang="en-US" sz="4400" b="1" dirty="0">
               <a:solidFill>
                 <a:schemeClr val="bg1"/>
               </a:solidFill>
@@ -6794,44 +7042,10 @@
       </p:sp>
       <p:pic>
         <p:nvPicPr>
-          <p:cNvPr id="7" name="Picture 6" descr="A picture containing outdoor object&#10;&#10;Description automatically generated">
-            <a:extLst>
-              <a:ext uri="{FF2B5EF4-FFF2-40B4-BE49-F238E27FC236}">
-                <a16:creationId xmlns:a16="http://schemas.microsoft.com/office/drawing/2014/main" id="{DEB90080-E820-4E88-9528-79D9BAAE5FB0}"/>
-              </a:ext>
-            </a:extLst>
-          </p:cNvPr>
-          <p:cNvPicPr/>
-          <p:nvPr/>
-        </p:nvPicPr>
-        <p:blipFill>
-          <a:blip r:embed="rId2">
-            <a:extLst>
-              <a:ext uri="{28A0092B-C50C-407E-A947-70E740481C1C}">
-                <a14:useLocalDpi xmlns:a14="http://schemas.microsoft.com/office/drawing/2010/main" val="0"/>
-              </a:ext>
-            </a:extLst>
-          </a:blip>
-          <a:stretch>
-            <a:fillRect/>
-          </a:stretch>
-        </p:blipFill>
-        <p:spPr>
-          <a:xfrm>
-            <a:off x="4650910" y="879818"/>
-            <a:ext cx="7541090" cy="5978182"/>
-          </a:xfrm>
-          <a:prstGeom prst="rect">
-            <a:avLst/>
-          </a:prstGeom>
-        </p:spPr>
-      </p:pic>
-      <p:pic>
-        <p:nvPicPr>
-          <p:cNvPr id="9" name="Picture 8" descr="A close up of a logo&#10;&#10;Description automatically generated">
-            <a:extLst>
-              <a:ext uri="{FF2B5EF4-FFF2-40B4-BE49-F238E27FC236}">
-                <a16:creationId xmlns:a16="http://schemas.microsoft.com/office/drawing/2014/main" id="{0ECC5E49-CC45-4D4A-B526-E0808933829D}"/>
+          <p:cNvPr id="11" name="Picture 10" descr="A close up of a logo&#10;&#10;Description automatically generated">
+            <a:extLst>
+              <a:ext uri="{FF2B5EF4-FFF2-40B4-BE49-F238E27FC236}">
+                <a16:creationId xmlns:a16="http://schemas.microsoft.com/office/drawing/2014/main" id="{FE401493-306A-4690-933A-7A25D41311AD}"/>
               </a:ext>
             </a:extLst>
           </p:cNvPr>
@@ -6841,7 +7055,7 @@
           <p:nvPr/>
         </p:nvPicPr>
         <p:blipFill>
-          <a:blip r:embed="rId3">
+          <a:blip r:embed="rId2">
             <a:extLst>
               <a:ext uri="{28A0092B-C50C-407E-A947-70E740481C1C}">
                 <a14:useLocalDpi xmlns:a14="http://schemas.microsoft.com/office/drawing/2010/main" val="0"/>
@@ -6865,7 +7079,7 @@
     </p:spTree>
     <p:extLst>
       <p:ext uri="{BB962C8B-B14F-4D97-AF65-F5344CB8AC3E}">
-        <p14:creationId xmlns:p14="http://schemas.microsoft.com/office/powerpoint/2010/main" val="1364462556"/>
+        <p14:creationId xmlns:p14="http://schemas.microsoft.com/office/powerpoint/2010/main" val="168621825"/>
       </p:ext>
     </p:extLst>
   </p:cSld>
@@ -6890,14 +7104,6 @@
 <file path=ppt/slides/slide17.xml><?xml version="1.0" encoding="utf-8"?>
 <p:sld xmlns:a="http://schemas.openxmlformats.org/drawingml/2006/main" xmlns:r="http://schemas.openxmlformats.org/officeDocument/2006/relationships" xmlns:p="http://schemas.openxmlformats.org/presentationml/2006/main">
   <p:cSld>
-    <p:bg>
-      <p:bgPr>
-        <a:solidFill>
-          <a:schemeClr val="tx1"/>
-        </a:solidFill>
-        <a:effectLst/>
-      </p:bgPr>
-    </p:bg>
     <p:spTree>
       <p:nvGrpSpPr>
         <p:cNvPr id="1" name=""/>
@@ -6912,166 +7118,16 @@
           <a:chExt cx="0" cy="0"/>
         </a:xfrm>
       </p:grpSpPr>
-      <p:sp>
-        <p:nvSpPr>
-          <p:cNvPr id="13" name="Rectangle 12">
-            <a:extLst>
-              <a:ext uri="{FF2B5EF4-FFF2-40B4-BE49-F238E27FC236}">
-                <a16:creationId xmlns:a16="http://schemas.microsoft.com/office/drawing/2014/main" id="{867D4867-5BA7-4462-B2F6-A23F4A622AA7}"/>
-              </a:ext>
-              <a:ext uri="{C183D7F6-B498-43B3-948B-1728B52AA6E4}">
-                <adec:decorative xmlns:adec="http://schemas.microsoft.com/office/drawing/2017/decorative" val="1"/>
-              </a:ext>
-            </a:extLst>
-          </p:cNvPr>
-          <p:cNvSpPr>
-            <a:spLocks noGrp="1" noRot="1" noChangeAspect="1" noMove="1" noResize="1" noEditPoints="1" noAdjustHandles="1" noChangeArrowheads="1" noChangeShapeType="1" noTextEdit="1"/>
-          </p:cNvSpPr>
-          <p:nvPr>
-            <p:extLst>
-              <p:ext uri="{386F3935-93C4-4BCD-93E2-E3B085C9AB24}">
-                <p16:designElem xmlns:p16="http://schemas.microsoft.com/office/powerpoint/2015/main" val="1"/>
-              </p:ext>
-            </p:extLst>
-          </p:nvPr>
-        </p:nvSpPr>
-        <p:spPr>
-          <a:xfrm>
-            <a:off x="0" y="0"/>
-            <a:ext cx="4654296" cy="6858000"/>
-          </a:xfrm>
-          <a:prstGeom prst="rect">
-            <a:avLst/>
-          </a:prstGeom>
-          <a:solidFill>
-            <a:srgbClr val="3F3F3F"/>
-          </a:solidFill>
-          <a:ln>
-            <a:noFill/>
-          </a:ln>
-        </p:spPr>
-        <p:style>
-          <a:lnRef idx="0">
-            <a:scrgbClr r="0" g="0" b="0"/>
-          </a:lnRef>
-          <a:fillRef idx="0">
-            <a:scrgbClr r="0" g="0" b="0"/>
-          </a:fillRef>
-          <a:effectRef idx="0">
-            <a:scrgbClr r="0" g="0" b="0"/>
-          </a:effectRef>
-          <a:fontRef idx="minor">
-            <a:schemeClr val="lt1"/>
-          </a:fontRef>
-        </p:style>
-        <p:txBody>
-          <a:bodyPr rtlCol="0" anchor="ctr"/>
-          <a:lstStyle/>
-          <a:p>
-            <a:pPr algn="ctr"/>
-            <a:endParaRPr lang="en-US" dirty="0"/>
-          </a:p>
-        </p:txBody>
-      </p:sp>
-      <p:sp>
-        <p:nvSpPr>
-          <p:cNvPr id="2" name="Title 1">
-            <a:extLst>
-              <a:ext uri="{FF2B5EF4-FFF2-40B4-BE49-F238E27FC236}">
-                <a16:creationId xmlns:a16="http://schemas.microsoft.com/office/drawing/2014/main" id="{38AC3C0E-E19C-4B33-8BA0-B218CBFEAB92}"/>
-              </a:ext>
-            </a:extLst>
-          </p:cNvPr>
-          <p:cNvSpPr>
-            <a:spLocks noGrp="1"/>
-          </p:cNvSpPr>
-          <p:nvPr>
-            <p:ph type="title"/>
-          </p:nvPr>
-        </p:nvSpPr>
-        <p:spPr>
-          <a:xfrm>
-            <a:off x="643468" y="623392"/>
-            <a:ext cx="3363974" cy="1607060"/>
-          </a:xfrm>
-          <a:noFill/>
-          <a:ln w="19050">
-            <a:solidFill>
-              <a:schemeClr val="tx1"/>
-            </a:solidFill>
-          </a:ln>
-        </p:spPr>
-        <p:txBody>
-          <a:bodyPr wrap="square" anchor="ctr">
-            <a:normAutofit/>
-          </a:bodyPr>
-          <a:lstStyle/>
-          <a:p>
-            <a:pPr algn="ctr"/>
-            <a:r>
-              <a:rPr lang="en-US" sz="2800" dirty="0"/>
-              <a:t>Visualization</a:t>
-            </a:r>
-            <a:endParaRPr lang="en-IN" sz="2800" dirty="0"/>
-          </a:p>
-        </p:txBody>
-      </p:sp>
-      <p:sp>
-        <p:nvSpPr>
-          <p:cNvPr id="29" name="TextBox 28">
-            <a:extLst>
-              <a:ext uri="{FF2B5EF4-FFF2-40B4-BE49-F238E27FC236}">
-                <a16:creationId xmlns:a16="http://schemas.microsoft.com/office/drawing/2014/main" id="{5F916358-E07A-4C5B-B924-DBAE905AB881}"/>
-              </a:ext>
-            </a:extLst>
-          </p:cNvPr>
-          <p:cNvSpPr txBox="1"/>
-          <p:nvPr/>
-        </p:nvSpPr>
-        <p:spPr>
-          <a:xfrm>
-            <a:off x="6272235" y="254060"/>
-            <a:ext cx="1435649" cy="369332"/>
-          </a:xfrm>
-          <a:prstGeom prst="rect">
-            <a:avLst/>
-          </a:prstGeom>
-          <a:noFill/>
-        </p:spPr>
-        <p:txBody>
-          <a:bodyPr wrap="none" rtlCol="0">
-            <a:spAutoFit/>
-          </a:bodyPr>
-          <a:lstStyle/>
-          <a:p>
-            <a:r>
-              <a:rPr lang="en-US" dirty="0">
-                <a:solidFill>
-                  <a:schemeClr val="bg1"/>
-                </a:solidFill>
-              </a:rPr>
-              <a:t>All Taxi Drops</a:t>
-            </a:r>
-            <a:endParaRPr lang="en-IN" dirty="0">
-              <a:solidFill>
-                <a:schemeClr val="bg1"/>
-              </a:solidFill>
-            </a:endParaRPr>
-          </a:p>
-        </p:txBody>
-      </p:sp>
       <p:pic>
         <p:nvPicPr>
-          <p:cNvPr id="9" name="Picture 8" descr="A close up of a logo&#10;&#10;Description automatically generated">
-            <a:extLst>
-              <a:ext uri="{FF2B5EF4-FFF2-40B4-BE49-F238E27FC236}">
-                <a16:creationId xmlns:a16="http://schemas.microsoft.com/office/drawing/2014/main" id="{0ECC5E49-CC45-4D4A-B526-E0808933829D}"/>
-              </a:ext>
-            </a:extLst>
-          </p:cNvPr>
-          <p:cNvPicPr>
-            <a:picLocks noChangeAspect="1"/>
-          </p:cNvPicPr>
+          <p:cNvPr id="4" name="Picture 3" descr="A sunset in the background&#10;&#10;Description automatically generated">
+            <a:extLst>
+              <a:ext uri="{FF2B5EF4-FFF2-40B4-BE49-F238E27FC236}">
+                <a16:creationId xmlns:a16="http://schemas.microsoft.com/office/drawing/2014/main" id="{41A48E36-0FE9-43EF-8B65-DB9146D3F70F}"/>
+              </a:ext>
+            </a:extLst>
+          </p:cNvPr>
+          <p:cNvPicPr/>
           <p:nvPr/>
         </p:nvPicPr>
         <p:blipFill>
@@ -7088,42 +7144,8 @@
         </p:blipFill>
         <p:spPr>
           <a:xfrm>
-            <a:off x="4650910" y="0"/>
-            <a:ext cx="1445090" cy="879818"/>
-          </a:xfrm>
-          <a:prstGeom prst="rect">
-            <a:avLst/>
-          </a:prstGeom>
-        </p:spPr>
-      </p:pic>
-      <p:pic>
-        <p:nvPicPr>
-          <p:cNvPr id="8" name="Picture 7" descr="A sunset in the background&#10;&#10;Description automatically generated">
-            <a:extLst>
-              <a:ext uri="{FF2B5EF4-FFF2-40B4-BE49-F238E27FC236}">
-                <a16:creationId xmlns:a16="http://schemas.microsoft.com/office/drawing/2014/main" id="{24AFE185-211F-433E-9CBF-7395E938A69A}"/>
-              </a:ext>
-            </a:extLst>
-          </p:cNvPr>
-          <p:cNvPicPr/>
-          <p:nvPr/>
-        </p:nvPicPr>
-        <p:blipFill>
-          <a:blip r:embed="rId3">
-            <a:extLst>
-              <a:ext uri="{28A0092B-C50C-407E-A947-70E740481C1C}">
-                <a14:useLocalDpi xmlns:a14="http://schemas.microsoft.com/office/drawing/2010/main" val="0"/>
-              </a:ext>
-            </a:extLst>
-          </a:blip>
-          <a:stretch>
-            <a:fillRect/>
-          </a:stretch>
-        </p:blipFill>
-        <p:spPr>
-          <a:xfrm>
-            <a:off x="4650910" y="803910"/>
-            <a:ext cx="7541090" cy="6054090"/>
+            <a:off x="0" y="0"/>
+            <a:ext cx="12192000" cy="6858000"/>
           </a:xfrm>
           <a:prstGeom prst="rect">
             <a:avLst/>
@@ -7133,25 +7155,13 @@
     </p:spTree>
     <p:extLst>
       <p:ext uri="{BB962C8B-B14F-4D97-AF65-F5344CB8AC3E}">
-        <p14:creationId xmlns:p14="http://schemas.microsoft.com/office/powerpoint/2010/main" val="2270000440"/>
+        <p14:creationId xmlns:p14="http://schemas.microsoft.com/office/powerpoint/2010/main" val="2741417342"/>
       </p:ext>
     </p:extLst>
   </p:cSld>
   <p:clrMapOvr>
-    <a:overrideClrMapping bg1="dk1" tx1="lt1" bg2="dk2" tx2="lt2" accent1="accent1" accent2="accent2" accent3="accent3" accent4="accent4" accent5="accent5" accent6="accent6" hlink="hlink" folHlink="folHlink"/>
+    <a:masterClrMapping/>
   </p:clrMapOvr>
-  <mc:AlternateContent xmlns:mc="http://schemas.openxmlformats.org/markup-compatibility/2006" xmlns:p159="http://schemas.microsoft.com/office/powerpoint/2015/09/main">
-    <mc:Choice Requires="p159">
-      <p:transition xmlns:p14="http://schemas.microsoft.com/office/powerpoint/2010/main" spd="slow" p14:dur="2000">
-        <p159:morph option="byObject"/>
-      </p:transition>
-    </mc:Choice>
-    <mc:Fallback xmlns="">
-      <p:transition spd="slow">
-        <p:fade/>
-      </p:transition>
-    </mc:Fallback>
-  </mc:AlternateContent>
 </p:sld>
 </file>
 
